--- a/NortheasternUniversity-AISkunk Club/AIaddin-An automatic model intrepretability platform/Project/AI-addin Interpretability-CreditCard_LIME_StepsAndResults.pptx
+++ b/NortheasternUniversity-AISkunk Club/AIaddin-An automatic model intrepretability platform/Project/AI-addin Interpretability-CreditCard_LIME_StepsAndResults.pptx
@@ -11,8 +11,8 @@
     <p:sldId id="257" r:id="rId5"/>
     <p:sldId id="258" r:id="rId6"/>
     <p:sldId id="265" r:id="rId7"/>
-    <p:sldId id="266" r:id="rId8"/>
-    <p:sldId id="259" r:id="rId9"/>
+    <p:sldId id="259" r:id="rId8"/>
+    <p:sldId id="271" r:id="rId9"/>
     <p:sldId id="267" r:id="rId10"/>
     <p:sldId id="260" r:id="rId11"/>
     <p:sldId id="269" r:id="rId12"/>
@@ -117,6 +117,11 @@
       </a:defRPr>
     </a:lvl9pPr>
   </p:defaultTextStyle>
+  <p:extLst>
+    <p:ext uri="{EFAFB233-063F-42B5-8137-9DF3F51BA10A}">
+      <p15:sldGuideLst xmlns:p15="http://schemas.microsoft.com/office/powerpoint/2012/main"/>
+    </p:ext>
+  </p:extLst>
 </p:presentation>
 </file>
 
@@ -4885,7 +4890,7 @@
         <p:spPr>
           <a:xfrm>
             <a:off x="294525" y="695170"/>
-            <a:ext cx="4163319" cy="369332"/>
+            <a:ext cx="4397358" cy="369332"/>
           </a:xfrm>
           <a:prstGeom prst="rect">
             <a:avLst/>
@@ -4908,16 +4913,6 @@
               <a:t>Split into </a:t>
             </a:r>
             <a:r>
-              <a:rPr lang="en-US" b="1" i="0" dirty="0" err="1" smtClean="0">
-                <a:solidFill>
-                  <a:srgbClr val="000000"/>
-                </a:solidFill>
-                <a:effectLst/>
-                <a:latin typeface="Helvetica Neue"/>
-              </a:rPr>
-              <a:t>traing</a:t>
-            </a:r>
-            <a:r>
               <a:rPr lang="en-US" b="1" i="0" dirty="0" smtClean="0">
                 <a:solidFill>
                   <a:srgbClr val="000000"/>
@@ -4925,7 +4920,37 @@
                 <a:effectLst/>
                 <a:latin typeface="Helvetica Neue"/>
               </a:rPr>
-              <a:t> data &amp; test data</a:t>
+              <a:t>trai</a:t>
+            </a:r>
+            <a:r>
+              <a:rPr lang="en-US" altLang="zh-CN" b="1" i="0" dirty="0" smtClean="0">
+                <a:solidFill>
+                  <a:srgbClr val="000000"/>
+                </a:solidFill>
+                <a:effectLst/>
+                <a:latin typeface="Helvetica Neue"/>
+              </a:rPr>
+              <a:t>ni</a:t>
+            </a:r>
+            <a:r>
+              <a:rPr lang="en-US" b="1" i="0" dirty="0" smtClean="0">
+                <a:solidFill>
+                  <a:srgbClr val="000000"/>
+                </a:solidFill>
+                <a:effectLst/>
+                <a:latin typeface="Helvetica Neue"/>
+              </a:rPr>
+              <a:t>ng </a:t>
+            </a:r>
+            <a:r>
+              <a:rPr lang="en-US" b="1" i="0" dirty="0" smtClean="0">
+                <a:solidFill>
+                  <a:srgbClr val="000000"/>
+                </a:solidFill>
+                <a:effectLst/>
+                <a:latin typeface="Helvetica Neue"/>
+              </a:rPr>
+              <a:t>data &amp; test data</a:t>
             </a:r>
             <a:endParaRPr lang="en-US" b="1" i="0" dirty="0">
               <a:solidFill>
@@ -5130,14 +5155,14 @@
         <p:spPr>
           <a:xfrm>
             <a:off x="274320" y="143179"/>
-            <a:ext cx="6096000" cy="1384995"/>
-          </a:xfrm>
-          <a:prstGeom prst="rect">
-            <a:avLst/>
-          </a:prstGeom>
-        </p:spPr>
-        <p:txBody>
-          <a:bodyPr>
+            <a:ext cx="11499592" cy="954107"/>
+          </a:xfrm>
+          <a:prstGeom prst="rect">
+            <a:avLst/>
+          </a:prstGeom>
+        </p:spPr>
+        <p:txBody>
+          <a:bodyPr wrap="square">
             <a:spAutoFit/>
           </a:bodyPr>
           <a:lstStyle/>
@@ -5322,7 +5347,7 @@
         </p:blipFill>
         <p:spPr>
           <a:xfrm>
-            <a:off x="166178" y="1958649"/>
+            <a:off x="239006" y="869338"/>
             <a:ext cx="7380952" cy="2333333"/>
           </a:xfrm>
           <a:prstGeom prst="rect">
@@ -5338,7 +5363,7 @@
         </p:nvSpPr>
         <p:spPr>
           <a:xfrm>
-            <a:off x="539402" y="579057"/>
+            <a:off x="539402" y="223007"/>
             <a:ext cx="6096000" cy="646331"/>
           </a:xfrm>
           <a:prstGeom prst="rect">
@@ -5373,39 +5398,6 @@
           </a:p>
         </p:txBody>
       </p:sp>
-      <p:sp>
-        <p:nvSpPr>
-          <p:cNvPr id="6" name="Rectangle 5"/>
-          <p:cNvSpPr/>
-          <p:nvPr/>
-        </p:nvSpPr>
-        <p:spPr>
-          <a:xfrm>
-            <a:off x="539402" y="1312318"/>
-            <a:ext cx="6096000" cy="646331"/>
-          </a:xfrm>
-          <a:prstGeom prst="rect">
-            <a:avLst/>
-          </a:prstGeom>
-        </p:spPr>
-        <p:txBody>
-          <a:bodyPr>
-            <a:spAutoFit/>
-          </a:bodyPr>
-          <a:lstStyle/>
-          <a:p>
-            <a:r>
-              <a:rPr lang="en-US" b="1" dirty="0">
-                <a:solidFill>
-                  <a:srgbClr val="000000"/>
-                </a:solidFill>
-                <a:latin typeface="Helvetica Neue"/>
-              </a:rPr>
-              <a:t>row containing the riskiest customer is encoded and standardized.</a:t>
-            </a:r>
-          </a:p>
-        </p:txBody>
-      </p:sp>
       <p:pic>
         <p:nvPicPr>
           <p:cNvPr id="7" name="Picture 6"/>
@@ -5422,7 +5414,7 @@
         </p:blipFill>
         <p:spPr>
           <a:xfrm>
-            <a:off x="242368" y="4291982"/>
+            <a:off x="315196" y="3202671"/>
             <a:ext cx="7304762" cy="2200000"/>
           </a:xfrm>
           <a:prstGeom prst="rect">
@@ -5446,7 +5438,7 @@
         </p:blipFill>
         <p:spPr>
           <a:xfrm>
-            <a:off x="7623320" y="4291982"/>
+            <a:off x="7696148" y="3202671"/>
             <a:ext cx="4257143" cy="2076190"/>
           </a:xfrm>
           <a:prstGeom prst="rect">
@@ -5484,10 +5476,202 @@
           <a:chExt cx="0" cy="0"/>
         </a:xfrm>
       </p:grpSpPr>
+      <p:sp>
+        <p:nvSpPr>
+          <p:cNvPr id="4" name="Rectangle 3"/>
+          <p:cNvSpPr/>
+          <p:nvPr/>
+        </p:nvSpPr>
+        <p:spPr>
+          <a:xfrm>
+            <a:off x="5952932" y="59761"/>
+            <a:ext cx="6885064" cy="646331"/>
+          </a:xfrm>
+          <a:prstGeom prst="rect">
+            <a:avLst/>
+          </a:prstGeom>
+        </p:spPr>
+        <p:txBody>
+          <a:bodyPr wrap="square">
+            <a:spAutoFit/>
+          </a:bodyPr>
+          <a:lstStyle/>
+          <a:p>
+            <a:r>
+              <a:rPr lang="en-US" b="1" dirty="0">
+                <a:solidFill>
+                  <a:srgbClr val="000000"/>
+                </a:solidFill>
+                <a:latin typeface="Helvetica Neue"/>
+              </a:rPr>
+              <a:t>Scaling &amp; one-hot encoding for calculating Euclidian </a:t>
+            </a:r>
+          </a:p>
+          <a:p>
+            <a:r>
+              <a:rPr lang="en-US" b="1" dirty="0">
+                <a:solidFill>
+                  <a:srgbClr val="000000"/>
+                </a:solidFill>
+                <a:latin typeface="Helvetica Neue"/>
+              </a:rPr>
+              <a:t>distance</a:t>
+            </a:r>
+          </a:p>
+        </p:txBody>
+      </p:sp>
+      <p:pic>
+        <p:nvPicPr>
+          <p:cNvPr id="7" name="Picture 6"/>
+          <p:cNvPicPr>
+            <a:picLocks noChangeAspect="1"/>
+          </p:cNvPicPr>
+          <p:nvPr/>
+        </p:nvPicPr>
+        <p:blipFill>
+          <a:blip r:embed="rId2"/>
+          <a:stretch>
+            <a:fillRect/>
+          </a:stretch>
+        </p:blipFill>
+        <p:spPr>
+          <a:xfrm>
+            <a:off x="4730626" y="3125610"/>
+            <a:ext cx="7276190" cy="761905"/>
+          </a:xfrm>
+          <a:prstGeom prst="rect">
+            <a:avLst/>
+          </a:prstGeom>
+        </p:spPr>
+      </p:pic>
+      <p:sp>
+        <p:nvSpPr>
+          <p:cNvPr id="8" name="Rectangle 7"/>
+          <p:cNvSpPr/>
+          <p:nvPr/>
+        </p:nvSpPr>
+        <p:spPr>
+          <a:xfrm>
+            <a:off x="255037" y="17588"/>
+            <a:ext cx="6096000" cy="646331"/>
+          </a:xfrm>
+          <a:prstGeom prst="rect">
+            <a:avLst/>
+          </a:prstGeom>
+        </p:spPr>
+        <p:txBody>
+          <a:bodyPr>
+            <a:spAutoFit/>
+          </a:bodyPr>
+          <a:lstStyle/>
+          <a:p>
+            <a:r>
+              <a:rPr lang="en-US" b="0" i="0" dirty="0" smtClean="0">
+                <a:solidFill>
+                  <a:srgbClr val="000000"/>
+                </a:solidFill>
+                <a:effectLst/>
+                <a:latin typeface="Helvetica Neue"/>
+              </a:rPr>
+              <a:t> </a:t>
+            </a:r>
+            <a:r>
+              <a:rPr lang="en-US" b="1" dirty="0">
+                <a:solidFill>
+                  <a:srgbClr val="000000"/>
+                </a:solidFill>
+                <a:latin typeface="Helvetica Neue"/>
+              </a:rPr>
+              <a:t>draws numeric values from normal distributions centered around the customer of interest</a:t>
+            </a:r>
+          </a:p>
+        </p:txBody>
+      </p:sp>
+      <p:pic>
+        <p:nvPicPr>
+          <p:cNvPr id="9" name="Picture 8"/>
+          <p:cNvPicPr>
+            <a:picLocks noChangeAspect="1"/>
+          </p:cNvPicPr>
+          <p:nvPr/>
+        </p:nvPicPr>
+        <p:blipFill>
+          <a:blip r:embed="rId3"/>
+          <a:stretch>
+            <a:fillRect/>
+          </a:stretch>
+        </p:blipFill>
+        <p:spPr>
+          <a:xfrm>
+            <a:off x="4730626" y="3873794"/>
+            <a:ext cx="7323809" cy="819048"/>
+          </a:xfrm>
+          <a:prstGeom prst="rect">
+            <a:avLst/>
+          </a:prstGeom>
+        </p:spPr>
+      </p:pic>
+      <p:pic>
+        <p:nvPicPr>
+          <p:cNvPr id="10" name="Picture 9"/>
+          <p:cNvPicPr>
+            <a:picLocks noChangeAspect="1"/>
+          </p:cNvPicPr>
+          <p:nvPr/>
+        </p:nvPicPr>
+        <p:blipFill>
+          <a:blip r:embed="rId4"/>
+          <a:stretch>
+            <a:fillRect/>
+          </a:stretch>
+        </p:blipFill>
+        <p:spPr>
+          <a:xfrm>
+            <a:off x="4730626" y="4749335"/>
+            <a:ext cx="5923809" cy="942857"/>
+          </a:xfrm>
+          <a:prstGeom prst="rect">
+            <a:avLst/>
+          </a:prstGeom>
+        </p:spPr>
+      </p:pic>
+      <p:sp>
+        <p:nvSpPr>
+          <p:cNvPr id="14" name="Rectangle 13"/>
+          <p:cNvSpPr/>
+          <p:nvPr/>
+        </p:nvSpPr>
+        <p:spPr>
+          <a:xfrm>
+            <a:off x="4569235" y="2337295"/>
+            <a:ext cx="10109717" cy="369332"/>
+          </a:xfrm>
+          <a:prstGeom prst="rect">
+            <a:avLst/>
+          </a:prstGeom>
+        </p:spPr>
+        <p:txBody>
+          <a:bodyPr wrap="square">
+            <a:spAutoFit/>
+          </a:bodyPr>
+          <a:lstStyle/>
+          <a:p>
+            <a:r>
+              <a:rPr lang="en-US" b="1" dirty="0">
+                <a:solidFill>
+                  <a:srgbClr val="000000"/>
+                </a:solidFill>
+                <a:latin typeface="Helvetica Neue"/>
+              </a:rPr>
+              <a:t>row containing the riskiest customer is encoded and standardized.</a:t>
+            </a:r>
+          </a:p>
+        </p:txBody>
+      </p:sp>
     </p:spTree>
     <p:extLst>
       <p:ext uri="{BB962C8B-B14F-4D97-AF65-F5344CB8AC3E}">
-        <p14:creationId xmlns:p14="http://schemas.microsoft.com/office/powerpoint/2010/main" val="756606616"/>
+        <p14:creationId xmlns:p14="http://schemas.microsoft.com/office/powerpoint/2010/main" val="1180187365"/>
       </p:ext>
     </p:extLst>
   </p:cSld>
@@ -5522,51 +5706,7 @@
         </p:nvSpPr>
         <p:spPr>
           <a:xfrm>
-            <a:off x="5952932" y="59761"/>
-            <a:ext cx="6885064" cy="646331"/>
-          </a:xfrm>
-          <a:prstGeom prst="rect">
-            <a:avLst/>
-          </a:prstGeom>
-        </p:spPr>
-        <p:txBody>
-          <a:bodyPr wrap="square">
-            <a:spAutoFit/>
-          </a:bodyPr>
-          <a:lstStyle/>
-          <a:p>
-            <a:r>
-              <a:rPr lang="en-US" b="1" dirty="0">
-                <a:solidFill>
-                  <a:srgbClr val="000000"/>
-                </a:solidFill>
-                <a:latin typeface="Helvetica Neue"/>
-              </a:rPr>
-              <a:t>Scaling &amp; one-hot encoding for calculating Euclidian </a:t>
-            </a:r>
-          </a:p>
-          <a:p>
-            <a:r>
-              <a:rPr lang="en-US" b="1" dirty="0">
-                <a:solidFill>
-                  <a:srgbClr val="000000"/>
-                </a:solidFill>
-                <a:latin typeface="Helvetica Neue"/>
-              </a:rPr>
-              <a:t>distance</a:t>
-            </a:r>
-          </a:p>
-        </p:txBody>
-      </p:sp>
-      <p:sp>
-        <p:nvSpPr>
-          <p:cNvPr id="5" name="Rectangle 4"/>
-          <p:cNvSpPr/>
-          <p:nvPr/>
-        </p:nvSpPr>
-        <p:spPr>
-          <a:xfrm>
-            <a:off x="5427107" y="3139253"/>
+            <a:off x="5710328" y="266581"/>
             <a:ext cx="5918608" cy="369332"/>
           </a:xfrm>
           <a:prstGeom prst="rect">
@@ -5593,7 +5733,7 @@
       </p:sp>
       <p:pic>
         <p:nvPicPr>
-          <p:cNvPr id="7" name="Picture 6"/>
+          <p:cNvPr id="5" name="Picture 4"/>
           <p:cNvPicPr>
             <a:picLocks noChangeAspect="1"/>
           </p:cNvPicPr>
@@ -5607,60 +5747,17 @@
         </p:blipFill>
         <p:spPr>
           <a:xfrm>
-            <a:off x="4868191" y="706092"/>
-            <a:ext cx="7276190" cy="761905"/>
+            <a:off x="4979156" y="604026"/>
+            <a:ext cx="6649780" cy="1192671"/>
           </a:xfrm>
           <a:prstGeom prst="rect">
             <a:avLst/>
           </a:prstGeom>
         </p:spPr>
       </p:pic>
-      <p:sp>
-        <p:nvSpPr>
-          <p:cNvPr id="8" name="Rectangle 7"/>
-          <p:cNvSpPr/>
-          <p:nvPr/>
-        </p:nvSpPr>
-        <p:spPr>
-          <a:xfrm>
-            <a:off x="255037" y="17588"/>
-            <a:ext cx="6096000" cy="646331"/>
-          </a:xfrm>
-          <a:prstGeom prst="rect">
-            <a:avLst/>
-          </a:prstGeom>
-        </p:spPr>
-        <p:txBody>
-          <a:bodyPr>
-            <a:spAutoFit/>
-          </a:bodyPr>
-          <a:lstStyle/>
-          <a:p>
-            <a:r>
-              <a:rPr lang="en-US" b="0" i="0" dirty="0" smtClean="0">
-                <a:solidFill>
-                  <a:srgbClr val="000000"/>
-                </a:solidFill>
-                <a:effectLst/>
-                <a:latin typeface="Helvetica Neue"/>
-              </a:rPr>
-              <a:t> </a:t>
-            </a:r>
-            <a:r>
-              <a:rPr lang="en-US" b="1" dirty="0">
-                <a:solidFill>
-                  <a:srgbClr val="000000"/>
-                </a:solidFill>
-                <a:latin typeface="Helvetica Neue"/>
-              </a:rPr>
-              <a:t>draws numeric values from normal distributions centered around the customer of interest</a:t>
-            </a:r>
-          </a:p>
-        </p:txBody>
-      </p:sp>
       <p:pic>
         <p:nvPicPr>
-          <p:cNvPr id="9" name="Picture 8"/>
+          <p:cNvPr id="6" name="Picture 5"/>
           <p:cNvPicPr>
             <a:picLocks noChangeAspect="1"/>
           </p:cNvPicPr>
@@ -5674,8 +5771,8 @@
         </p:blipFill>
         <p:spPr>
           <a:xfrm>
-            <a:off x="4868191" y="1454276"/>
-            <a:ext cx="7323809" cy="819048"/>
+            <a:off x="4979156" y="1839287"/>
+            <a:ext cx="5150977" cy="1045687"/>
           </a:xfrm>
           <a:prstGeom prst="rect">
             <a:avLst/>
@@ -5684,7 +5781,7 @@
       </p:pic>
       <p:pic>
         <p:nvPicPr>
-          <p:cNvPr id="10" name="Picture 9"/>
+          <p:cNvPr id="7" name="Picture 6"/>
           <p:cNvPicPr>
             <a:picLocks noChangeAspect="1"/>
           </p:cNvPicPr>
@@ -5698,79 +5795,7 @@
         </p:blipFill>
         <p:spPr>
           <a:xfrm>
-            <a:off x="4868191" y="2329817"/>
-            <a:ext cx="5923809" cy="942857"/>
-          </a:xfrm>
-          <a:prstGeom prst="rect">
-            <a:avLst/>
-          </a:prstGeom>
-        </p:spPr>
-      </p:pic>
-      <p:pic>
-        <p:nvPicPr>
-          <p:cNvPr id="11" name="Picture 10"/>
-          <p:cNvPicPr>
-            <a:picLocks noChangeAspect="1"/>
-          </p:cNvPicPr>
-          <p:nvPr/>
-        </p:nvPicPr>
-        <p:blipFill>
-          <a:blip r:embed="rId5"/>
-          <a:stretch>
-            <a:fillRect/>
-          </a:stretch>
-        </p:blipFill>
-        <p:spPr>
-          <a:xfrm>
-            <a:off x="4695935" y="3476698"/>
-            <a:ext cx="6649780" cy="1192671"/>
-          </a:xfrm>
-          <a:prstGeom prst="rect">
-            <a:avLst/>
-          </a:prstGeom>
-        </p:spPr>
-      </p:pic>
-      <p:pic>
-        <p:nvPicPr>
-          <p:cNvPr id="12" name="Picture 11"/>
-          <p:cNvPicPr>
-            <a:picLocks noChangeAspect="1"/>
-          </p:cNvPicPr>
-          <p:nvPr/>
-        </p:nvPicPr>
-        <p:blipFill>
-          <a:blip r:embed="rId6"/>
-          <a:stretch>
-            <a:fillRect/>
-          </a:stretch>
-        </p:blipFill>
-        <p:spPr>
-          <a:xfrm>
-            <a:off x="4695935" y="4711959"/>
-            <a:ext cx="5150977" cy="1045687"/>
-          </a:xfrm>
-          <a:prstGeom prst="rect">
-            <a:avLst/>
-          </a:prstGeom>
-        </p:spPr>
-      </p:pic>
-      <p:pic>
-        <p:nvPicPr>
-          <p:cNvPr id="13" name="Picture 12"/>
-          <p:cNvPicPr>
-            <a:picLocks noChangeAspect="1"/>
-          </p:cNvPicPr>
-          <p:nvPr/>
-        </p:nvPicPr>
-        <p:blipFill>
-          <a:blip r:embed="rId7"/>
-          <a:stretch>
-            <a:fillRect/>
-          </a:stretch>
-        </p:blipFill>
-        <p:spPr>
-          <a:xfrm>
-            <a:off x="4663170" y="5757646"/>
+            <a:off x="4946391" y="2884974"/>
             <a:ext cx="6128830" cy="1298876"/>
           </a:xfrm>
           <a:prstGeom prst="rect">
@@ -5781,7 +5806,7 @@
     </p:spTree>
     <p:extLst>
       <p:ext uri="{BB962C8B-B14F-4D97-AF65-F5344CB8AC3E}">
-        <p14:creationId xmlns:p14="http://schemas.microsoft.com/office/powerpoint/2010/main" val="1180187365"/>
+        <p14:creationId xmlns:p14="http://schemas.microsoft.com/office/powerpoint/2010/main" val="254098855"/>
       </p:ext>
     </p:extLst>
   </p:cSld>
@@ -6007,6 +6032,52 @@
           </a:prstGeom>
         </p:spPr>
       </p:pic>
+      <p:sp>
+        <p:nvSpPr>
+          <p:cNvPr id="2" name="Rectangle 1"/>
+          <p:cNvSpPr/>
+          <p:nvPr/>
+        </p:nvSpPr>
+        <p:spPr>
+          <a:xfrm>
+            <a:off x="8496637" y="5057522"/>
+            <a:ext cx="712099" cy="1637484"/>
+          </a:xfrm>
+          <a:prstGeom prst="rect">
+            <a:avLst/>
+          </a:prstGeom>
+          <a:noFill/>
+          <a:ln>
+            <a:solidFill>
+              <a:srgbClr val="FF0000"/>
+            </a:solidFill>
+          </a:ln>
+        </p:spPr>
+        <p:style>
+          <a:lnRef idx="2">
+            <a:schemeClr val="accent1">
+              <a:shade val="50000"/>
+            </a:schemeClr>
+          </a:lnRef>
+          <a:fillRef idx="1">
+            <a:schemeClr val="accent1"/>
+          </a:fillRef>
+          <a:effectRef idx="0">
+            <a:schemeClr val="accent1"/>
+          </a:effectRef>
+          <a:fontRef idx="minor">
+            <a:schemeClr val="lt1"/>
+          </a:fontRef>
+        </p:style>
+        <p:txBody>
+          <a:bodyPr rtlCol="0" anchor="ctr"/>
+          <a:lstStyle/>
+          <a:p>
+            <a:pPr algn="ctr"/>
+            <a:endParaRPr lang="en-US"/>
+          </a:p>
+        </p:txBody>
+      </p:sp>
     </p:spTree>
     <p:extLst>
       <p:ext uri="{BB962C8B-B14F-4D97-AF65-F5344CB8AC3E}">

--- a/NortheasternUniversity-AISkunk Club/AIaddin-An automatic model intrepretability platform/Project/AI-addin Interpretability-CreditCard_LIME_StepsAndResults.pptx
+++ b/NortheasternUniversity-AISkunk Club/AIaddin-An automatic model intrepretability platform/Project/AI-addin Interpretability-CreditCard_LIME_StepsAndResults.pptx
@@ -2,7 +2,7 @@
 <file path=ppt/presentation.xml><?xml version="1.0" encoding="utf-8"?>
 <p:presentation xmlns:a="http://schemas.openxmlformats.org/drawingml/2006/main" xmlns:r="http://schemas.openxmlformats.org/officeDocument/2006/relationships" xmlns:p="http://schemas.openxmlformats.org/presentationml/2006/main" saveSubsetFonts="1">
   <p:sldMasterIdLst>
-    <p:sldMasterId id="2147483648" r:id="rId1"/>
+    <p:sldMasterId id="2147483660" r:id="rId1"/>
   </p:sldMasterIdLst>
   <p:sldIdLst>
     <p:sldId id="256" r:id="rId2"/>
@@ -19,14 +19,16 @@
     <p:sldId id="261" r:id="rId13"/>
     <p:sldId id="270" r:id="rId14"/>
     <p:sldId id="262" r:id="rId15"/>
+    <p:sldId id="272" r:id="rId16"/>
+    <p:sldId id="273" r:id="rId17"/>
   </p:sldIdLst>
-  <p:sldSz cx="12192000" cy="6858000"/>
+  <p:sldSz cx="11795125" cy="15909925"/>
   <p:notesSz cx="6858000" cy="9144000"/>
   <p:defaultTextStyle>
     <a:defPPr>
       <a:defRPr lang="en-US"/>
     </a:defPPr>
-    <a:lvl1pPr marL="0" algn="l" defTabSz="914400" rtl="0" eaLnBrk="1" latinLnBrk="0" hangingPunct="1">
+    <a:lvl1pPr marL="0" algn="l" defTabSz="914330" rtl="0" eaLnBrk="1" latinLnBrk="0" hangingPunct="1">
       <a:defRPr sz="1800" kern="1200">
         <a:solidFill>
           <a:schemeClr val="tx1"/>
@@ -36,7 +38,7 @@
         <a:cs typeface="+mn-cs"/>
       </a:defRPr>
     </a:lvl1pPr>
-    <a:lvl2pPr marL="457200" algn="l" defTabSz="914400" rtl="0" eaLnBrk="1" latinLnBrk="0" hangingPunct="1">
+    <a:lvl2pPr marL="457165" algn="l" defTabSz="914330" rtl="0" eaLnBrk="1" latinLnBrk="0" hangingPunct="1">
       <a:defRPr sz="1800" kern="1200">
         <a:solidFill>
           <a:schemeClr val="tx1"/>
@@ -46,7 +48,7 @@
         <a:cs typeface="+mn-cs"/>
       </a:defRPr>
     </a:lvl2pPr>
-    <a:lvl3pPr marL="914400" algn="l" defTabSz="914400" rtl="0" eaLnBrk="1" latinLnBrk="0" hangingPunct="1">
+    <a:lvl3pPr marL="914330" algn="l" defTabSz="914330" rtl="0" eaLnBrk="1" latinLnBrk="0" hangingPunct="1">
       <a:defRPr sz="1800" kern="1200">
         <a:solidFill>
           <a:schemeClr val="tx1"/>
@@ -56,7 +58,7 @@
         <a:cs typeface="+mn-cs"/>
       </a:defRPr>
     </a:lvl3pPr>
-    <a:lvl4pPr marL="1371600" algn="l" defTabSz="914400" rtl="0" eaLnBrk="1" latinLnBrk="0" hangingPunct="1">
+    <a:lvl4pPr marL="1371495" algn="l" defTabSz="914330" rtl="0" eaLnBrk="1" latinLnBrk="0" hangingPunct="1">
       <a:defRPr sz="1800" kern="1200">
         <a:solidFill>
           <a:schemeClr val="tx1"/>
@@ -66,7 +68,7 @@
         <a:cs typeface="+mn-cs"/>
       </a:defRPr>
     </a:lvl4pPr>
-    <a:lvl5pPr marL="1828800" algn="l" defTabSz="914400" rtl="0" eaLnBrk="1" latinLnBrk="0" hangingPunct="1">
+    <a:lvl5pPr marL="1828660" algn="l" defTabSz="914330" rtl="0" eaLnBrk="1" latinLnBrk="0" hangingPunct="1">
       <a:defRPr sz="1800" kern="1200">
         <a:solidFill>
           <a:schemeClr val="tx1"/>
@@ -76,7 +78,7 @@
         <a:cs typeface="+mn-cs"/>
       </a:defRPr>
     </a:lvl5pPr>
-    <a:lvl6pPr marL="2286000" algn="l" defTabSz="914400" rtl="0" eaLnBrk="1" latinLnBrk="0" hangingPunct="1">
+    <a:lvl6pPr marL="2285825" algn="l" defTabSz="914330" rtl="0" eaLnBrk="1" latinLnBrk="0" hangingPunct="1">
       <a:defRPr sz="1800" kern="1200">
         <a:solidFill>
           <a:schemeClr val="tx1"/>
@@ -86,7 +88,7 @@
         <a:cs typeface="+mn-cs"/>
       </a:defRPr>
     </a:lvl6pPr>
-    <a:lvl7pPr marL="2743200" algn="l" defTabSz="914400" rtl="0" eaLnBrk="1" latinLnBrk="0" hangingPunct="1">
+    <a:lvl7pPr marL="2742990" algn="l" defTabSz="914330" rtl="0" eaLnBrk="1" latinLnBrk="0" hangingPunct="1">
       <a:defRPr sz="1800" kern="1200">
         <a:solidFill>
           <a:schemeClr val="tx1"/>
@@ -96,7 +98,7 @@
         <a:cs typeface="+mn-cs"/>
       </a:defRPr>
     </a:lvl7pPr>
-    <a:lvl8pPr marL="3200400" algn="l" defTabSz="914400" rtl="0" eaLnBrk="1" latinLnBrk="0" hangingPunct="1">
+    <a:lvl8pPr marL="3200155" algn="l" defTabSz="914330" rtl="0" eaLnBrk="1" latinLnBrk="0" hangingPunct="1">
       <a:defRPr sz="1800" kern="1200">
         <a:solidFill>
           <a:schemeClr val="tx1"/>
@@ -106,7 +108,7 @@
         <a:cs typeface="+mn-cs"/>
       </a:defRPr>
     </a:lvl8pPr>
-    <a:lvl9pPr marL="3657600" algn="l" defTabSz="914400" rtl="0" eaLnBrk="1" latinLnBrk="0" hangingPunct="1">
+    <a:lvl9pPr marL="3657320" algn="l" defTabSz="914330" rtl="0" eaLnBrk="1" latinLnBrk="0" hangingPunct="1">
       <a:defRPr sz="1800" kern="1200">
         <a:solidFill>
           <a:schemeClr val="tx1"/>
@@ -154,15 +156,15 @@
         </p:nvSpPr>
         <p:spPr>
           <a:xfrm>
-            <a:off x="1524000" y="1122363"/>
-            <a:ext cx="9144000" cy="2387600"/>
+            <a:off x="884635" y="2603781"/>
+            <a:ext cx="10025856" cy="5539011"/>
           </a:xfrm>
         </p:spPr>
         <p:txBody>
           <a:bodyPr anchor="b"/>
           <a:lstStyle>
             <a:lvl1pPr algn="ctr">
-              <a:defRPr sz="6000"/>
+              <a:defRPr sz="7739"/>
             </a:lvl1pPr>
           </a:lstStyle>
           <a:p>
@@ -170,7 +172,7 @@
               <a:rPr lang="en-US" smtClean="0"/>
               <a:t>Click to edit Master title style</a:t>
             </a:r>
-            <a:endParaRPr lang="en-US"/>
+            <a:endParaRPr lang="en-US" dirty="0"/>
           </a:p>
         </p:txBody>
       </p:sp>
@@ -186,8 +188,8 @@
         </p:nvSpPr>
         <p:spPr>
           <a:xfrm>
-            <a:off x="1524000" y="3602038"/>
-            <a:ext cx="9144000" cy="1655762"/>
+            <a:off x="1474391" y="8356397"/>
+            <a:ext cx="8846344" cy="3841215"/>
           </a:xfrm>
         </p:spPr>
         <p:txBody>
@@ -195,39 +197,39 @@
           <a:lstStyle>
             <a:lvl1pPr marL="0" indent="0" algn="ctr">
               <a:buNone/>
-              <a:defRPr sz="2400"/>
+              <a:defRPr sz="3096"/>
             </a:lvl1pPr>
-            <a:lvl2pPr marL="457200" indent="0" algn="ctr">
+            <a:lvl2pPr marL="589786" indent="0" algn="ctr">
               <a:buNone/>
-              <a:defRPr sz="2000"/>
+              <a:defRPr sz="2580"/>
             </a:lvl2pPr>
-            <a:lvl3pPr marL="914400" indent="0" algn="ctr">
+            <a:lvl3pPr marL="1179573" indent="0" algn="ctr">
               <a:buNone/>
-              <a:defRPr sz="1800"/>
+              <a:defRPr sz="2322"/>
             </a:lvl3pPr>
-            <a:lvl4pPr marL="1371600" indent="0" algn="ctr">
+            <a:lvl4pPr marL="1769359" indent="0" algn="ctr">
               <a:buNone/>
-              <a:defRPr sz="1600"/>
+              <a:defRPr sz="2064"/>
             </a:lvl4pPr>
-            <a:lvl5pPr marL="1828800" indent="0" algn="ctr">
+            <a:lvl5pPr marL="2359144" indent="0" algn="ctr">
               <a:buNone/>
-              <a:defRPr sz="1600"/>
+              <a:defRPr sz="2064"/>
             </a:lvl5pPr>
-            <a:lvl6pPr marL="2286000" indent="0" algn="ctr">
+            <a:lvl6pPr marL="2948930" indent="0" algn="ctr">
               <a:buNone/>
-              <a:defRPr sz="1600"/>
+              <a:defRPr sz="2064"/>
             </a:lvl6pPr>
-            <a:lvl7pPr marL="2743200" indent="0" algn="ctr">
+            <a:lvl7pPr marL="3538718" indent="0" algn="ctr">
               <a:buNone/>
-              <a:defRPr sz="1600"/>
+              <a:defRPr sz="2064"/>
             </a:lvl7pPr>
-            <a:lvl8pPr marL="3200400" indent="0" algn="ctr">
+            <a:lvl8pPr marL="4128504" indent="0" algn="ctr">
               <a:buNone/>
-              <a:defRPr sz="1600"/>
+              <a:defRPr sz="2064"/>
             </a:lvl8pPr>
-            <a:lvl9pPr marL="3657600" indent="0" algn="ctr">
+            <a:lvl9pPr marL="4718290" indent="0" algn="ctr">
               <a:buNone/>
-              <a:defRPr sz="1600"/>
+              <a:defRPr sz="2064"/>
             </a:lvl9pPr>
           </a:lstStyle>
           <a:p>
@@ -235,7 +237,7 @@
               <a:rPr lang="en-US" smtClean="0"/>
               <a:t>Click to edit Master subtitle style</a:t>
             </a:r>
-            <a:endParaRPr lang="en-US"/>
+            <a:endParaRPr lang="en-US" dirty="0"/>
           </a:p>
         </p:txBody>
       </p:sp>
@@ -307,7 +309,7 @@
     </p:spTree>
     <p:extLst>
       <p:ext uri="{BB962C8B-B14F-4D97-AF65-F5344CB8AC3E}">
-        <p14:creationId xmlns:p14="http://schemas.microsoft.com/office/powerpoint/2010/main" val="2106684254"/>
+        <p14:creationId xmlns:p14="http://schemas.microsoft.com/office/powerpoint/2010/main" val="3546745336"/>
       </p:ext>
     </p:extLst>
   </p:cSld>
@@ -353,7 +355,7 @@
               <a:rPr lang="en-US" smtClean="0"/>
               <a:t>Click to edit Master title style</a:t>
             </a:r>
-            <a:endParaRPr lang="en-US"/>
+            <a:endParaRPr lang="en-US" dirty="0"/>
           </a:p>
         </p:txBody>
       </p:sp>
@@ -405,7 +407,7 @@
               <a:rPr lang="en-US" smtClean="0"/>
               <a:t>Fifth level</a:t>
             </a:r>
-            <a:endParaRPr lang="en-US"/>
+            <a:endParaRPr lang="en-US" dirty="0"/>
           </a:p>
         </p:txBody>
       </p:sp>
@@ -477,7 +479,7 @@
     </p:spTree>
     <p:extLst>
       <p:ext uri="{BB962C8B-B14F-4D97-AF65-F5344CB8AC3E}">
-        <p14:creationId xmlns:p14="http://schemas.microsoft.com/office/powerpoint/2010/main" val="3996209551"/>
+        <p14:creationId xmlns:p14="http://schemas.microsoft.com/office/powerpoint/2010/main" val="3321540545"/>
       </p:ext>
     </p:extLst>
   </p:cSld>
@@ -516,8 +518,8 @@
         </p:nvSpPr>
         <p:spPr>
           <a:xfrm>
-            <a:off x="8724900" y="365125"/>
-            <a:ext cx="2628900" cy="5811838"/>
+            <a:off x="8440887" y="847056"/>
+            <a:ext cx="2543324" cy="13482926"/>
           </a:xfrm>
         </p:spPr>
         <p:txBody>
@@ -528,7 +530,7 @@
               <a:rPr lang="en-US" smtClean="0"/>
               <a:t>Click to edit Master title style</a:t>
             </a:r>
-            <a:endParaRPr lang="en-US"/>
+            <a:endParaRPr lang="en-US" dirty="0"/>
           </a:p>
         </p:txBody>
       </p:sp>
@@ -544,8 +546,8 @@
         </p:nvSpPr>
         <p:spPr>
           <a:xfrm>
-            <a:off x="838200" y="365125"/>
-            <a:ext cx="7734300" cy="5811838"/>
+            <a:off x="810916" y="847056"/>
+            <a:ext cx="7482532" cy="13482926"/>
           </a:xfrm>
         </p:spPr>
         <p:txBody>
@@ -585,7 +587,7 @@
               <a:rPr lang="en-US" smtClean="0"/>
               <a:t>Fifth level</a:t>
             </a:r>
-            <a:endParaRPr lang="en-US"/>
+            <a:endParaRPr lang="en-US" dirty="0"/>
           </a:p>
         </p:txBody>
       </p:sp>
@@ -657,7 +659,7 @@
     </p:spTree>
     <p:extLst>
       <p:ext uri="{BB962C8B-B14F-4D97-AF65-F5344CB8AC3E}">
-        <p14:creationId xmlns:p14="http://schemas.microsoft.com/office/powerpoint/2010/main" val="1806487206"/>
+        <p14:creationId xmlns:p14="http://schemas.microsoft.com/office/powerpoint/2010/main" val="1487648556"/>
       </p:ext>
     </p:extLst>
   </p:cSld>
@@ -703,7 +705,7 @@
               <a:rPr lang="en-US" smtClean="0"/>
               <a:t>Click to edit Master title style</a:t>
             </a:r>
-            <a:endParaRPr lang="en-US"/>
+            <a:endParaRPr lang="en-US" dirty="0"/>
           </a:p>
         </p:txBody>
       </p:sp>
@@ -755,7 +757,7 @@
               <a:rPr lang="en-US" smtClean="0"/>
               <a:t>Fifth level</a:t>
             </a:r>
-            <a:endParaRPr lang="en-US"/>
+            <a:endParaRPr lang="en-US" dirty="0"/>
           </a:p>
         </p:txBody>
       </p:sp>
@@ -827,7 +829,7 @@
     </p:spTree>
     <p:extLst>
       <p:ext uri="{BB962C8B-B14F-4D97-AF65-F5344CB8AC3E}">
-        <p14:creationId xmlns:p14="http://schemas.microsoft.com/office/powerpoint/2010/main" val="2693723806"/>
+        <p14:creationId xmlns:p14="http://schemas.microsoft.com/office/powerpoint/2010/main" val="2835295595"/>
       </p:ext>
     </p:extLst>
   </p:cSld>
@@ -866,15 +868,15 @@
         </p:nvSpPr>
         <p:spPr>
           <a:xfrm>
-            <a:off x="831850" y="1709738"/>
-            <a:ext cx="10515600" cy="2852737"/>
+            <a:off x="804773" y="3966437"/>
+            <a:ext cx="10173295" cy="6618086"/>
           </a:xfrm>
         </p:spPr>
         <p:txBody>
           <a:bodyPr anchor="b"/>
           <a:lstStyle>
             <a:lvl1pPr>
-              <a:defRPr sz="6000"/>
+              <a:defRPr sz="7739"/>
             </a:lvl1pPr>
           </a:lstStyle>
           <a:p>
@@ -882,7 +884,7 @@
               <a:rPr lang="en-US" smtClean="0"/>
               <a:t>Click to edit Master title style</a:t>
             </a:r>
-            <a:endParaRPr lang="en-US"/>
+            <a:endParaRPr lang="en-US" dirty="0"/>
           </a:p>
         </p:txBody>
       </p:sp>
@@ -898,8 +900,8 @@
         </p:nvSpPr>
         <p:spPr>
           <a:xfrm>
-            <a:off x="831850" y="4589463"/>
-            <a:ext cx="10515600" cy="1500187"/>
+            <a:off x="804773" y="10647135"/>
+            <a:ext cx="10173295" cy="3480295"/>
           </a:xfrm>
         </p:spPr>
         <p:txBody>
@@ -907,87 +909,85 @@
           <a:lstStyle>
             <a:lvl1pPr marL="0" indent="0">
               <a:buNone/>
-              <a:defRPr sz="2400">
+              <a:defRPr sz="3096">
+                <a:solidFill>
+                  <a:schemeClr val="tx1"/>
+                </a:solidFill>
+              </a:defRPr>
+            </a:lvl1pPr>
+            <a:lvl2pPr marL="589786" indent="0">
+              <a:buNone/>
+              <a:defRPr sz="2580">
                 <a:solidFill>
                   <a:schemeClr val="tx1">
                     <a:tint val="75000"/>
                   </a:schemeClr>
                 </a:solidFill>
               </a:defRPr>
-            </a:lvl1pPr>
-            <a:lvl2pPr marL="457200" indent="0">
+            </a:lvl2pPr>
+            <a:lvl3pPr marL="1179573" indent="0">
               <a:buNone/>
-              <a:defRPr sz="2000">
+              <a:defRPr sz="2322">
                 <a:solidFill>
                   <a:schemeClr val="tx1">
                     <a:tint val="75000"/>
                   </a:schemeClr>
                 </a:solidFill>
               </a:defRPr>
-            </a:lvl2pPr>
-            <a:lvl3pPr marL="914400" indent="0">
+            </a:lvl3pPr>
+            <a:lvl4pPr marL="1769359" indent="0">
               <a:buNone/>
-              <a:defRPr sz="1800">
+              <a:defRPr sz="2064">
                 <a:solidFill>
                   <a:schemeClr val="tx1">
                     <a:tint val="75000"/>
                   </a:schemeClr>
                 </a:solidFill>
               </a:defRPr>
-            </a:lvl3pPr>
-            <a:lvl4pPr marL="1371600" indent="0">
+            </a:lvl4pPr>
+            <a:lvl5pPr marL="2359144" indent="0">
               <a:buNone/>
-              <a:defRPr sz="1600">
+              <a:defRPr sz="2064">
                 <a:solidFill>
                   <a:schemeClr val="tx1">
                     <a:tint val="75000"/>
                   </a:schemeClr>
                 </a:solidFill>
               </a:defRPr>
-            </a:lvl4pPr>
-            <a:lvl5pPr marL="1828800" indent="0">
+            </a:lvl5pPr>
+            <a:lvl6pPr marL="2948930" indent="0">
               <a:buNone/>
-              <a:defRPr sz="1600">
+              <a:defRPr sz="2064">
                 <a:solidFill>
                   <a:schemeClr val="tx1">
                     <a:tint val="75000"/>
                   </a:schemeClr>
                 </a:solidFill>
               </a:defRPr>
-            </a:lvl5pPr>
-            <a:lvl6pPr marL="2286000" indent="0">
+            </a:lvl6pPr>
+            <a:lvl7pPr marL="3538718" indent="0">
               <a:buNone/>
-              <a:defRPr sz="1600">
+              <a:defRPr sz="2064">
                 <a:solidFill>
                   <a:schemeClr val="tx1">
                     <a:tint val="75000"/>
                   </a:schemeClr>
                 </a:solidFill>
               </a:defRPr>
-            </a:lvl6pPr>
-            <a:lvl7pPr marL="2743200" indent="0">
+            </a:lvl7pPr>
+            <a:lvl8pPr marL="4128504" indent="0">
               <a:buNone/>
-              <a:defRPr sz="1600">
+              <a:defRPr sz="2064">
                 <a:solidFill>
                   <a:schemeClr val="tx1">
                     <a:tint val="75000"/>
                   </a:schemeClr>
                 </a:solidFill>
               </a:defRPr>
-            </a:lvl7pPr>
-            <a:lvl8pPr marL="3200400" indent="0">
+            </a:lvl8pPr>
+            <a:lvl9pPr marL="4718290" indent="0">
               <a:buNone/>
-              <a:defRPr sz="1600">
-                <a:solidFill>
-                  <a:schemeClr val="tx1">
-                    <a:tint val="75000"/>
-                  </a:schemeClr>
-                </a:solidFill>
-              </a:defRPr>
-            </a:lvl8pPr>
-            <a:lvl9pPr marL="3657600" indent="0">
-              <a:buNone/>
-              <a:defRPr sz="1600">
+              <a:defRPr sz="2064">
                 <a:solidFill>
                   <a:schemeClr val="tx1">
                     <a:tint val="75000"/>
@@ -1073,7 +1073,7 @@
     </p:spTree>
     <p:extLst>
       <p:ext uri="{BB962C8B-B14F-4D97-AF65-F5344CB8AC3E}">
-        <p14:creationId xmlns:p14="http://schemas.microsoft.com/office/powerpoint/2010/main" val="747948416"/>
+        <p14:creationId xmlns:p14="http://schemas.microsoft.com/office/powerpoint/2010/main" val="2134641779"/>
       </p:ext>
     </p:extLst>
   </p:cSld>
@@ -1119,7 +1119,7 @@
               <a:rPr lang="en-US" smtClean="0"/>
               <a:t>Click to edit Master title style</a:t>
             </a:r>
-            <a:endParaRPr lang="en-US"/>
+            <a:endParaRPr lang="en-US" dirty="0"/>
           </a:p>
         </p:txBody>
       </p:sp>
@@ -1135,8 +1135,8 @@
         </p:nvSpPr>
         <p:spPr>
           <a:xfrm>
-            <a:off x="838200" y="1825625"/>
-            <a:ext cx="5181600" cy="4351338"/>
+            <a:off x="810915" y="4235284"/>
+            <a:ext cx="5012928" cy="10094701"/>
           </a:xfrm>
         </p:spPr>
         <p:txBody>
@@ -1176,7 +1176,7 @@
               <a:rPr lang="en-US" smtClean="0"/>
               <a:t>Fifth level</a:t>
             </a:r>
-            <a:endParaRPr lang="en-US"/>
+            <a:endParaRPr lang="en-US" dirty="0"/>
           </a:p>
         </p:txBody>
       </p:sp>
@@ -1192,8 +1192,8 @@
         </p:nvSpPr>
         <p:spPr>
           <a:xfrm>
-            <a:off x="6172200" y="1825625"/>
-            <a:ext cx="5181600" cy="4351338"/>
+            <a:off x="5971282" y="4235284"/>
+            <a:ext cx="5012928" cy="10094701"/>
           </a:xfrm>
         </p:spPr>
         <p:txBody>
@@ -1233,7 +1233,7 @@
               <a:rPr lang="en-US" smtClean="0"/>
               <a:t>Fifth level</a:t>
             </a:r>
-            <a:endParaRPr lang="en-US"/>
+            <a:endParaRPr lang="en-US" dirty="0"/>
           </a:p>
         </p:txBody>
       </p:sp>
@@ -1305,7 +1305,7 @@
     </p:spTree>
     <p:extLst>
       <p:ext uri="{BB962C8B-B14F-4D97-AF65-F5344CB8AC3E}">
-        <p14:creationId xmlns:p14="http://schemas.microsoft.com/office/powerpoint/2010/main" val="2724475062"/>
+        <p14:creationId xmlns:p14="http://schemas.microsoft.com/office/powerpoint/2010/main" val="505852639"/>
       </p:ext>
     </p:extLst>
   </p:cSld>
@@ -1344,8 +1344,8 @@
         </p:nvSpPr>
         <p:spPr>
           <a:xfrm>
-            <a:off x="839788" y="365125"/>
-            <a:ext cx="10515600" cy="1325563"/>
+            <a:off x="812452" y="847063"/>
+            <a:ext cx="10173295" cy="3075183"/>
           </a:xfrm>
         </p:spPr>
         <p:txBody>
@@ -1356,7 +1356,7 @@
               <a:rPr lang="en-US" smtClean="0"/>
               <a:t>Click to edit Master title style</a:t>
             </a:r>
-            <a:endParaRPr lang="en-US"/>
+            <a:endParaRPr lang="en-US" dirty="0"/>
           </a:p>
         </p:txBody>
       </p:sp>
@@ -1372,8 +1372,8 @@
         </p:nvSpPr>
         <p:spPr>
           <a:xfrm>
-            <a:off x="839788" y="1681163"/>
-            <a:ext cx="5157787" cy="823912"/>
+            <a:off x="812453" y="3900142"/>
+            <a:ext cx="4989890" cy="1911400"/>
           </a:xfrm>
         </p:spPr>
         <p:txBody>
@@ -1381,39 +1381,39 @@
           <a:lstStyle>
             <a:lvl1pPr marL="0" indent="0">
               <a:buNone/>
-              <a:defRPr sz="2400" b="1"/>
+              <a:defRPr sz="3096" b="1"/>
             </a:lvl1pPr>
-            <a:lvl2pPr marL="457200" indent="0">
+            <a:lvl2pPr marL="589786" indent="0">
               <a:buNone/>
-              <a:defRPr sz="2000" b="1"/>
+              <a:defRPr sz="2580" b="1"/>
             </a:lvl2pPr>
-            <a:lvl3pPr marL="914400" indent="0">
+            <a:lvl3pPr marL="1179573" indent="0">
               <a:buNone/>
-              <a:defRPr sz="1800" b="1"/>
+              <a:defRPr sz="2322" b="1"/>
             </a:lvl3pPr>
-            <a:lvl4pPr marL="1371600" indent="0">
+            <a:lvl4pPr marL="1769359" indent="0">
               <a:buNone/>
-              <a:defRPr sz="1600" b="1"/>
+              <a:defRPr sz="2064" b="1"/>
             </a:lvl4pPr>
-            <a:lvl5pPr marL="1828800" indent="0">
+            <a:lvl5pPr marL="2359144" indent="0">
               <a:buNone/>
-              <a:defRPr sz="1600" b="1"/>
+              <a:defRPr sz="2064" b="1"/>
             </a:lvl5pPr>
-            <a:lvl6pPr marL="2286000" indent="0">
+            <a:lvl6pPr marL="2948930" indent="0">
               <a:buNone/>
-              <a:defRPr sz="1600" b="1"/>
+              <a:defRPr sz="2064" b="1"/>
             </a:lvl6pPr>
-            <a:lvl7pPr marL="2743200" indent="0">
+            <a:lvl7pPr marL="3538718" indent="0">
               <a:buNone/>
-              <a:defRPr sz="1600" b="1"/>
+              <a:defRPr sz="2064" b="1"/>
             </a:lvl7pPr>
-            <a:lvl8pPr marL="3200400" indent="0">
+            <a:lvl8pPr marL="4128504" indent="0">
               <a:buNone/>
-              <a:defRPr sz="1600" b="1"/>
+              <a:defRPr sz="2064" b="1"/>
             </a:lvl8pPr>
-            <a:lvl9pPr marL="3657600" indent="0">
+            <a:lvl9pPr marL="4718290" indent="0">
               <a:buNone/>
-              <a:defRPr sz="1600" b="1"/>
+              <a:defRPr sz="2064" b="1"/>
             </a:lvl9pPr>
           </a:lstStyle>
           <a:p>
@@ -1437,8 +1437,8 @@
         </p:nvSpPr>
         <p:spPr>
           <a:xfrm>
-            <a:off x="839788" y="2505075"/>
-            <a:ext cx="5157787" cy="3684588"/>
+            <a:off x="812453" y="5811545"/>
+            <a:ext cx="4989890" cy="8547903"/>
           </a:xfrm>
         </p:spPr>
         <p:txBody>
@@ -1478,7 +1478,7 @@
               <a:rPr lang="en-US" smtClean="0"/>
               <a:t>Fifth level</a:t>
             </a:r>
-            <a:endParaRPr lang="en-US"/>
+            <a:endParaRPr lang="en-US" dirty="0"/>
           </a:p>
         </p:txBody>
       </p:sp>
@@ -1494,8 +1494,8 @@
         </p:nvSpPr>
         <p:spPr>
           <a:xfrm>
-            <a:off x="6172200" y="1681163"/>
-            <a:ext cx="5183188" cy="823912"/>
+            <a:off x="5971283" y="3900142"/>
+            <a:ext cx="5014464" cy="1911400"/>
           </a:xfrm>
         </p:spPr>
         <p:txBody>
@@ -1503,39 +1503,39 @@
           <a:lstStyle>
             <a:lvl1pPr marL="0" indent="0">
               <a:buNone/>
-              <a:defRPr sz="2400" b="1"/>
+              <a:defRPr sz="3096" b="1"/>
             </a:lvl1pPr>
-            <a:lvl2pPr marL="457200" indent="0">
+            <a:lvl2pPr marL="589786" indent="0">
               <a:buNone/>
-              <a:defRPr sz="2000" b="1"/>
+              <a:defRPr sz="2580" b="1"/>
             </a:lvl2pPr>
-            <a:lvl3pPr marL="914400" indent="0">
+            <a:lvl3pPr marL="1179573" indent="0">
               <a:buNone/>
-              <a:defRPr sz="1800" b="1"/>
+              <a:defRPr sz="2322" b="1"/>
             </a:lvl3pPr>
-            <a:lvl4pPr marL="1371600" indent="0">
+            <a:lvl4pPr marL="1769359" indent="0">
               <a:buNone/>
-              <a:defRPr sz="1600" b="1"/>
+              <a:defRPr sz="2064" b="1"/>
             </a:lvl4pPr>
-            <a:lvl5pPr marL="1828800" indent="0">
+            <a:lvl5pPr marL="2359144" indent="0">
               <a:buNone/>
-              <a:defRPr sz="1600" b="1"/>
+              <a:defRPr sz="2064" b="1"/>
             </a:lvl5pPr>
-            <a:lvl6pPr marL="2286000" indent="0">
+            <a:lvl6pPr marL="2948930" indent="0">
               <a:buNone/>
-              <a:defRPr sz="1600" b="1"/>
+              <a:defRPr sz="2064" b="1"/>
             </a:lvl6pPr>
-            <a:lvl7pPr marL="2743200" indent="0">
+            <a:lvl7pPr marL="3538718" indent="0">
               <a:buNone/>
-              <a:defRPr sz="1600" b="1"/>
+              <a:defRPr sz="2064" b="1"/>
             </a:lvl7pPr>
-            <a:lvl8pPr marL="3200400" indent="0">
+            <a:lvl8pPr marL="4128504" indent="0">
               <a:buNone/>
-              <a:defRPr sz="1600" b="1"/>
+              <a:defRPr sz="2064" b="1"/>
             </a:lvl8pPr>
-            <a:lvl9pPr marL="3657600" indent="0">
+            <a:lvl9pPr marL="4718290" indent="0">
               <a:buNone/>
-              <a:defRPr sz="1600" b="1"/>
+              <a:defRPr sz="2064" b="1"/>
             </a:lvl9pPr>
           </a:lstStyle>
           <a:p>
@@ -1559,8 +1559,8 @@
         </p:nvSpPr>
         <p:spPr>
           <a:xfrm>
-            <a:off x="6172200" y="2505075"/>
-            <a:ext cx="5183188" cy="3684588"/>
+            <a:off x="5971283" y="5811545"/>
+            <a:ext cx="5014464" cy="8547903"/>
           </a:xfrm>
         </p:spPr>
         <p:txBody>
@@ -1600,7 +1600,7 @@
               <a:rPr lang="en-US" smtClean="0"/>
               <a:t>Fifth level</a:t>
             </a:r>
-            <a:endParaRPr lang="en-US"/>
+            <a:endParaRPr lang="en-US" dirty="0"/>
           </a:p>
         </p:txBody>
       </p:sp>
@@ -1672,7 +1672,7 @@
     </p:spTree>
     <p:extLst>
       <p:ext uri="{BB962C8B-B14F-4D97-AF65-F5344CB8AC3E}">
-        <p14:creationId xmlns:p14="http://schemas.microsoft.com/office/powerpoint/2010/main" val="4152094402"/>
+        <p14:creationId xmlns:p14="http://schemas.microsoft.com/office/powerpoint/2010/main" val="3060121989"/>
       </p:ext>
     </p:extLst>
   </p:cSld>
@@ -1718,7 +1718,7 @@
               <a:rPr lang="en-US" smtClean="0"/>
               <a:t>Click to edit Master title style</a:t>
             </a:r>
-            <a:endParaRPr lang="en-US"/>
+            <a:endParaRPr lang="en-US" dirty="0"/>
           </a:p>
         </p:txBody>
       </p:sp>
@@ -1790,7 +1790,7 @@
     </p:spTree>
     <p:extLst>
       <p:ext uri="{BB962C8B-B14F-4D97-AF65-F5344CB8AC3E}">
-        <p14:creationId xmlns:p14="http://schemas.microsoft.com/office/powerpoint/2010/main" val="1299822675"/>
+        <p14:creationId xmlns:p14="http://schemas.microsoft.com/office/powerpoint/2010/main" val="1142392737"/>
       </p:ext>
     </p:extLst>
   </p:cSld>
@@ -1885,7 +1885,7 @@
     </p:spTree>
     <p:extLst>
       <p:ext uri="{BB962C8B-B14F-4D97-AF65-F5344CB8AC3E}">
-        <p14:creationId xmlns:p14="http://schemas.microsoft.com/office/powerpoint/2010/main" val="385190502"/>
+        <p14:creationId xmlns:p14="http://schemas.microsoft.com/office/powerpoint/2010/main" val="3655367460"/>
       </p:ext>
     </p:extLst>
   </p:cSld>
@@ -1924,15 +1924,15 @@
         </p:nvSpPr>
         <p:spPr>
           <a:xfrm>
-            <a:off x="839788" y="457200"/>
-            <a:ext cx="3932237" cy="1600200"/>
+            <a:off x="812453" y="1060662"/>
+            <a:ext cx="3804235" cy="3712316"/>
           </a:xfrm>
         </p:spPr>
         <p:txBody>
           <a:bodyPr anchor="b"/>
           <a:lstStyle>
             <a:lvl1pPr>
-              <a:defRPr sz="3200"/>
+              <a:defRPr sz="4128"/>
             </a:lvl1pPr>
           </a:lstStyle>
           <a:p>
@@ -1940,7 +1940,7 @@
               <a:rPr lang="en-US" smtClean="0"/>
               <a:t>Click to edit Master title style</a:t>
             </a:r>
-            <a:endParaRPr lang="en-US"/>
+            <a:endParaRPr lang="en-US" dirty="0"/>
           </a:p>
         </p:txBody>
       </p:sp>
@@ -1956,39 +1956,39 @@
         </p:nvSpPr>
         <p:spPr>
           <a:xfrm>
-            <a:off x="5183188" y="987425"/>
-            <a:ext cx="6172200" cy="4873625"/>
+            <a:off x="5014464" y="2290740"/>
+            <a:ext cx="5971282" cy="11306359"/>
           </a:xfrm>
         </p:spPr>
         <p:txBody>
           <a:bodyPr/>
           <a:lstStyle>
             <a:lvl1pPr>
-              <a:defRPr sz="3200"/>
+              <a:defRPr sz="4128"/>
             </a:lvl1pPr>
             <a:lvl2pPr>
-              <a:defRPr sz="2800"/>
+              <a:defRPr sz="3612"/>
             </a:lvl2pPr>
             <a:lvl3pPr>
-              <a:defRPr sz="2400"/>
+              <a:defRPr sz="3096"/>
             </a:lvl3pPr>
             <a:lvl4pPr>
-              <a:defRPr sz="2000"/>
+              <a:defRPr sz="2580"/>
             </a:lvl4pPr>
             <a:lvl5pPr>
-              <a:defRPr sz="2000"/>
+              <a:defRPr sz="2580"/>
             </a:lvl5pPr>
             <a:lvl6pPr>
-              <a:defRPr sz="2000"/>
+              <a:defRPr sz="2580"/>
             </a:lvl6pPr>
             <a:lvl7pPr>
-              <a:defRPr sz="2000"/>
+              <a:defRPr sz="2580"/>
             </a:lvl7pPr>
             <a:lvl8pPr>
-              <a:defRPr sz="2000"/>
+              <a:defRPr sz="2580"/>
             </a:lvl8pPr>
             <a:lvl9pPr>
-              <a:defRPr sz="2000"/>
+              <a:defRPr sz="2580"/>
             </a:lvl9pPr>
           </a:lstStyle>
           <a:p>
@@ -2025,7 +2025,7 @@
               <a:rPr lang="en-US" smtClean="0"/>
               <a:t>Fifth level</a:t>
             </a:r>
-            <a:endParaRPr lang="en-US"/>
+            <a:endParaRPr lang="en-US" dirty="0"/>
           </a:p>
         </p:txBody>
       </p:sp>
@@ -2041,8 +2041,8 @@
         </p:nvSpPr>
         <p:spPr>
           <a:xfrm>
-            <a:off x="839788" y="2057400"/>
-            <a:ext cx="3932237" cy="3811588"/>
+            <a:off x="812453" y="4772981"/>
+            <a:ext cx="3804235" cy="8842531"/>
           </a:xfrm>
         </p:spPr>
         <p:txBody>
@@ -2050,39 +2050,39 @@
           <a:lstStyle>
             <a:lvl1pPr marL="0" indent="0">
               <a:buNone/>
-              <a:defRPr sz="1600"/>
+              <a:defRPr sz="2064"/>
             </a:lvl1pPr>
-            <a:lvl2pPr marL="457200" indent="0">
+            <a:lvl2pPr marL="589786" indent="0">
               <a:buNone/>
-              <a:defRPr sz="1400"/>
+              <a:defRPr sz="1806"/>
             </a:lvl2pPr>
-            <a:lvl3pPr marL="914400" indent="0">
+            <a:lvl3pPr marL="1179573" indent="0">
               <a:buNone/>
-              <a:defRPr sz="1200"/>
+              <a:defRPr sz="1548"/>
             </a:lvl3pPr>
-            <a:lvl4pPr marL="1371600" indent="0">
+            <a:lvl4pPr marL="1769359" indent="0">
               <a:buNone/>
-              <a:defRPr sz="1000"/>
+              <a:defRPr sz="1290"/>
             </a:lvl4pPr>
-            <a:lvl5pPr marL="1828800" indent="0">
+            <a:lvl5pPr marL="2359144" indent="0">
               <a:buNone/>
-              <a:defRPr sz="1000"/>
+              <a:defRPr sz="1290"/>
             </a:lvl5pPr>
-            <a:lvl6pPr marL="2286000" indent="0">
+            <a:lvl6pPr marL="2948930" indent="0">
               <a:buNone/>
-              <a:defRPr sz="1000"/>
+              <a:defRPr sz="1290"/>
             </a:lvl6pPr>
-            <a:lvl7pPr marL="2743200" indent="0">
+            <a:lvl7pPr marL="3538718" indent="0">
               <a:buNone/>
-              <a:defRPr sz="1000"/>
+              <a:defRPr sz="1290"/>
             </a:lvl7pPr>
-            <a:lvl8pPr marL="3200400" indent="0">
+            <a:lvl8pPr marL="4128504" indent="0">
               <a:buNone/>
-              <a:defRPr sz="1000"/>
+              <a:defRPr sz="1290"/>
             </a:lvl8pPr>
-            <a:lvl9pPr marL="3657600" indent="0">
+            <a:lvl9pPr marL="4718290" indent="0">
               <a:buNone/>
-              <a:defRPr sz="1000"/>
+              <a:defRPr sz="1290"/>
             </a:lvl9pPr>
           </a:lstStyle>
           <a:p>
@@ -2162,7 +2162,7 @@
     </p:spTree>
     <p:extLst>
       <p:ext uri="{BB962C8B-B14F-4D97-AF65-F5344CB8AC3E}">
-        <p14:creationId xmlns:p14="http://schemas.microsoft.com/office/powerpoint/2010/main" val="1660034611"/>
+        <p14:creationId xmlns:p14="http://schemas.microsoft.com/office/powerpoint/2010/main" val="1143632094"/>
       </p:ext>
     </p:extLst>
   </p:cSld>
@@ -2201,15 +2201,15 @@
         </p:nvSpPr>
         <p:spPr>
           <a:xfrm>
-            <a:off x="839788" y="457200"/>
-            <a:ext cx="3932237" cy="1600200"/>
+            <a:off x="812453" y="1060662"/>
+            <a:ext cx="3804235" cy="3712316"/>
           </a:xfrm>
         </p:spPr>
         <p:txBody>
           <a:bodyPr anchor="b"/>
           <a:lstStyle>
             <a:lvl1pPr>
-              <a:defRPr sz="3200"/>
+              <a:defRPr sz="4128"/>
             </a:lvl1pPr>
           </a:lstStyle>
           <a:p>
@@ -2217,7 +2217,7 @@
               <a:rPr lang="en-US" smtClean="0"/>
               <a:t>Click to edit Master title style</a:t>
             </a:r>
-            <a:endParaRPr lang="en-US"/>
+            <a:endParaRPr lang="en-US" dirty="0"/>
           </a:p>
         </p:txBody>
       </p:sp>
@@ -2225,7 +2225,7 @@
         <p:nvSpPr>
           <p:cNvPr id="3" name="Picture Placeholder 2"/>
           <p:cNvSpPr>
-            <a:spLocks noGrp="1"/>
+            <a:spLocks noGrp="1" noChangeAspect="1"/>
           </p:cNvSpPr>
           <p:nvPr>
             <p:ph type="pic" idx="1"/>
@@ -2233,52 +2233,56 @@
         </p:nvSpPr>
         <p:spPr>
           <a:xfrm>
-            <a:off x="5183188" y="987425"/>
-            <a:ext cx="6172200" cy="4873625"/>
-          </a:xfrm>
-        </p:spPr>
-        <p:txBody>
-          <a:bodyPr/>
+            <a:off x="5014464" y="2290740"/>
+            <a:ext cx="5971282" cy="11306359"/>
+          </a:xfrm>
+        </p:spPr>
+        <p:txBody>
+          <a:bodyPr anchor="t"/>
           <a:lstStyle>
             <a:lvl1pPr marL="0" indent="0">
               <a:buNone/>
-              <a:defRPr sz="3200"/>
+              <a:defRPr sz="4128"/>
             </a:lvl1pPr>
-            <a:lvl2pPr marL="457200" indent="0">
+            <a:lvl2pPr marL="589786" indent="0">
               <a:buNone/>
-              <a:defRPr sz="2800"/>
+              <a:defRPr sz="3612"/>
             </a:lvl2pPr>
-            <a:lvl3pPr marL="914400" indent="0">
+            <a:lvl3pPr marL="1179573" indent="0">
               <a:buNone/>
-              <a:defRPr sz="2400"/>
+              <a:defRPr sz="3096"/>
             </a:lvl3pPr>
-            <a:lvl4pPr marL="1371600" indent="0">
+            <a:lvl4pPr marL="1769359" indent="0">
               <a:buNone/>
-              <a:defRPr sz="2000"/>
+              <a:defRPr sz="2580"/>
             </a:lvl4pPr>
-            <a:lvl5pPr marL="1828800" indent="0">
+            <a:lvl5pPr marL="2359144" indent="0">
               <a:buNone/>
-              <a:defRPr sz="2000"/>
+              <a:defRPr sz="2580"/>
             </a:lvl5pPr>
-            <a:lvl6pPr marL="2286000" indent="0">
+            <a:lvl6pPr marL="2948930" indent="0">
               <a:buNone/>
-              <a:defRPr sz="2000"/>
+              <a:defRPr sz="2580"/>
             </a:lvl6pPr>
-            <a:lvl7pPr marL="2743200" indent="0">
+            <a:lvl7pPr marL="3538718" indent="0">
               <a:buNone/>
-              <a:defRPr sz="2000"/>
+              <a:defRPr sz="2580"/>
             </a:lvl7pPr>
-            <a:lvl8pPr marL="3200400" indent="0">
+            <a:lvl8pPr marL="4128504" indent="0">
               <a:buNone/>
-              <a:defRPr sz="2000"/>
+              <a:defRPr sz="2580"/>
             </a:lvl8pPr>
-            <a:lvl9pPr marL="3657600" indent="0">
+            <a:lvl9pPr marL="4718290" indent="0">
               <a:buNone/>
-              <a:defRPr sz="2000"/>
+              <a:defRPr sz="2580"/>
             </a:lvl9pPr>
           </a:lstStyle>
           <a:p>
-            <a:endParaRPr lang="en-US"/>
+            <a:r>
+              <a:rPr lang="en-US" smtClean="0"/>
+              <a:t>Click icon to add picture</a:t>
+            </a:r>
+            <a:endParaRPr lang="en-US" dirty="0"/>
           </a:p>
         </p:txBody>
       </p:sp>
@@ -2294,8 +2298,8 @@
         </p:nvSpPr>
         <p:spPr>
           <a:xfrm>
-            <a:off x="839788" y="2057400"/>
-            <a:ext cx="3932237" cy="3811588"/>
+            <a:off x="812453" y="4772981"/>
+            <a:ext cx="3804235" cy="8842531"/>
           </a:xfrm>
         </p:spPr>
         <p:txBody>
@@ -2303,39 +2307,39 @@
           <a:lstStyle>
             <a:lvl1pPr marL="0" indent="0">
               <a:buNone/>
-              <a:defRPr sz="1600"/>
+              <a:defRPr sz="2064"/>
             </a:lvl1pPr>
-            <a:lvl2pPr marL="457200" indent="0">
+            <a:lvl2pPr marL="589786" indent="0">
               <a:buNone/>
-              <a:defRPr sz="1400"/>
+              <a:defRPr sz="1806"/>
             </a:lvl2pPr>
-            <a:lvl3pPr marL="914400" indent="0">
+            <a:lvl3pPr marL="1179573" indent="0">
               <a:buNone/>
-              <a:defRPr sz="1200"/>
+              <a:defRPr sz="1548"/>
             </a:lvl3pPr>
-            <a:lvl4pPr marL="1371600" indent="0">
+            <a:lvl4pPr marL="1769359" indent="0">
               <a:buNone/>
-              <a:defRPr sz="1000"/>
+              <a:defRPr sz="1290"/>
             </a:lvl4pPr>
-            <a:lvl5pPr marL="1828800" indent="0">
+            <a:lvl5pPr marL="2359144" indent="0">
               <a:buNone/>
-              <a:defRPr sz="1000"/>
+              <a:defRPr sz="1290"/>
             </a:lvl5pPr>
-            <a:lvl6pPr marL="2286000" indent="0">
+            <a:lvl6pPr marL="2948930" indent="0">
               <a:buNone/>
-              <a:defRPr sz="1000"/>
+              <a:defRPr sz="1290"/>
             </a:lvl6pPr>
-            <a:lvl7pPr marL="2743200" indent="0">
+            <a:lvl7pPr marL="3538718" indent="0">
               <a:buNone/>
-              <a:defRPr sz="1000"/>
+              <a:defRPr sz="1290"/>
             </a:lvl7pPr>
-            <a:lvl8pPr marL="3200400" indent="0">
+            <a:lvl8pPr marL="4128504" indent="0">
               <a:buNone/>
-              <a:defRPr sz="1000"/>
+              <a:defRPr sz="1290"/>
             </a:lvl8pPr>
-            <a:lvl9pPr marL="3657600" indent="0">
+            <a:lvl9pPr marL="4718290" indent="0">
               <a:buNone/>
-              <a:defRPr sz="1000"/>
+              <a:defRPr sz="1290"/>
             </a:lvl9pPr>
           </a:lstStyle>
           <a:p>
@@ -2415,7 +2419,7 @@
     </p:spTree>
     <p:extLst>
       <p:ext uri="{BB962C8B-B14F-4D97-AF65-F5344CB8AC3E}">
-        <p14:creationId xmlns:p14="http://schemas.microsoft.com/office/powerpoint/2010/main" val="1657000675"/>
+        <p14:creationId xmlns:p14="http://schemas.microsoft.com/office/powerpoint/2010/main" val="2255995844"/>
       </p:ext>
     </p:extLst>
   </p:cSld>
@@ -2459,8 +2463,8 @@
         </p:nvSpPr>
         <p:spPr>
           <a:xfrm>
-            <a:off x="838200" y="365125"/>
-            <a:ext cx="10515600" cy="1325563"/>
+            <a:off x="810916" y="847063"/>
+            <a:ext cx="10173295" cy="3075183"/>
           </a:xfrm>
           <a:prstGeom prst="rect">
             <a:avLst/>
@@ -2476,7 +2480,7 @@
               <a:rPr lang="en-US" smtClean="0"/>
               <a:t>Click to edit Master title style</a:t>
             </a:r>
-            <a:endParaRPr lang="en-US"/>
+            <a:endParaRPr lang="en-US" dirty="0"/>
           </a:p>
         </p:txBody>
       </p:sp>
@@ -2492,8 +2496,8 @@
         </p:nvSpPr>
         <p:spPr>
           <a:xfrm>
-            <a:off x="838200" y="1825625"/>
-            <a:ext cx="10515600" cy="4351338"/>
+            <a:off x="810916" y="4235284"/>
+            <a:ext cx="10173295" cy="10094701"/>
           </a:xfrm>
           <a:prstGeom prst="rect">
             <a:avLst/>
@@ -2538,7 +2542,7 @@
               <a:rPr lang="en-US" smtClean="0"/>
               <a:t>Fifth level</a:t>
             </a:r>
-            <a:endParaRPr lang="en-US"/>
+            <a:endParaRPr lang="en-US" dirty="0"/>
           </a:p>
         </p:txBody>
       </p:sp>
@@ -2554,8 +2558,8 @@
         </p:nvSpPr>
         <p:spPr>
           <a:xfrm>
-            <a:off x="838200" y="6356350"/>
-            <a:ext cx="2743200" cy="365125"/>
+            <a:off x="810917" y="14746147"/>
+            <a:ext cx="2653903" cy="847056"/>
           </a:xfrm>
           <a:prstGeom prst="rect">
             <a:avLst/>
@@ -2565,7 +2569,7 @@
           <a:bodyPr vert="horz" lIns="91440" tIns="45720" rIns="91440" bIns="45720" rtlCol="0" anchor="ctr"/>
           <a:lstStyle>
             <a:lvl1pPr algn="l">
-              <a:defRPr sz="1200">
+              <a:defRPr sz="1548">
                 <a:solidFill>
                   <a:schemeClr val="tx1">
                     <a:tint val="75000"/>
@@ -2595,8 +2599,8 @@
         </p:nvSpPr>
         <p:spPr>
           <a:xfrm>
-            <a:off x="4038600" y="6356350"/>
-            <a:ext cx="4114800" cy="365125"/>
+            <a:off x="3907136" y="14746147"/>
+            <a:ext cx="3980855" cy="847056"/>
           </a:xfrm>
           <a:prstGeom prst="rect">
             <a:avLst/>
@@ -2606,7 +2610,7 @@
           <a:bodyPr vert="horz" lIns="91440" tIns="45720" rIns="91440" bIns="45720" rtlCol="0" anchor="ctr"/>
           <a:lstStyle>
             <a:lvl1pPr algn="ctr">
-              <a:defRPr sz="1200">
+              <a:defRPr sz="1548">
                 <a:solidFill>
                   <a:schemeClr val="tx1">
                     <a:tint val="75000"/>
@@ -2632,8 +2636,8 @@
         </p:nvSpPr>
         <p:spPr>
           <a:xfrm>
-            <a:off x="8610600" y="6356350"/>
-            <a:ext cx="2743200" cy="365125"/>
+            <a:off x="8330309" y="14746147"/>
+            <a:ext cx="2653903" cy="847056"/>
           </a:xfrm>
           <a:prstGeom prst="rect">
             <a:avLst/>
@@ -2643,7 +2647,7 @@
           <a:bodyPr vert="horz" lIns="91440" tIns="45720" rIns="91440" bIns="45720" rtlCol="0" anchor="ctr"/>
           <a:lstStyle>
             <a:lvl1pPr algn="r">
-              <a:defRPr sz="1200">
+              <a:defRPr sz="1548">
                 <a:solidFill>
                   <a:schemeClr val="tx1">
                     <a:tint val="75000"/>
@@ -2664,27 +2668,27 @@
     </p:spTree>
     <p:extLst>
       <p:ext uri="{BB962C8B-B14F-4D97-AF65-F5344CB8AC3E}">
-        <p14:creationId xmlns:p14="http://schemas.microsoft.com/office/powerpoint/2010/main" val="3303784330"/>
+        <p14:creationId xmlns:p14="http://schemas.microsoft.com/office/powerpoint/2010/main" val="3809797642"/>
       </p:ext>
     </p:extLst>
   </p:cSld>
   <p:clrMap bg1="lt1" tx1="dk1" bg2="lt2" tx2="dk2" accent1="accent1" accent2="accent2" accent3="accent3" accent4="accent4" accent5="accent5" accent6="accent6" hlink="hlink" folHlink="folHlink"/>
   <p:sldLayoutIdLst>
-    <p:sldLayoutId id="2147483649" r:id="rId1"/>
-    <p:sldLayoutId id="2147483650" r:id="rId2"/>
-    <p:sldLayoutId id="2147483651" r:id="rId3"/>
-    <p:sldLayoutId id="2147483652" r:id="rId4"/>
-    <p:sldLayoutId id="2147483653" r:id="rId5"/>
-    <p:sldLayoutId id="2147483654" r:id="rId6"/>
-    <p:sldLayoutId id="2147483655" r:id="rId7"/>
-    <p:sldLayoutId id="2147483656" r:id="rId8"/>
-    <p:sldLayoutId id="2147483657" r:id="rId9"/>
-    <p:sldLayoutId id="2147483658" r:id="rId10"/>
-    <p:sldLayoutId id="2147483659" r:id="rId11"/>
+    <p:sldLayoutId id="2147483661" r:id="rId1"/>
+    <p:sldLayoutId id="2147483662" r:id="rId2"/>
+    <p:sldLayoutId id="2147483663" r:id="rId3"/>
+    <p:sldLayoutId id="2147483664" r:id="rId4"/>
+    <p:sldLayoutId id="2147483665" r:id="rId5"/>
+    <p:sldLayoutId id="2147483666" r:id="rId6"/>
+    <p:sldLayoutId id="2147483667" r:id="rId7"/>
+    <p:sldLayoutId id="2147483668" r:id="rId8"/>
+    <p:sldLayoutId id="2147483669" r:id="rId9"/>
+    <p:sldLayoutId id="2147483670" r:id="rId10"/>
+    <p:sldLayoutId id="2147483671" r:id="rId11"/>
   </p:sldLayoutIdLst>
   <p:txStyles>
     <p:titleStyle>
-      <a:lvl1pPr algn="l" defTabSz="914400" rtl="0" eaLnBrk="1" latinLnBrk="0" hangingPunct="1">
+      <a:lvl1pPr algn="l" defTabSz="1179573" rtl="0" eaLnBrk="1" latinLnBrk="0" hangingPunct="1">
         <a:lnSpc>
           <a:spcPct val="90000"/>
         </a:lnSpc>
@@ -2692,7 +2696,7 @@
           <a:spcPct val="0"/>
         </a:spcBef>
         <a:buNone/>
-        <a:defRPr sz="4400" kern="1200">
+        <a:defRPr sz="5676" kern="1200">
           <a:solidFill>
             <a:schemeClr val="tx1"/>
           </a:solidFill>
@@ -2703,16 +2707,16 @@
       </a:lvl1pPr>
     </p:titleStyle>
     <p:bodyStyle>
-      <a:lvl1pPr marL="228600" indent="-228600" algn="l" defTabSz="914400" rtl="0" eaLnBrk="1" latinLnBrk="0" hangingPunct="1">
+      <a:lvl1pPr marL="294893" indent="-294893" algn="l" defTabSz="1179573" rtl="0" eaLnBrk="1" latinLnBrk="0" hangingPunct="1">
         <a:lnSpc>
           <a:spcPct val="90000"/>
         </a:lnSpc>
         <a:spcBef>
-          <a:spcPts val="1000"/>
+          <a:spcPts val="1290"/>
         </a:spcBef>
         <a:buFont typeface="Arial" panose="020B0604020202020204" pitchFamily="34" charset="0"/>
         <a:buChar char="•"/>
-        <a:defRPr sz="2800" kern="1200">
+        <a:defRPr sz="3612" kern="1200">
           <a:solidFill>
             <a:schemeClr val="tx1"/>
           </a:solidFill>
@@ -2721,16 +2725,16 @@
           <a:cs typeface="+mn-cs"/>
         </a:defRPr>
       </a:lvl1pPr>
-      <a:lvl2pPr marL="685800" indent="-228600" algn="l" defTabSz="914400" rtl="0" eaLnBrk="1" latinLnBrk="0" hangingPunct="1">
+      <a:lvl2pPr marL="884679" indent="-294893" algn="l" defTabSz="1179573" rtl="0" eaLnBrk="1" latinLnBrk="0" hangingPunct="1">
         <a:lnSpc>
           <a:spcPct val="90000"/>
         </a:lnSpc>
         <a:spcBef>
-          <a:spcPts val="500"/>
+          <a:spcPts val="645"/>
         </a:spcBef>
         <a:buFont typeface="Arial" panose="020B0604020202020204" pitchFamily="34" charset="0"/>
         <a:buChar char="•"/>
-        <a:defRPr sz="2400" kern="1200">
+        <a:defRPr sz="3096" kern="1200">
           <a:solidFill>
             <a:schemeClr val="tx1"/>
           </a:solidFill>
@@ -2739,16 +2743,16 @@
           <a:cs typeface="+mn-cs"/>
         </a:defRPr>
       </a:lvl2pPr>
-      <a:lvl3pPr marL="1143000" indent="-228600" algn="l" defTabSz="914400" rtl="0" eaLnBrk="1" latinLnBrk="0" hangingPunct="1">
+      <a:lvl3pPr marL="1474466" indent="-294893" algn="l" defTabSz="1179573" rtl="0" eaLnBrk="1" latinLnBrk="0" hangingPunct="1">
         <a:lnSpc>
           <a:spcPct val="90000"/>
         </a:lnSpc>
         <a:spcBef>
-          <a:spcPts val="500"/>
+          <a:spcPts val="645"/>
         </a:spcBef>
         <a:buFont typeface="Arial" panose="020B0604020202020204" pitchFamily="34" charset="0"/>
         <a:buChar char="•"/>
-        <a:defRPr sz="2000" kern="1200">
+        <a:defRPr sz="2580" kern="1200">
           <a:solidFill>
             <a:schemeClr val="tx1"/>
           </a:solidFill>
@@ -2757,16 +2761,16 @@
           <a:cs typeface="+mn-cs"/>
         </a:defRPr>
       </a:lvl3pPr>
-      <a:lvl4pPr marL="1600200" indent="-228600" algn="l" defTabSz="914400" rtl="0" eaLnBrk="1" latinLnBrk="0" hangingPunct="1">
+      <a:lvl4pPr marL="2064252" indent="-294893" algn="l" defTabSz="1179573" rtl="0" eaLnBrk="1" latinLnBrk="0" hangingPunct="1">
         <a:lnSpc>
           <a:spcPct val="90000"/>
         </a:lnSpc>
         <a:spcBef>
-          <a:spcPts val="500"/>
+          <a:spcPts val="645"/>
         </a:spcBef>
         <a:buFont typeface="Arial" panose="020B0604020202020204" pitchFamily="34" charset="0"/>
         <a:buChar char="•"/>
-        <a:defRPr sz="1800" kern="1200">
+        <a:defRPr sz="2322" kern="1200">
           <a:solidFill>
             <a:schemeClr val="tx1"/>
           </a:solidFill>
@@ -2775,16 +2779,16 @@
           <a:cs typeface="+mn-cs"/>
         </a:defRPr>
       </a:lvl4pPr>
-      <a:lvl5pPr marL="2057400" indent="-228600" algn="l" defTabSz="914400" rtl="0" eaLnBrk="1" latinLnBrk="0" hangingPunct="1">
+      <a:lvl5pPr marL="2654038" indent="-294893" algn="l" defTabSz="1179573" rtl="0" eaLnBrk="1" latinLnBrk="0" hangingPunct="1">
         <a:lnSpc>
           <a:spcPct val="90000"/>
         </a:lnSpc>
         <a:spcBef>
-          <a:spcPts val="500"/>
+          <a:spcPts val="645"/>
         </a:spcBef>
         <a:buFont typeface="Arial" panose="020B0604020202020204" pitchFamily="34" charset="0"/>
         <a:buChar char="•"/>
-        <a:defRPr sz="1800" kern="1200">
+        <a:defRPr sz="2322" kern="1200">
           <a:solidFill>
             <a:schemeClr val="tx1"/>
           </a:solidFill>
@@ -2793,16 +2797,16 @@
           <a:cs typeface="+mn-cs"/>
         </a:defRPr>
       </a:lvl5pPr>
-      <a:lvl6pPr marL="2514600" indent="-228600" algn="l" defTabSz="914400" rtl="0" eaLnBrk="1" latinLnBrk="0" hangingPunct="1">
+      <a:lvl6pPr marL="3243824" indent="-294893" algn="l" defTabSz="1179573" rtl="0" eaLnBrk="1" latinLnBrk="0" hangingPunct="1">
         <a:lnSpc>
           <a:spcPct val="90000"/>
         </a:lnSpc>
         <a:spcBef>
-          <a:spcPts val="500"/>
+          <a:spcPts val="645"/>
         </a:spcBef>
         <a:buFont typeface="Arial" panose="020B0604020202020204" pitchFamily="34" charset="0"/>
         <a:buChar char="•"/>
-        <a:defRPr sz="1800" kern="1200">
+        <a:defRPr sz="2322" kern="1200">
           <a:solidFill>
             <a:schemeClr val="tx1"/>
           </a:solidFill>
@@ -2811,16 +2815,16 @@
           <a:cs typeface="+mn-cs"/>
         </a:defRPr>
       </a:lvl6pPr>
-      <a:lvl7pPr marL="2971800" indent="-228600" algn="l" defTabSz="914400" rtl="0" eaLnBrk="1" latinLnBrk="0" hangingPunct="1">
+      <a:lvl7pPr marL="3833610" indent="-294893" algn="l" defTabSz="1179573" rtl="0" eaLnBrk="1" latinLnBrk="0" hangingPunct="1">
         <a:lnSpc>
           <a:spcPct val="90000"/>
         </a:lnSpc>
         <a:spcBef>
-          <a:spcPts val="500"/>
+          <a:spcPts val="645"/>
         </a:spcBef>
         <a:buFont typeface="Arial" panose="020B0604020202020204" pitchFamily="34" charset="0"/>
         <a:buChar char="•"/>
-        <a:defRPr sz="1800" kern="1200">
+        <a:defRPr sz="2322" kern="1200">
           <a:solidFill>
             <a:schemeClr val="tx1"/>
           </a:solidFill>
@@ -2829,16 +2833,16 @@
           <a:cs typeface="+mn-cs"/>
         </a:defRPr>
       </a:lvl7pPr>
-      <a:lvl8pPr marL="3429000" indent="-228600" algn="l" defTabSz="914400" rtl="0" eaLnBrk="1" latinLnBrk="0" hangingPunct="1">
+      <a:lvl8pPr marL="4423396" indent="-294893" algn="l" defTabSz="1179573" rtl="0" eaLnBrk="1" latinLnBrk="0" hangingPunct="1">
         <a:lnSpc>
           <a:spcPct val="90000"/>
         </a:lnSpc>
         <a:spcBef>
-          <a:spcPts val="500"/>
+          <a:spcPts val="645"/>
         </a:spcBef>
         <a:buFont typeface="Arial" panose="020B0604020202020204" pitchFamily="34" charset="0"/>
         <a:buChar char="•"/>
-        <a:defRPr sz="1800" kern="1200">
+        <a:defRPr sz="2322" kern="1200">
           <a:solidFill>
             <a:schemeClr val="tx1"/>
           </a:solidFill>
@@ -2847,16 +2851,16 @@
           <a:cs typeface="+mn-cs"/>
         </a:defRPr>
       </a:lvl8pPr>
-      <a:lvl9pPr marL="3886200" indent="-228600" algn="l" defTabSz="914400" rtl="0" eaLnBrk="1" latinLnBrk="0" hangingPunct="1">
+      <a:lvl9pPr marL="5013182" indent="-294893" algn="l" defTabSz="1179573" rtl="0" eaLnBrk="1" latinLnBrk="0" hangingPunct="1">
         <a:lnSpc>
           <a:spcPct val="90000"/>
         </a:lnSpc>
         <a:spcBef>
-          <a:spcPts val="500"/>
+          <a:spcPts val="645"/>
         </a:spcBef>
         <a:buFont typeface="Arial" panose="020B0604020202020204" pitchFamily="34" charset="0"/>
         <a:buChar char="•"/>
-        <a:defRPr sz="1800" kern="1200">
+        <a:defRPr sz="2322" kern="1200">
           <a:solidFill>
             <a:schemeClr val="tx1"/>
           </a:solidFill>
@@ -2870,8 +2874,8 @@
       <a:defPPr>
         <a:defRPr lang="en-US"/>
       </a:defPPr>
-      <a:lvl1pPr marL="0" algn="l" defTabSz="914400" rtl="0" eaLnBrk="1" latinLnBrk="0" hangingPunct="1">
-        <a:defRPr sz="1800" kern="1200">
+      <a:lvl1pPr marL="0" algn="l" defTabSz="1179573" rtl="0" eaLnBrk="1" latinLnBrk="0" hangingPunct="1">
+        <a:defRPr sz="2322" kern="1200">
           <a:solidFill>
             <a:schemeClr val="tx1"/>
           </a:solidFill>
@@ -2880,8 +2884,8 @@
           <a:cs typeface="+mn-cs"/>
         </a:defRPr>
       </a:lvl1pPr>
-      <a:lvl2pPr marL="457200" algn="l" defTabSz="914400" rtl="0" eaLnBrk="1" latinLnBrk="0" hangingPunct="1">
-        <a:defRPr sz="1800" kern="1200">
+      <a:lvl2pPr marL="589786" algn="l" defTabSz="1179573" rtl="0" eaLnBrk="1" latinLnBrk="0" hangingPunct="1">
+        <a:defRPr sz="2322" kern="1200">
           <a:solidFill>
             <a:schemeClr val="tx1"/>
           </a:solidFill>
@@ -2890,8 +2894,8 @@
           <a:cs typeface="+mn-cs"/>
         </a:defRPr>
       </a:lvl2pPr>
-      <a:lvl3pPr marL="914400" algn="l" defTabSz="914400" rtl="0" eaLnBrk="1" latinLnBrk="0" hangingPunct="1">
-        <a:defRPr sz="1800" kern="1200">
+      <a:lvl3pPr marL="1179573" algn="l" defTabSz="1179573" rtl="0" eaLnBrk="1" latinLnBrk="0" hangingPunct="1">
+        <a:defRPr sz="2322" kern="1200">
           <a:solidFill>
             <a:schemeClr val="tx1"/>
           </a:solidFill>
@@ -2900,8 +2904,8 @@
           <a:cs typeface="+mn-cs"/>
         </a:defRPr>
       </a:lvl3pPr>
-      <a:lvl4pPr marL="1371600" algn="l" defTabSz="914400" rtl="0" eaLnBrk="1" latinLnBrk="0" hangingPunct="1">
-        <a:defRPr sz="1800" kern="1200">
+      <a:lvl4pPr marL="1769359" algn="l" defTabSz="1179573" rtl="0" eaLnBrk="1" latinLnBrk="0" hangingPunct="1">
+        <a:defRPr sz="2322" kern="1200">
           <a:solidFill>
             <a:schemeClr val="tx1"/>
           </a:solidFill>
@@ -2910,8 +2914,8 @@
           <a:cs typeface="+mn-cs"/>
         </a:defRPr>
       </a:lvl4pPr>
-      <a:lvl5pPr marL="1828800" algn="l" defTabSz="914400" rtl="0" eaLnBrk="1" latinLnBrk="0" hangingPunct="1">
-        <a:defRPr sz="1800" kern="1200">
+      <a:lvl5pPr marL="2359144" algn="l" defTabSz="1179573" rtl="0" eaLnBrk="1" latinLnBrk="0" hangingPunct="1">
+        <a:defRPr sz="2322" kern="1200">
           <a:solidFill>
             <a:schemeClr val="tx1"/>
           </a:solidFill>
@@ -2920,8 +2924,8 @@
           <a:cs typeface="+mn-cs"/>
         </a:defRPr>
       </a:lvl5pPr>
-      <a:lvl6pPr marL="2286000" algn="l" defTabSz="914400" rtl="0" eaLnBrk="1" latinLnBrk="0" hangingPunct="1">
-        <a:defRPr sz="1800" kern="1200">
+      <a:lvl6pPr marL="2948930" algn="l" defTabSz="1179573" rtl="0" eaLnBrk="1" latinLnBrk="0" hangingPunct="1">
+        <a:defRPr sz="2322" kern="1200">
           <a:solidFill>
             <a:schemeClr val="tx1"/>
           </a:solidFill>
@@ -2930,8 +2934,8 @@
           <a:cs typeface="+mn-cs"/>
         </a:defRPr>
       </a:lvl6pPr>
-      <a:lvl7pPr marL="2743200" algn="l" defTabSz="914400" rtl="0" eaLnBrk="1" latinLnBrk="0" hangingPunct="1">
-        <a:defRPr sz="1800" kern="1200">
+      <a:lvl7pPr marL="3538718" algn="l" defTabSz="1179573" rtl="0" eaLnBrk="1" latinLnBrk="0" hangingPunct="1">
+        <a:defRPr sz="2322" kern="1200">
           <a:solidFill>
             <a:schemeClr val="tx1"/>
           </a:solidFill>
@@ -2940,8 +2944,8 @@
           <a:cs typeface="+mn-cs"/>
         </a:defRPr>
       </a:lvl7pPr>
-      <a:lvl8pPr marL="3200400" algn="l" defTabSz="914400" rtl="0" eaLnBrk="1" latinLnBrk="0" hangingPunct="1">
-        <a:defRPr sz="1800" kern="1200">
+      <a:lvl8pPr marL="4128504" algn="l" defTabSz="1179573" rtl="0" eaLnBrk="1" latinLnBrk="0" hangingPunct="1">
+        <a:defRPr sz="2322" kern="1200">
           <a:solidFill>
             <a:schemeClr val="tx1"/>
           </a:solidFill>
@@ -2950,8 +2954,8 @@
           <a:cs typeface="+mn-cs"/>
         </a:defRPr>
       </a:lvl8pPr>
-      <a:lvl9pPr marL="3657600" algn="l" defTabSz="914400" rtl="0" eaLnBrk="1" latinLnBrk="0" hangingPunct="1">
-        <a:defRPr sz="1800" kern="1200">
+      <a:lvl9pPr marL="4718290" algn="l" defTabSz="1179573" rtl="0" eaLnBrk="1" latinLnBrk="0" hangingPunct="1">
+        <a:defRPr sz="2322" kern="1200">
           <a:solidFill>
             <a:schemeClr val="tx1"/>
           </a:solidFill>
@@ -2990,8 +2994,8 @@
         </p:nvSpPr>
         <p:spPr>
           <a:xfrm>
-            <a:off x="420291" y="4401390"/>
-            <a:ext cx="2642070" cy="369332"/>
+            <a:off x="-7269557" y="10210818"/>
+            <a:ext cx="5840060" cy="734945"/>
           </a:xfrm>
           <a:prstGeom prst="rect">
             <a:avLst/>
@@ -3004,20 +3008,18 @@
           <a:lstStyle/>
           <a:p>
             <a:r>
-              <a:rPr lang="en-US" b="1" i="0" dirty="0" smtClean="0">
+              <a:rPr lang="en-US" sz="4176" b="1" dirty="0">
                 <a:solidFill>
                   <a:srgbClr val="000000"/>
                 </a:solidFill>
-                <a:effectLst/>
                 <a:latin typeface="Helvetica Neue"/>
               </a:rPr>
               <a:t>Assign modeling roles</a:t>
             </a:r>
-            <a:endParaRPr lang="en-US" b="1" i="0" dirty="0">
+            <a:endParaRPr lang="en-US" sz="4176" b="1" dirty="0">
               <a:solidFill>
                 <a:srgbClr val="000000"/>
               </a:solidFill>
-              <a:effectLst/>
               <a:latin typeface="Helvetica Neue"/>
             </a:endParaRPr>
           </a:p>
@@ -3031,8 +3033,8 @@
         </p:nvSpPr>
         <p:spPr>
           <a:xfrm>
-            <a:off x="3210462" y="4262890"/>
-            <a:ext cx="9107424" cy="646331"/>
+            <a:off x="-796619" y="9889513"/>
+            <a:ext cx="21128380" cy="1377557"/>
           </a:xfrm>
           <a:prstGeom prst="rect">
             <a:avLst/>
@@ -3049,11 +3051,10 @@
               <a:buChar char="•"/>
             </a:pPr>
             <a:r>
-              <a:rPr lang="en-US" b="0" i="0" dirty="0" smtClean="0">
+              <a:rPr lang="en-US" sz="4176" dirty="0">
                 <a:solidFill>
                   <a:srgbClr val="000000"/>
                 </a:solidFill>
-                <a:effectLst/>
                 <a:latin typeface="Helvetica Neue"/>
               </a:rPr>
               <a:t>y: prediction target.</a:t>
@@ -3065,20 +3066,18 @@
               <a:buChar char="•"/>
             </a:pPr>
             <a:r>
-              <a:rPr lang="en-US" b="0" i="0" dirty="0" smtClean="0">
+              <a:rPr lang="en-US" sz="4176" dirty="0">
                 <a:solidFill>
                   <a:srgbClr val="000000"/>
                 </a:solidFill>
-                <a:effectLst/>
                 <a:latin typeface="Helvetica Neue"/>
               </a:rPr>
               <a:t>X: all other input variables in the credit card default data except 'ID'.</a:t>
             </a:r>
-            <a:endParaRPr lang="en-US" b="0" i="0" dirty="0">
+            <a:endParaRPr lang="en-US" sz="4176" dirty="0">
               <a:solidFill>
                 <a:srgbClr val="000000"/>
               </a:solidFill>
-              <a:effectLst/>
               <a:latin typeface="Helvetica Neue"/>
             </a:endParaRPr>
           </a:p>
@@ -3092,8 +3091,8 @@
         </p:nvSpPr>
         <p:spPr>
           <a:xfrm>
-            <a:off x="125492" y="55177"/>
-            <a:ext cx="11415304" cy="523220"/>
+            <a:off x="-7953464" y="128005"/>
+            <a:ext cx="26223846" cy="1091966"/>
           </a:xfrm>
           <a:prstGeom prst="rect">
             <a:avLst/>
@@ -3106,7 +3105,7 @@
           <a:lstStyle/>
           <a:p>
             <a:r>
-              <a:rPr lang="en-US" sz="2800" b="1" dirty="0">
+              <a:rPr lang="en-US" sz="6496" b="1" dirty="0">
                 <a:solidFill>
                   <a:srgbClr val="FF0000"/>
                 </a:solidFill>
@@ -3133,8 +3132,8 @@
         </p:blipFill>
         <p:spPr>
           <a:xfrm>
-            <a:off x="3210462" y="697810"/>
-            <a:ext cx="4633099" cy="2553728"/>
+            <a:off x="-796617" y="1618856"/>
+            <a:ext cx="10748361" cy="5924413"/>
           </a:xfrm>
           <a:prstGeom prst="rect">
             <a:avLst/>
@@ -3165,8 +3164,8 @@
         </p:blipFill>
         <p:spPr>
           <a:xfrm>
-            <a:off x="3210462" y="5024514"/>
-            <a:ext cx="2819048" cy="466667"/>
+            <a:off x="-796619" y="11656408"/>
+            <a:ext cx="6539930" cy="1082624"/>
           </a:xfrm>
           <a:prstGeom prst="rect">
             <a:avLst/>
@@ -3223,8 +3222,8 @@
         </p:nvSpPr>
         <p:spPr>
           <a:xfrm>
-            <a:off x="6084736" y="0"/>
-            <a:ext cx="5333511" cy="369332"/>
+            <a:off x="5871431" y="3"/>
+            <a:ext cx="12034064" cy="734945"/>
           </a:xfrm>
           <a:prstGeom prst="rect">
             <a:avLst/>
@@ -3237,20 +3236,18 @@
           <a:lstStyle/>
           <a:p>
             <a:r>
-              <a:rPr lang="en-US" b="1" i="0" smtClean="0">
+              <a:rPr lang="en-US" sz="4176" b="1">
                 <a:solidFill>
                   <a:srgbClr val="000000"/>
                 </a:solidFill>
-                <a:effectLst/>
                 <a:latin typeface="Helvetica Neue"/>
               </a:rPr>
               <a:t>Bind model predictions onto perturbed sample</a:t>
             </a:r>
-            <a:endParaRPr lang="en-US" b="1" i="0" dirty="0">
+            <a:endParaRPr lang="en-US" sz="4176" b="1" dirty="0">
               <a:solidFill>
                 <a:srgbClr val="000000"/>
               </a:solidFill>
-              <a:effectLst/>
               <a:latin typeface="Helvetica Neue"/>
             </a:endParaRPr>
           </a:p>
@@ -3264,8 +3261,8 @@
         </p:nvSpPr>
         <p:spPr>
           <a:xfrm>
-            <a:off x="7514542" y="369332"/>
-            <a:ext cx="3132268" cy="369332"/>
+            <a:off x="9188448" y="856819"/>
+            <a:ext cx="7028206" cy="734945"/>
           </a:xfrm>
           <a:prstGeom prst="rect">
             <a:avLst/>
@@ -3278,10 +3275,10 @@
           <a:lstStyle/>
           <a:p>
             <a:r>
-              <a:rPr lang="en-US" dirty="0" smtClean="0"/>
+              <a:rPr lang="en-US" sz="4176" dirty="0"/>
               <a:t>H2OGradientBoostingEstimator</a:t>
             </a:r>
-            <a:endParaRPr lang="en-US" dirty="0"/>
+            <a:endParaRPr lang="en-US" sz="4176" dirty="0"/>
           </a:p>
         </p:txBody>
       </p:sp>
@@ -3301,8 +3298,8 @@
         </p:blipFill>
         <p:spPr>
           <a:xfrm>
-            <a:off x="5965632" y="716733"/>
-            <a:ext cx="2285714" cy="1228571"/>
+            <a:off x="5595122" y="1662757"/>
+            <a:ext cx="5302645" cy="2850171"/>
           </a:xfrm>
           <a:prstGeom prst="rect">
             <a:avLst/>
@@ -3325,8 +3322,8 @@
         </p:blipFill>
         <p:spPr>
           <a:xfrm>
-            <a:off x="9936893" y="616127"/>
-            <a:ext cx="980952" cy="1247619"/>
+            <a:off x="14808078" y="1429358"/>
+            <a:ext cx="2275718" cy="2894361"/>
           </a:xfrm>
           <a:prstGeom prst="rect">
             <a:avLst/>
@@ -3349,8 +3346,8 @@
         </p:blipFill>
         <p:spPr>
           <a:xfrm>
-            <a:off x="6084736" y="2870532"/>
-            <a:ext cx="4595457" cy="1350550"/>
+            <a:off x="5871435" y="4896259"/>
+            <a:ext cx="12806787" cy="3763762"/>
           </a:xfrm>
           <a:prstGeom prst="rect">
             <a:avLst/>
@@ -3373,8 +3370,8 @@
         </p:blipFill>
         <p:spPr>
           <a:xfrm>
-            <a:off x="6210444" y="4221082"/>
-            <a:ext cx="4344040" cy="1279369"/>
+            <a:off x="6163065" y="8029411"/>
+            <a:ext cx="12106135" cy="3565394"/>
           </a:xfrm>
           <a:prstGeom prst="rect">
             <a:avLst/>
@@ -3397,14 +3394,65 @@
         </p:blipFill>
         <p:spPr>
           <a:xfrm>
-            <a:off x="6210444" y="5500451"/>
-            <a:ext cx="4143677" cy="1130094"/>
+            <a:off x="6163062" y="10997427"/>
+            <a:ext cx="11547752" cy="3149388"/>
           </a:xfrm>
           <a:prstGeom prst="rect">
             <a:avLst/>
           </a:prstGeom>
         </p:spPr>
       </p:pic>
+      <p:sp>
+        <p:nvSpPr>
+          <p:cNvPr id="9" name="Rectangle 8"/>
+          <p:cNvSpPr/>
+          <p:nvPr/>
+        </p:nvSpPr>
+        <p:spPr>
+          <a:xfrm>
+            <a:off x="14293933" y="10672713"/>
+            <a:ext cx="3975263" cy="3798811"/>
+          </a:xfrm>
+          <a:prstGeom prst="rect">
+            <a:avLst/>
+          </a:prstGeom>
+          <a:noFill/>
+          <a:ln>
+            <a:solidFill>
+              <a:srgbClr val="FF0000"/>
+            </a:solidFill>
+          </a:ln>
+        </p:spPr>
+        <p:style>
+          <a:lnRef idx="2">
+            <a:schemeClr val="accent1">
+              <a:shade val="50000"/>
+            </a:schemeClr>
+          </a:lnRef>
+          <a:fillRef idx="1">
+            <a:schemeClr val="accent1"/>
+          </a:fillRef>
+          <a:effectRef idx="0">
+            <a:schemeClr val="accent1"/>
+          </a:effectRef>
+          <a:fontRef idx="minor">
+            <a:schemeClr val="lt1"/>
+          </a:fontRef>
+        </p:style>
+        <p:txBody>
+          <a:bodyPr rot="0" spcFirstLastPara="0" vertOverflow="overflow" horzOverflow="overflow" vert="horz" wrap="square" lIns="212132" tIns="106066" rIns="212132" bIns="106066" numCol="1" spcCol="0" rtlCol="0" fromWordArt="0" anchor="ctr" anchorCtr="0" forceAA="0" compatLnSpc="1">
+            <a:prstTxWarp prst="textNoShape">
+              <a:avLst/>
+            </a:prstTxWarp>
+            <a:noAutofit/>
+          </a:bodyPr>
+          <a:lstStyle/>
+          <a:p>
+            <a:pPr algn="ctr"/>
+            <a:endParaRPr lang="en-US" sz="4176"/>
+          </a:p>
+        </p:txBody>
+      </p:sp>
     </p:spTree>
     <p:extLst>
       <p:ext uri="{BB962C8B-B14F-4D97-AF65-F5344CB8AC3E}">
@@ -3443,8 +3491,8 @@
         </p:nvSpPr>
         <p:spPr>
           <a:xfrm>
-            <a:off x="6241147" y="0"/>
-            <a:ext cx="5333511" cy="369332"/>
+            <a:off x="6234290" y="3"/>
+            <a:ext cx="12034064" cy="734945"/>
           </a:xfrm>
           <a:prstGeom prst="rect">
             <a:avLst/>
@@ -3457,20 +3505,18 @@
           <a:lstStyle/>
           <a:p>
             <a:r>
-              <a:rPr lang="en-US" b="1" i="0" dirty="0" smtClean="0">
+              <a:rPr lang="en-US" sz="4176" b="1" dirty="0">
                 <a:solidFill>
                   <a:srgbClr val="000000"/>
                 </a:solidFill>
-                <a:effectLst/>
                 <a:latin typeface="Helvetica Neue"/>
               </a:rPr>
               <a:t>Train penalized linear model in local region</a:t>
             </a:r>
-            <a:endParaRPr lang="en-US" b="1" i="0" dirty="0">
+            <a:endParaRPr lang="en-US" sz="4176" b="1" dirty="0">
               <a:solidFill>
                 <a:srgbClr val="000000"/>
               </a:solidFill>
-              <a:effectLst/>
               <a:latin typeface="Helvetica Neue"/>
             </a:endParaRPr>
           </a:p>
@@ -3484,8 +3530,8 @@
         </p:nvSpPr>
         <p:spPr>
           <a:xfrm>
-            <a:off x="7642355" y="369332"/>
-            <a:ext cx="3189463" cy="369332"/>
+            <a:off x="9484966" y="856819"/>
+            <a:ext cx="7150547" cy="734945"/>
           </a:xfrm>
           <a:prstGeom prst="rect">
             <a:avLst/>
@@ -3498,10 +3544,10 @@
           <a:lstStyle/>
           <a:p>
             <a:r>
-              <a:rPr lang="en-US" dirty="0" smtClean="0"/>
+              <a:rPr lang="en-US" sz="4176" dirty="0"/>
               <a:t>H2OGeneralizedLinearEstimator</a:t>
             </a:r>
-            <a:endParaRPr lang="en-US" dirty="0"/>
+            <a:endParaRPr lang="en-US" sz="4176" dirty="0"/>
           </a:p>
         </p:txBody>
       </p:sp>
@@ -3521,8 +3567,8 @@
         </p:blipFill>
         <p:spPr>
           <a:xfrm>
-            <a:off x="5728025" y="3217169"/>
-            <a:ext cx="5714286" cy="1238095"/>
+            <a:off x="5043894" y="7463535"/>
+            <a:ext cx="13256614" cy="2872266"/>
           </a:xfrm>
           <a:prstGeom prst="rect">
             <a:avLst/>
@@ -3545,8 +3591,8 @@
         </p:blipFill>
         <p:spPr>
           <a:xfrm>
-            <a:off x="5728025" y="738664"/>
-            <a:ext cx="5258903" cy="1654136"/>
+            <a:off x="5043895" y="1713632"/>
+            <a:ext cx="12200168" cy="3837442"/>
           </a:xfrm>
           <a:prstGeom prst="rect">
             <a:avLst/>
@@ -3569,8 +3615,8 @@
         </p:blipFill>
         <p:spPr>
           <a:xfrm>
-            <a:off x="5611256" y="4647166"/>
-            <a:ext cx="4171429" cy="495238"/>
+            <a:off x="4773005" y="10780994"/>
+            <a:ext cx="9677329" cy="1148906"/>
           </a:xfrm>
           <a:prstGeom prst="rect">
             <a:avLst/>
@@ -3593,8 +3639,8 @@
         </p:blipFill>
         <p:spPr>
           <a:xfrm>
-            <a:off x="5744590" y="5753085"/>
-            <a:ext cx="1952381" cy="419048"/>
+            <a:off x="5082328" y="13346626"/>
+            <a:ext cx="4529343" cy="972153"/>
           </a:xfrm>
           <a:prstGeom prst="rect">
             <a:avLst/>
@@ -3609,8 +3655,8 @@
         </p:nvSpPr>
         <p:spPr>
           <a:xfrm>
-            <a:off x="5690296" y="2655935"/>
-            <a:ext cx="4280339" cy="369332"/>
+            <a:off x="4956370" y="6161527"/>
+            <a:ext cx="9610323" cy="734945"/>
           </a:xfrm>
           <a:prstGeom prst="rect">
             <a:avLst/>
@@ -3623,7 +3669,7 @@
           <a:lstStyle/>
           <a:p>
             <a:r>
-              <a:rPr lang="en-US" altLang="zh-CN" b="1" dirty="0" smtClean="0">
+              <a:rPr lang="en-US" altLang="zh-CN" sz="4176" b="1" dirty="0">
                 <a:solidFill>
                   <a:srgbClr val="000000"/>
                 </a:solidFill>
@@ -3632,7 +3678,7 @@
               <a:t>Get </a:t>
             </a:r>
             <a:r>
-              <a:rPr lang="en-US" b="1" dirty="0" smtClean="0">
+              <a:rPr lang="en-US" sz="4176" b="1" dirty="0">
                 <a:solidFill>
                   <a:srgbClr val="000000"/>
                 </a:solidFill>
@@ -3641,7 +3687,7 @@
               <a:t>Local </a:t>
             </a:r>
             <a:r>
-              <a:rPr lang="en-US" b="1" dirty="0">
+              <a:rPr lang="en-US" sz="4176" b="1" dirty="0">
                 <a:solidFill>
                   <a:srgbClr val="000000"/>
                 </a:solidFill>
@@ -3660,8 +3706,8 @@
         </p:nvSpPr>
         <p:spPr>
           <a:xfrm>
-            <a:off x="5744590" y="5263078"/>
-            <a:ext cx="2291012" cy="369332"/>
+            <a:off x="5082327" y="12209857"/>
+            <a:ext cx="5032147" cy="734945"/>
           </a:xfrm>
           <a:prstGeom prst="rect">
             <a:avLst/>
@@ -3674,7 +3720,7 @@
           <a:lstStyle/>
           <a:p>
             <a:r>
-              <a:rPr lang="en-US" b="1" dirty="0">
+              <a:rPr lang="en-US" sz="4176" b="1" dirty="0">
                 <a:solidFill>
                   <a:srgbClr val="000000"/>
                 </a:solidFill>
@@ -3723,8 +3769,8 @@
         </p:nvSpPr>
         <p:spPr>
           <a:xfrm>
-            <a:off x="155511" y="176023"/>
-            <a:ext cx="6096000" cy="646331"/>
+            <a:off x="-7883823" y="408356"/>
+            <a:ext cx="14142156" cy="1377557"/>
           </a:xfrm>
           <a:prstGeom prst="rect">
             <a:avLst/>
@@ -3737,20 +3783,18 @@
           <a:lstStyle/>
           <a:p>
             <a:r>
-              <a:rPr lang="en-US" b="1" i="0" dirty="0" smtClean="0">
+              <a:rPr lang="en-US" sz="4176" b="1" dirty="0">
                 <a:solidFill>
                   <a:srgbClr val="000000"/>
                 </a:solidFill>
-                <a:effectLst/>
                 <a:latin typeface="Helvetica Neue"/>
               </a:rPr>
               <a:t>4. Generate reason codes with LIME based on a perturbed sample</a:t>
             </a:r>
-            <a:endParaRPr lang="en-US" b="1" i="0" dirty="0">
+            <a:endParaRPr lang="en-US" sz="4176" b="1" dirty="0">
               <a:solidFill>
                 <a:srgbClr val="000000"/>
               </a:solidFill>
-              <a:effectLst/>
               <a:latin typeface="Helvetica Neue"/>
             </a:endParaRPr>
           </a:p>
@@ -3764,8 +3808,8 @@
         </p:nvSpPr>
         <p:spPr>
           <a:xfrm>
-            <a:off x="6817596" y="176023"/>
-            <a:ext cx="3110147" cy="369332"/>
+            <a:off x="7571598" y="408360"/>
+            <a:ext cx="6917278" cy="734945"/>
           </a:xfrm>
           <a:prstGeom prst="rect">
             <a:avLst/>
@@ -3778,20 +3822,18 @@
           <a:lstStyle/>
           <a:p>
             <a:r>
-              <a:rPr lang="en-US" b="1" i="0" dirty="0" smtClean="0">
+              <a:rPr lang="en-US" sz="4176" b="1" dirty="0">
                 <a:solidFill>
                   <a:srgbClr val="000000"/>
                 </a:solidFill>
-                <a:effectLst/>
                 <a:latin typeface="Helvetica Neue"/>
               </a:rPr>
               <a:t>Display the reason codes:</a:t>
             </a:r>
-            <a:endParaRPr lang="en-US" b="1" i="0" dirty="0">
+            <a:endParaRPr lang="en-US" sz="4176" b="1" dirty="0">
               <a:solidFill>
                 <a:srgbClr val="000000"/>
               </a:solidFill>
-              <a:effectLst/>
               <a:latin typeface="Helvetica Neue"/>
             </a:endParaRPr>
           </a:p>
@@ -3805,8 +3847,8 @@
         </p:nvSpPr>
         <p:spPr>
           <a:xfrm>
-            <a:off x="155511" y="1519631"/>
-            <a:ext cx="6096000" cy="646331"/>
+            <a:off x="-7883823" y="3525403"/>
+            <a:ext cx="14142156" cy="1377557"/>
           </a:xfrm>
           <a:prstGeom prst="rect">
             <a:avLst/>
@@ -3819,20 +3861,18 @@
           <a:lstStyle/>
           <a:p>
             <a:r>
-              <a:rPr lang="en-US" b="1" i="0" smtClean="0">
+              <a:rPr lang="en-US" sz="4176" b="1" dirty="0">
                 <a:solidFill>
                   <a:srgbClr val="000000"/>
                 </a:solidFill>
-                <a:effectLst/>
                 <a:latin typeface="Helvetica Neue"/>
               </a:rPr>
               <a:t>5. Use LIME to generate descriptions for a local region with a practical sample.</a:t>
             </a:r>
-            <a:endParaRPr lang="en-US" b="1" i="0" dirty="0">
+            <a:endParaRPr lang="en-US" sz="4176" b="1" dirty="0">
               <a:solidFill>
                 <a:srgbClr val="000000"/>
               </a:solidFill>
-              <a:effectLst/>
               <a:latin typeface="Helvetica Neue"/>
             </a:endParaRPr>
           </a:p>
@@ -3846,8 +3886,8 @@
         </p:nvSpPr>
         <p:spPr>
           <a:xfrm>
-            <a:off x="6272285" y="1540324"/>
-            <a:ext cx="6096000" cy="646331"/>
+            <a:off x="6306527" y="3573411"/>
+            <a:ext cx="14142156" cy="1377557"/>
           </a:xfrm>
           <a:prstGeom prst="rect">
             <a:avLst/>
@@ -3860,20 +3900,18 @@
           <a:lstStyle/>
           <a:p>
             <a:r>
-              <a:rPr lang="en-US" b="1" i="0" dirty="0" smtClean="0">
+              <a:rPr lang="en-US" sz="4176" b="1" dirty="0">
                 <a:solidFill>
                   <a:srgbClr val="000000"/>
                 </a:solidFill>
-                <a:effectLst/>
                 <a:latin typeface="Helvetica Neue"/>
               </a:rPr>
               <a:t>Create a local region based on SEX and merge with GBM model predictions</a:t>
             </a:r>
-            <a:endParaRPr lang="en-US" b="1" i="0" dirty="0">
+            <a:endParaRPr lang="en-US" sz="4176" b="1" dirty="0">
               <a:solidFill>
                 <a:srgbClr val="000000"/>
               </a:solidFill>
-              <a:effectLst/>
               <a:latin typeface="Helvetica Neue"/>
             </a:endParaRPr>
           </a:p>
@@ -3887,8 +3925,8 @@
         </p:nvSpPr>
         <p:spPr>
           <a:xfrm>
-            <a:off x="7299298" y="2165961"/>
-            <a:ext cx="2146742" cy="369332"/>
+            <a:off x="8689102" y="5024833"/>
+            <a:ext cx="4735592" cy="734945"/>
           </a:xfrm>
           <a:prstGeom prst="rect">
             <a:avLst/>
@@ -3901,26 +3939,24 @@
           <a:lstStyle/>
           <a:p>
             <a:r>
-              <a:rPr lang="en-US" altLang="zh-CN" b="0" i="0" dirty="0" smtClean="0">
+              <a:rPr lang="en-US" altLang="zh-CN" sz="4176" dirty="0">
                 <a:solidFill>
                   <a:srgbClr val="000000"/>
                 </a:solidFill>
-                <a:effectLst/>
                 <a:latin typeface="Helvetica Neue"/>
               </a:rPr>
               <a:t>All</a:t>
             </a:r>
             <a:r>
-              <a:rPr lang="en-US" b="0" i="0" dirty="0" smtClean="0">
+              <a:rPr lang="en-US" sz="4176" dirty="0">
                 <a:solidFill>
                   <a:srgbClr val="000000"/>
                 </a:solidFill>
-                <a:effectLst/>
                 <a:latin typeface="Helvetica Neue"/>
               </a:rPr>
               <a:t> female sample</a:t>
             </a:r>
-            <a:endParaRPr lang="en-US" dirty="0"/>
+            <a:endParaRPr lang="en-US" sz="4176" dirty="0"/>
           </a:p>
         </p:txBody>
       </p:sp>
@@ -3940,8 +3976,8 @@
         </p:blipFill>
         <p:spPr>
           <a:xfrm>
-            <a:off x="4956121" y="2535293"/>
-            <a:ext cx="4686354" cy="1393410"/>
+            <a:off x="3253151" y="5881645"/>
+            <a:ext cx="10871907" cy="3232582"/>
           </a:xfrm>
           <a:prstGeom prst="rect">
             <a:avLst/>
@@ -3964,8 +4000,8 @@
         </p:blipFill>
         <p:spPr>
           <a:xfrm>
-            <a:off x="5027314" y="3928703"/>
-            <a:ext cx="4543967" cy="1244601"/>
+            <a:off x="3418313" y="9114231"/>
+            <a:ext cx="10541583" cy="2887359"/>
           </a:xfrm>
           <a:prstGeom prst="rect">
             <a:avLst/>
@@ -3988,8 +4024,8 @@
         </p:blipFill>
         <p:spPr>
           <a:xfrm>
-            <a:off x="5202066" y="5173027"/>
-            <a:ext cx="4369215" cy="1283386"/>
+            <a:off x="3823719" y="12000946"/>
+            <a:ext cx="10136174" cy="2977337"/>
           </a:xfrm>
           <a:prstGeom prst="rect">
             <a:avLst/>
@@ -4034,8 +4070,8 @@
         </p:nvSpPr>
         <p:spPr>
           <a:xfrm>
-            <a:off x="4263819" y="259412"/>
-            <a:ext cx="5333511" cy="369332"/>
+            <a:off x="1647072" y="601815"/>
+            <a:ext cx="12034064" cy="734945"/>
           </a:xfrm>
           <a:prstGeom prst="rect">
             <a:avLst/>
@@ -4048,20 +4084,18 @@
           <a:lstStyle/>
           <a:p>
             <a:r>
-              <a:rPr lang="en-US" b="1" i="0" dirty="0" smtClean="0">
+              <a:rPr lang="en-US" sz="4176" b="1" dirty="0">
                 <a:solidFill>
                   <a:srgbClr val="000000"/>
                 </a:solidFill>
-                <a:effectLst/>
                 <a:latin typeface="Helvetica Neue"/>
               </a:rPr>
               <a:t>Train penalized linear model in local region</a:t>
             </a:r>
-            <a:endParaRPr lang="en-US" b="1" i="0" dirty="0">
+            <a:endParaRPr lang="en-US" sz="4176" b="1" dirty="0">
               <a:solidFill>
                 <a:srgbClr val="000000"/>
               </a:solidFill>
-              <a:effectLst/>
               <a:latin typeface="Helvetica Neue"/>
             </a:endParaRPr>
           </a:p>
@@ -4075,8 +4109,8 @@
         </p:nvSpPr>
         <p:spPr>
           <a:xfrm>
-            <a:off x="5159557" y="608050"/>
-            <a:ext cx="3189463" cy="369332"/>
+            <a:off x="3725104" y="1410623"/>
+            <a:ext cx="7150547" cy="734945"/>
           </a:xfrm>
           <a:prstGeom prst="rect">
             <a:avLst/>
@@ -4089,10 +4123,10 @@
           <a:lstStyle/>
           <a:p>
             <a:r>
-              <a:rPr lang="en-US" dirty="0" smtClean="0"/>
+              <a:rPr lang="en-US" sz="4176" dirty="0"/>
               <a:t>H2OGeneralizedLinearEstimator</a:t>
             </a:r>
-            <a:endParaRPr lang="en-US" dirty="0"/>
+            <a:endParaRPr lang="en-US" sz="4176" dirty="0"/>
           </a:p>
         </p:txBody>
       </p:sp>
@@ -4104,8 +4138,8 @@
         </p:nvSpPr>
         <p:spPr>
           <a:xfrm>
-            <a:off x="4263819" y="1838629"/>
-            <a:ext cx="2291012" cy="369332"/>
+            <a:off x="1647076" y="4265453"/>
+            <a:ext cx="5032147" cy="734945"/>
           </a:xfrm>
           <a:prstGeom prst="rect">
             <a:avLst/>
@@ -4118,7 +4152,7 @@
           <a:lstStyle/>
           <a:p>
             <a:r>
-              <a:rPr lang="en-US" b="1" dirty="0">
+              <a:rPr lang="en-US" sz="4176" b="1" dirty="0">
                 <a:solidFill>
                   <a:srgbClr val="000000"/>
                 </a:solidFill>
@@ -4145,8 +4179,8 @@
         </p:blipFill>
         <p:spPr>
           <a:xfrm>
-            <a:off x="4263819" y="1106972"/>
-            <a:ext cx="7009524" cy="438095"/>
+            <a:off x="1647075" y="2568073"/>
+            <a:ext cx="16261447" cy="1016340"/>
           </a:xfrm>
           <a:prstGeom prst="rect">
             <a:avLst/>
@@ -4169,8 +4203,8 @@
         </p:blipFill>
         <p:spPr>
           <a:xfrm>
-            <a:off x="4263819" y="2501523"/>
-            <a:ext cx="1352381" cy="523810"/>
+            <a:off x="1647076" y="5803304"/>
+            <a:ext cx="3137399" cy="1215191"/>
           </a:xfrm>
           <a:prstGeom prst="rect">
             <a:avLst/>
@@ -4215,8 +4249,8 @@
         </p:nvSpPr>
         <p:spPr>
           <a:xfrm>
-            <a:off x="0" y="0"/>
-            <a:ext cx="6096000" cy="646331"/>
+            <a:off x="-8244594" y="0"/>
+            <a:ext cx="14142156" cy="1377557"/>
           </a:xfrm>
           <a:prstGeom prst="rect">
             <a:avLst/>
@@ -4229,20 +4263,18 @@
           <a:lstStyle/>
           <a:p>
             <a:r>
-              <a:rPr lang="en-US" b="1" i="0" smtClean="0">
+              <a:rPr lang="en-US" sz="4176" b="1">
                 <a:solidFill>
                   <a:srgbClr val="000000"/>
                 </a:solidFill>
-                <a:effectLst/>
                 <a:latin typeface="Helvetica Neue"/>
               </a:rPr>
               <a:t>6. Generate a ranked predictions plot to assess validity of local explanatory model.</a:t>
             </a:r>
-            <a:endParaRPr lang="en-US" b="1" i="0" dirty="0">
+            <a:endParaRPr lang="en-US" sz="4176" b="1" dirty="0">
               <a:solidFill>
                 <a:srgbClr val="000000"/>
               </a:solidFill>
-              <a:effectLst/>
               <a:latin typeface="Helvetica Neue"/>
             </a:endParaRPr>
           </a:p>
@@ -4256,8 +4288,8 @@
         </p:nvSpPr>
         <p:spPr>
           <a:xfrm>
-            <a:off x="0" y="2815126"/>
-            <a:ext cx="5918608" cy="369332"/>
+            <a:off x="-8244594" y="6530832"/>
+            <a:ext cx="13380586" cy="734945"/>
           </a:xfrm>
           <a:prstGeom prst="rect">
             <a:avLst/>
@@ -4270,20 +4302,18 @@
           <a:lstStyle/>
           <a:p>
             <a:r>
-              <a:rPr lang="en-US" b="1" i="0" dirty="0" smtClean="0">
+              <a:rPr lang="en-US" sz="4176" b="1" dirty="0">
                 <a:solidFill>
                   <a:srgbClr val="000000"/>
                 </a:solidFill>
-                <a:effectLst/>
                 <a:latin typeface="Helvetica Neue"/>
               </a:rPr>
               <a:t>7. Generate reason codes using a practical sample</a:t>
             </a:r>
-            <a:endParaRPr lang="en-US" b="1" i="0" dirty="0">
+            <a:endParaRPr lang="en-US" sz="4176" b="1" dirty="0">
               <a:solidFill>
                 <a:srgbClr val="000000"/>
               </a:solidFill>
-              <a:effectLst/>
               <a:latin typeface="Helvetica Neue"/>
             </a:endParaRPr>
           </a:p>
@@ -4297,8 +4327,8 @@
         </p:nvSpPr>
         <p:spPr>
           <a:xfrm>
-            <a:off x="6096000" y="2815126"/>
-            <a:ext cx="6096000" cy="646331"/>
+            <a:off x="5897562" y="6530834"/>
+            <a:ext cx="14142156" cy="1377557"/>
           </a:xfrm>
           <a:prstGeom prst="rect">
             <a:avLst/>
@@ -4311,20 +4341,18 @@
           <a:lstStyle/>
           <a:p>
             <a:r>
-              <a:rPr lang="en-US" b="1" i="0" dirty="0" smtClean="0">
+              <a:rPr lang="en-US" sz="4176" b="1" dirty="0">
                 <a:solidFill>
                   <a:srgbClr val="000000"/>
                 </a:solidFill>
-                <a:effectLst/>
                 <a:latin typeface="Helvetica Neue"/>
               </a:rPr>
               <a:t>Create explanations ('reason codes') for a row in the local set:</a:t>
             </a:r>
-            <a:endParaRPr lang="en-US" b="1" i="0" dirty="0">
+            <a:endParaRPr lang="en-US" sz="4176" b="1" dirty="0">
               <a:solidFill>
                 <a:srgbClr val="000000"/>
               </a:solidFill>
-              <a:effectLst/>
               <a:latin typeface="Helvetica Neue"/>
             </a:endParaRPr>
           </a:p>
@@ -4346,8 +4374,8 @@
         </p:blipFill>
         <p:spPr>
           <a:xfrm>
-            <a:off x="6096000" y="0"/>
-            <a:ext cx="3540423" cy="2485829"/>
+            <a:off x="5897563" y="3"/>
+            <a:ext cx="8213454" cy="5766893"/>
           </a:xfrm>
           <a:prstGeom prst="rect">
             <a:avLst/>
@@ -4364,6 +4392,6460 @@
   <p:clrMapOvr>
     <a:masterClrMapping/>
   </p:clrMapOvr>
+  <p:timing>
+    <p:tnLst>
+      <p:par>
+        <p:cTn id="1" dur="indefinite" restart="never" nodeType="tmRoot"/>
+      </p:par>
+    </p:tnLst>
+  </p:timing>
+</p:sld>
+</file>
+
+<file path=ppt/slides/slide15.xml><?xml version="1.0" encoding="utf-8"?>
+<p:sld xmlns:a="http://schemas.openxmlformats.org/drawingml/2006/main" xmlns:r="http://schemas.openxmlformats.org/officeDocument/2006/relationships" xmlns:p="http://schemas.openxmlformats.org/presentationml/2006/main">
+  <p:cSld>
+    <p:spTree>
+      <p:nvGrpSpPr>
+        <p:cNvPr id="1" name=""/>
+        <p:cNvGrpSpPr/>
+        <p:nvPr/>
+      </p:nvGrpSpPr>
+      <p:grpSpPr>
+        <a:xfrm>
+          <a:off x="0" y="0"/>
+          <a:ext cx="0" cy="0"/>
+          <a:chOff x="0" y="0"/>
+          <a:chExt cx="0" cy="0"/>
+        </a:xfrm>
+      </p:grpSpPr>
+      <p:sp>
+        <p:nvSpPr>
+          <p:cNvPr id="4" name="Rectangle 3"/>
+          <p:cNvSpPr/>
+          <p:nvPr/>
+        </p:nvSpPr>
+        <p:spPr>
+          <a:xfrm>
+            <a:off x="3216355" y="230758"/>
+            <a:ext cx="1797830" cy="721668"/>
+          </a:xfrm>
+          <a:prstGeom prst="rect">
+            <a:avLst/>
+          </a:prstGeom>
+          <a:noFill/>
+          <a:ln>
+            <a:solidFill>
+              <a:schemeClr val="tx1"/>
+            </a:solidFill>
+          </a:ln>
+        </p:spPr>
+        <p:style>
+          <a:lnRef idx="2">
+            <a:schemeClr val="accent1">
+              <a:shade val="50000"/>
+            </a:schemeClr>
+          </a:lnRef>
+          <a:fillRef idx="1">
+            <a:schemeClr val="accent1"/>
+          </a:fillRef>
+          <a:effectRef idx="0">
+            <a:schemeClr val="accent1"/>
+          </a:effectRef>
+          <a:fontRef idx="minor">
+            <a:schemeClr val="lt1"/>
+          </a:fontRef>
+        </p:style>
+        <p:txBody>
+          <a:bodyPr rot="0" spcFirstLastPara="0" vertOverflow="overflow" horzOverflow="overflow" vert="horz" wrap="square" lIns="212132" tIns="106066" rIns="212132" bIns="106066" numCol="1" spcCol="0" rtlCol="0" fromWordArt="0" anchor="ctr" anchorCtr="0" forceAA="0" compatLnSpc="1">
+            <a:prstTxWarp prst="textNoShape">
+              <a:avLst/>
+            </a:prstTxWarp>
+            <a:noAutofit/>
+          </a:bodyPr>
+          <a:lstStyle/>
+          <a:p>
+            <a:pPr algn="ctr"/>
+            <a:r>
+              <a:rPr lang="en-US" altLang="zh-CN" sz="2000" dirty="0">
+                <a:solidFill>
+                  <a:schemeClr val="tx1"/>
+                </a:solidFill>
+              </a:rPr>
+              <a:t>Resource</a:t>
+            </a:r>
+            <a:endParaRPr lang="en-US" sz="2000" dirty="0">
+              <a:solidFill>
+                <a:schemeClr val="tx1"/>
+              </a:solidFill>
+            </a:endParaRPr>
+          </a:p>
+        </p:txBody>
+      </p:sp>
+      <p:sp>
+        <p:nvSpPr>
+          <p:cNvPr id="5" name="Rectangle 4"/>
+          <p:cNvSpPr/>
+          <p:nvPr/>
+        </p:nvSpPr>
+        <p:spPr>
+          <a:xfrm>
+            <a:off x="3216355" y="1565733"/>
+            <a:ext cx="1797830" cy="809362"/>
+          </a:xfrm>
+          <a:prstGeom prst="rect">
+            <a:avLst/>
+          </a:prstGeom>
+          <a:noFill/>
+          <a:ln>
+            <a:solidFill>
+              <a:schemeClr val="tx1"/>
+            </a:solidFill>
+          </a:ln>
+        </p:spPr>
+        <p:style>
+          <a:lnRef idx="2">
+            <a:schemeClr val="accent1">
+              <a:shade val="50000"/>
+            </a:schemeClr>
+          </a:lnRef>
+          <a:fillRef idx="1">
+            <a:schemeClr val="accent1"/>
+          </a:fillRef>
+          <a:effectRef idx="0">
+            <a:schemeClr val="accent1"/>
+          </a:effectRef>
+          <a:fontRef idx="minor">
+            <a:schemeClr val="lt1"/>
+          </a:fontRef>
+        </p:style>
+        <p:txBody>
+          <a:bodyPr rot="0" spcFirstLastPara="0" vertOverflow="overflow" horzOverflow="overflow" vert="horz" wrap="square" lIns="212132" tIns="106066" rIns="212132" bIns="106066" numCol="1" spcCol="0" rtlCol="0" fromWordArt="0" anchor="ctr" anchorCtr="0" forceAA="0" compatLnSpc="1">
+            <a:prstTxWarp prst="textNoShape">
+              <a:avLst/>
+            </a:prstTxWarp>
+            <a:noAutofit/>
+          </a:bodyPr>
+          <a:lstStyle/>
+          <a:p>
+            <a:pPr algn="ctr"/>
+            <a:r>
+              <a:rPr lang="en-US" altLang="zh-CN" sz="2000" dirty="0">
+                <a:solidFill>
+                  <a:schemeClr val="tx1"/>
+                </a:solidFill>
+              </a:rPr>
+              <a:t>Parsed</a:t>
+            </a:r>
+          </a:p>
+          <a:p>
+            <a:pPr algn="ctr"/>
+            <a:r>
+              <a:rPr lang="en-US" sz="2000" dirty="0">
+                <a:solidFill>
+                  <a:schemeClr val="tx1"/>
+                </a:solidFill>
+              </a:rPr>
+              <a:t>Dataset</a:t>
+            </a:r>
+          </a:p>
+        </p:txBody>
+      </p:sp>
+      <p:sp>
+        <p:nvSpPr>
+          <p:cNvPr id="6" name="TextBox 5"/>
+          <p:cNvSpPr txBox="1"/>
+          <p:nvPr/>
+        </p:nvSpPr>
+        <p:spPr>
+          <a:xfrm>
+            <a:off x="5030630" y="212314"/>
+            <a:ext cx="5461797" cy="646331"/>
+          </a:xfrm>
+          <a:prstGeom prst="rect">
+            <a:avLst/>
+          </a:prstGeom>
+          <a:noFill/>
+        </p:spPr>
+        <p:txBody>
+          <a:bodyPr wrap="square" rtlCol="0">
+            <a:spAutoFit/>
+          </a:bodyPr>
+          <a:lstStyle/>
+          <a:p>
+            <a:r>
+              <a:rPr lang="en-US" dirty="0"/>
+              <a:t>X: Variables</a:t>
+            </a:r>
+          </a:p>
+          <a:p>
+            <a:r>
+              <a:rPr lang="en-US" dirty="0"/>
+              <a:t>y: prediction target</a:t>
+            </a:r>
+          </a:p>
+        </p:txBody>
+      </p:sp>
+      <p:sp>
+        <p:nvSpPr>
+          <p:cNvPr id="9" name="Rectangle 8"/>
+          <p:cNvSpPr/>
+          <p:nvPr/>
+        </p:nvSpPr>
+        <p:spPr>
+          <a:xfrm>
+            <a:off x="78177" y="3098984"/>
+            <a:ext cx="1535517" cy="904837"/>
+          </a:xfrm>
+          <a:prstGeom prst="rect">
+            <a:avLst/>
+          </a:prstGeom>
+          <a:solidFill>
+            <a:schemeClr val="accent6">
+              <a:lumMod val="20000"/>
+              <a:lumOff val="80000"/>
+            </a:schemeClr>
+          </a:solidFill>
+          <a:ln>
+            <a:solidFill>
+              <a:schemeClr val="tx1"/>
+            </a:solidFill>
+          </a:ln>
+        </p:spPr>
+        <p:style>
+          <a:lnRef idx="2">
+            <a:schemeClr val="accent1">
+              <a:shade val="50000"/>
+            </a:schemeClr>
+          </a:lnRef>
+          <a:fillRef idx="1">
+            <a:schemeClr val="accent1"/>
+          </a:fillRef>
+          <a:effectRef idx="0">
+            <a:schemeClr val="accent1"/>
+          </a:effectRef>
+          <a:fontRef idx="minor">
+            <a:schemeClr val="lt1"/>
+          </a:fontRef>
+        </p:style>
+        <p:txBody>
+          <a:bodyPr rot="0" spcFirstLastPara="0" vertOverflow="overflow" horzOverflow="overflow" vert="horz" wrap="square" lIns="212132" tIns="106066" rIns="212132" bIns="106066" numCol="1" spcCol="0" rtlCol="0" fromWordArt="0" anchor="ctr" anchorCtr="0" forceAA="0" compatLnSpc="1">
+            <a:prstTxWarp prst="textNoShape">
+              <a:avLst/>
+            </a:prstTxWarp>
+            <a:noAutofit/>
+          </a:bodyPr>
+          <a:lstStyle/>
+          <a:p>
+            <a:pPr algn="ctr"/>
+            <a:r>
+              <a:rPr lang="en-US" altLang="zh-CN" sz="1600" dirty="0">
+                <a:solidFill>
+                  <a:schemeClr val="tx1"/>
+                </a:solidFill>
+              </a:rPr>
+              <a:t>H2OGBM</a:t>
+            </a:r>
+          </a:p>
+          <a:p>
+            <a:pPr algn="ctr"/>
+            <a:r>
+              <a:rPr lang="en-US" sz="1600" dirty="0">
+                <a:solidFill>
+                  <a:schemeClr val="tx1"/>
+                </a:solidFill>
+              </a:rPr>
+              <a:t>model</a:t>
+            </a:r>
+          </a:p>
+        </p:txBody>
+      </p:sp>
+      <p:sp>
+        <p:nvSpPr>
+          <p:cNvPr id="10" name="Rectangle 9"/>
+          <p:cNvSpPr/>
+          <p:nvPr/>
+        </p:nvSpPr>
+        <p:spPr>
+          <a:xfrm>
+            <a:off x="4817678" y="4258412"/>
+            <a:ext cx="1438845" cy="619832"/>
+          </a:xfrm>
+          <a:prstGeom prst="rect">
+            <a:avLst/>
+          </a:prstGeom>
+          <a:solidFill>
+            <a:schemeClr val="accent2">
+              <a:lumMod val="20000"/>
+              <a:lumOff val="80000"/>
+            </a:schemeClr>
+          </a:solidFill>
+          <a:ln>
+            <a:solidFill>
+              <a:schemeClr val="tx1"/>
+            </a:solidFill>
+          </a:ln>
+        </p:spPr>
+        <p:style>
+          <a:lnRef idx="2">
+            <a:schemeClr val="accent1">
+              <a:shade val="50000"/>
+            </a:schemeClr>
+          </a:lnRef>
+          <a:fillRef idx="1">
+            <a:schemeClr val="accent1"/>
+          </a:fillRef>
+          <a:effectRef idx="0">
+            <a:schemeClr val="accent1"/>
+          </a:effectRef>
+          <a:fontRef idx="minor">
+            <a:schemeClr val="lt1"/>
+          </a:fontRef>
+        </p:style>
+        <p:txBody>
+          <a:bodyPr rot="0" spcFirstLastPara="0" vertOverflow="overflow" horzOverflow="overflow" vert="horz" wrap="square" lIns="212132" tIns="106066" rIns="212132" bIns="106066" numCol="1" spcCol="0" rtlCol="0" fromWordArt="0" anchor="ctr" anchorCtr="0" forceAA="0" compatLnSpc="1">
+            <a:prstTxWarp prst="textNoShape">
+              <a:avLst/>
+            </a:prstTxWarp>
+            <a:noAutofit/>
+          </a:bodyPr>
+          <a:lstStyle/>
+          <a:p>
+            <a:pPr algn="ctr"/>
+            <a:r>
+              <a:rPr lang="en-US" dirty="0">
+                <a:solidFill>
+                  <a:schemeClr val="tx1"/>
+                </a:solidFill>
+              </a:rPr>
+              <a:t>Riskiest User</a:t>
+            </a:r>
+          </a:p>
+        </p:txBody>
+      </p:sp>
+      <p:sp>
+        <p:nvSpPr>
+          <p:cNvPr id="14" name="Rectangle 13"/>
+          <p:cNvSpPr/>
+          <p:nvPr/>
+        </p:nvSpPr>
+        <p:spPr>
+          <a:xfrm>
+            <a:off x="6627093" y="7768256"/>
+            <a:ext cx="1237840" cy="458719"/>
+          </a:xfrm>
+          <a:prstGeom prst="rect">
+            <a:avLst/>
+          </a:prstGeom>
+          <a:solidFill>
+            <a:schemeClr val="accent2">
+              <a:lumMod val="20000"/>
+              <a:lumOff val="80000"/>
+            </a:schemeClr>
+          </a:solidFill>
+          <a:ln>
+            <a:solidFill>
+              <a:schemeClr val="tx1"/>
+            </a:solidFill>
+          </a:ln>
+        </p:spPr>
+        <p:style>
+          <a:lnRef idx="2">
+            <a:schemeClr val="accent1">
+              <a:shade val="50000"/>
+            </a:schemeClr>
+          </a:lnRef>
+          <a:fillRef idx="1">
+            <a:schemeClr val="accent1"/>
+          </a:fillRef>
+          <a:effectRef idx="0">
+            <a:schemeClr val="accent1"/>
+          </a:effectRef>
+          <a:fontRef idx="minor">
+            <a:schemeClr val="lt1"/>
+          </a:fontRef>
+        </p:style>
+        <p:txBody>
+          <a:bodyPr rot="0" spcFirstLastPara="0" vertOverflow="overflow" horzOverflow="overflow" vert="horz" wrap="square" lIns="212132" tIns="106066" rIns="212132" bIns="106066" numCol="1" spcCol="0" rtlCol="0" fromWordArt="0" anchor="ctr" anchorCtr="0" forceAA="0" compatLnSpc="1">
+            <a:prstTxWarp prst="textNoShape">
+              <a:avLst/>
+            </a:prstTxWarp>
+            <a:noAutofit/>
+          </a:bodyPr>
+          <a:lstStyle/>
+          <a:p>
+            <a:pPr algn="ctr"/>
+            <a:r>
+              <a:rPr lang="en-US" dirty="0">
+                <a:solidFill>
+                  <a:schemeClr val="tx1"/>
+                </a:solidFill>
+              </a:rPr>
+              <a:t>Distance</a:t>
+            </a:r>
+          </a:p>
+        </p:txBody>
+      </p:sp>
+      <p:sp>
+        <p:nvSpPr>
+          <p:cNvPr id="17" name="Rectangle 16"/>
+          <p:cNvSpPr/>
+          <p:nvPr/>
+        </p:nvSpPr>
+        <p:spPr>
+          <a:xfrm>
+            <a:off x="2531593" y="3154358"/>
+            <a:ext cx="1438845" cy="809362"/>
+          </a:xfrm>
+          <a:prstGeom prst="rect">
+            <a:avLst/>
+          </a:prstGeom>
+          <a:solidFill>
+            <a:schemeClr val="accent1">
+              <a:lumMod val="20000"/>
+              <a:lumOff val="80000"/>
+            </a:schemeClr>
+          </a:solidFill>
+          <a:ln>
+            <a:solidFill>
+              <a:schemeClr val="tx1"/>
+            </a:solidFill>
+          </a:ln>
+        </p:spPr>
+        <p:style>
+          <a:lnRef idx="2">
+            <a:schemeClr val="accent1">
+              <a:shade val="50000"/>
+            </a:schemeClr>
+          </a:lnRef>
+          <a:fillRef idx="1">
+            <a:schemeClr val="accent1"/>
+          </a:fillRef>
+          <a:effectRef idx="0">
+            <a:schemeClr val="accent1"/>
+          </a:effectRef>
+          <a:fontRef idx="minor">
+            <a:schemeClr val="lt1"/>
+          </a:fontRef>
+        </p:style>
+        <p:txBody>
+          <a:bodyPr rot="0" spcFirstLastPara="0" vertOverflow="overflow" horzOverflow="overflow" vert="horz" wrap="square" lIns="212132" tIns="106066" rIns="212132" bIns="106066" numCol="1" spcCol="0" rtlCol="0" fromWordArt="0" anchor="ctr" anchorCtr="0" forceAA="0" compatLnSpc="1">
+            <a:prstTxWarp prst="textNoShape">
+              <a:avLst/>
+            </a:prstTxWarp>
+            <a:noAutofit/>
+          </a:bodyPr>
+          <a:lstStyle/>
+          <a:p>
+            <a:pPr algn="ctr"/>
+            <a:r>
+              <a:rPr lang="en-US" altLang="zh-CN" sz="2000" dirty="0">
+                <a:solidFill>
+                  <a:schemeClr val="tx1"/>
+                </a:solidFill>
+              </a:rPr>
+              <a:t>Train </a:t>
+            </a:r>
+          </a:p>
+          <a:p>
+            <a:pPr algn="ctr"/>
+            <a:r>
+              <a:rPr lang="en-US" sz="2000" dirty="0">
+                <a:solidFill>
+                  <a:schemeClr val="tx1"/>
+                </a:solidFill>
+              </a:rPr>
+              <a:t>Dataset</a:t>
+            </a:r>
+            <a:endParaRPr lang="en-US" sz="2000" dirty="0">
+              <a:solidFill>
+                <a:schemeClr val="tx1"/>
+              </a:solidFill>
+            </a:endParaRPr>
+          </a:p>
+        </p:txBody>
+      </p:sp>
+      <p:sp>
+        <p:nvSpPr>
+          <p:cNvPr id="18" name="Rectangle 17"/>
+          <p:cNvSpPr/>
+          <p:nvPr/>
+        </p:nvSpPr>
+        <p:spPr>
+          <a:xfrm>
+            <a:off x="6239509" y="2936231"/>
+            <a:ext cx="1438845" cy="809362"/>
+          </a:xfrm>
+          <a:prstGeom prst="rect">
+            <a:avLst/>
+          </a:prstGeom>
+          <a:solidFill>
+            <a:schemeClr val="accent2">
+              <a:lumMod val="20000"/>
+              <a:lumOff val="80000"/>
+            </a:schemeClr>
+          </a:solidFill>
+          <a:ln>
+            <a:solidFill>
+              <a:schemeClr val="tx1"/>
+            </a:solidFill>
+          </a:ln>
+        </p:spPr>
+        <p:style>
+          <a:lnRef idx="2">
+            <a:schemeClr val="accent1">
+              <a:shade val="50000"/>
+            </a:schemeClr>
+          </a:lnRef>
+          <a:fillRef idx="1">
+            <a:schemeClr val="accent1"/>
+          </a:fillRef>
+          <a:effectRef idx="0">
+            <a:schemeClr val="accent1"/>
+          </a:effectRef>
+          <a:fontRef idx="minor">
+            <a:schemeClr val="lt1"/>
+          </a:fontRef>
+        </p:style>
+        <p:txBody>
+          <a:bodyPr rot="0" spcFirstLastPara="0" vertOverflow="overflow" horzOverflow="overflow" vert="horz" wrap="square" lIns="212132" tIns="106066" rIns="212132" bIns="106066" numCol="1" spcCol="0" rtlCol="0" fromWordArt="0" anchor="ctr" anchorCtr="0" forceAA="0" compatLnSpc="1">
+            <a:prstTxWarp prst="textNoShape">
+              <a:avLst/>
+            </a:prstTxWarp>
+            <a:noAutofit/>
+          </a:bodyPr>
+          <a:lstStyle/>
+          <a:p>
+            <a:pPr algn="ctr"/>
+            <a:r>
+              <a:rPr lang="en-US" altLang="zh-CN" sz="2000" dirty="0">
+                <a:solidFill>
+                  <a:schemeClr val="tx1"/>
+                </a:solidFill>
+              </a:rPr>
+              <a:t>Test</a:t>
+            </a:r>
+          </a:p>
+          <a:p>
+            <a:pPr algn="ctr"/>
+            <a:r>
+              <a:rPr lang="en-US" sz="2000" dirty="0">
+                <a:solidFill>
+                  <a:schemeClr val="tx1"/>
+                </a:solidFill>
+              </a:rPr>
+              <a:t>Dataset</a:t>
+            </a:r>
+            <a:endParaRPr lang="en-US" sz="2000" dirty="0">
+              <a:solidFill>
+                <a:schemeClr val="tx1"/>
+              </a:solidFill>
+            </a:endParaRPr>
+          </a:p>
+        </p:txBody>
+      </p:sp>
+      <p:cxnSp>
+        <p:nvCxnSpPr>
+          <p:cNvPr id="25" name="Straight Connector 24"/>
+          <p:cNvCxnSpPr>
+            <a:stCxn id="10" idx="0"/>
+            <a:endCxn id="18" idx="2"/>
+          </p:cNvCxnSpPr>
+          <p:nvPr/>
+        </p:nvCxnSpPr>
+        <p:spPr>
+          <a:xfrm flipV="1">
+            <a:off x="5537101" y="3745593"/>
+            <a:ext cx="1421831" cy="512819"/>
+          </a:xfrm>
+          <a:prstGeom prst="line">
+            <a:avLst/>
+          </a:prstGeom>
+        </p:spPr>
+        <p:style>
+          <a:lnRef idx="1">
+            <a:schemeClr val="accent1"/>
+          </a:lnRef>
+          <a:fillRef idx="0">
+            <a:schemeClr val="accent1"/>
+          </a:fillRef>
+          <a:effectRef idx="0">
+            <a:schemeClr val="accent1"/>
+          </a:effectRef>
+          <a:fontRef idx="minor">
+            <a:schemeClr val="tx1"/>
+          </a:fontRef>
+        </p:style>
+      </p:cxnSp>
+      <p:grpSp>
+        <p:nvGrpSpPr>
+          <p:cNvPr id="303" name="Group 302"/>
+          <p:cNvGrpSpPr/>
+          <p:nvPr/>
+        </p:nvGrpSpPr>
+        <p:grpSpPr>
+          <a:xfrm>
+            <a:off x="6958932" y="3354598"/>
+            <a:ext cx="3062546" cy="970728"/>
+            <a:chOff x="6648907" y="3336484"/>
+            <a:chExt cx="3062546" cy="970728"/>
+          </a:xfrm>
+        </p:grpSpPr>
+        <p:sp>
+          <p:nvSpPr>
+            <p:cNvPr id="23" name="Rectangle 22"/>
+            <p:cNvSpPr/>
+            <p:nvPr/>
+          </p:nvSpPr>
+          <p:spPr>
+            <a:xfrm>
+              <a:off x="7353500" y="3336484"/>
+              <a:ext cx="2357953" cy="369332"/>
+            </a:xfrm>
+            <a:prstGeom prst="rect">
+              <a:avLst/>
+            </a:prstGeom>
+          </p:spPr>
+          <p:txBody>
+            <a:bodyPr wrap="none">
+              <a:spAutoFit/>
+            </a:bodyPr>
+            <a:lstStyle/>
+            <a:p>
+              <a:r>
+                <a:rPr lang="en-US" dirty="0">
+                  <a:solidFill>
+                    <a:srgbClr val="FF0000"/>
+                  </a:solidFill>
+                </a:rPr>
+                <a:t>generate_local_sample</a:t>
+              </a:r>
+            </a:p>
+          </p:txBody>
+        </p:sp>
+        <p:cxnSp>
+          <p:nvCxnSpPr>
+            <p:cNvPr id="27" name="Straight Arrow Connector 26"/>
+            <p:cNvCxnSpPr>
+              <a:stCxn id="18" idx="2"/>
+              <a:endCxn id="15" idx="0"/>
+            </p:cNvCxnSpPr>
+            <p:nvPr/>
+          </p:nvCxnSpPr>
+          <p:spPr>
+            <a:xfrm>
+              <a:off x="6648907" y="3727479"/>
+              <a:ext cx="2351501" cy="579733"/>
+            </a:xfrm>
+            <a:prstGeom prst="straightConnector1">
+              <a:avLst/>
+            </a:prstGeom>
+            <a:ln>
+              <a:tailEnd type="triangle"/>
+            </a:ln>
+          </p:spPr>
+          <p:style>
+            <a:lnRef idx="1">
+              <a:schemeClr val="accent1"/>
+            </a:lnRef>
+            <a:fillRef idx="0">
+              <a:schemeClr val="accent1"/>
+            </a:fillRef>
+            <a:effectRef idx="0">
+              <a:schemeClr val="accent1"/>
+            </a:effectRef>
+            <a:fontRef idx="minor">
+              <a:schemeClr val="tx1"/>
+            </a:fontRef>
+          </p:style>
+        </p:cxnSp>
+      </p:grpSp>
+      <p:sp>
+        <p:nvSpPr>
+          <p:cNvPr id="36" name="Rectangle 35"/>
+          <p:cNvSpPr/>
+          <p:nvPr/>
+        </p:nvSpPr>
+        <p:spPr>
+          <a:xfrm>
+            <a:off x="4604463" y="5145095"/>
+            <a:ext cx="1945597" cy="369332"/>
+          </a:xfrm>
+          <a:prstGeom prst="rect">
+            <a:avLst/>
+          </a:prstGeom>
+        </p:spPr>
+        <p:txBody>
+          <a:bodyPr wrap="none">
+            <a:spAutoFit/>
+          </a:bodyPr>
+          <a:lstStyle/>
+          <a:p>
+            <a:r>
+              <a:rPr lang="en-US" dirty="0">
+                <a:solidFill>
+                  <a:srgbClr val="FF0000"/>
+                </a:solidFill>
+              </a:rPr>
+              <a:t>encode categorical</a:t>
+            </a:r>
+          </a:p>
+        </p:txBody>
+      </p:sp>
+      <p:cxnSp>
+        <p:nvCxnSpPr>
+          <p:cNvPr id="42" name="Straight Arrow Connector 41"/>
+          <p:cNvCxnSpPr>
+            <a:stCxn id="10" idx="2"/>
+            <a:endCxn id="38" idx="0"/>
+          </p:cNvCxnSpPr>
+          <p:nvPr/>
+        </p:nvCxnSpPr>
+        <p:spPr>
+          <a:xfrm flipH="1">
+            <a:off x="5520086" y="4878244"/>
+            <a:ext cx="17015" cy="1092465"/>
+          </a:xfrm>
+          <a:prstGeom prst="straightConnector1">
+            <a:avLst/>
+          </a:prstGeom>
+          <a:ln>
+            <a:tailEnd type="triangle"/>
+          </a:ln>
+        </p:spPr>
+        <p:style>
+          <a:lnRef idx="1">
+            <a:schemeClr val="accent1"/>
+          </a:lnRef>
+          <a:fillRef idx="0">
+            <a:schemeClr val="accent1"/>
+          </a:fillRef>
+          <a:effectRef idx="0">
+            <a:schemeClr val="accent1"/>
+          </a:effectRef>
+          <a:fontRef idx="minor">
+            <a:schemeClr val="tx1"/>
+          </a:fontRef>
+        </p:style>
+      </p:cxnSp>
+      <p:grpSp>
+        <p:nvGrpSpPr>
+          <p:cNvPr id="47" name="Group 46"/>
+          <p:cNvGrpSpPr/>
+          <p:nvPr/>
+        </p:nvGrpSpPr>
+        <p:grpSpPr>
+          <a:xfrm>
+            <a:off x="4745923" y="5970709"/>
+            <a:ext cx="1548325" cy="1193892"/>
+            <a:chOff x="2896948" y="5973232"/>
+            <a:chExt cx="1548325" cy="1193891"/>
+          </a:xfrm>
+        </p:grpSpPr>
+        <p:sp>
+          <p:nvSpPr>
+            <p:cNvPr id="38" name="Rectangle 37"/>
+            <p:cNvSpPr/>
+            <p:nvPr/>
+          </p:nvSpPr>
+          <p:spPr>
+            <a:xfrm>
+              <a:off x="2896948" y="5973232"/>
+              <a:ext cx="1548325" cy="833220"/>
+            </a:xfrm>
+            <a:prstGeom prst="rect">
+              <a:avLst/>
+            </a:prstGeom>
+            <a:solidFill>
+              <a:schemeClr val="accent2">
+                <a:lumMod val="20000"/>
+                <a:lumOff val="80000"/>
+              </a:schemeClr>
+            </a:solidFill>
+            <a:ln>
+              <a:solidFill>
+                <a:schemeClr val="tx1"/>
+              </a:solidFill>
+            </a:ln>
+          </p:spPr>
+          <p:style>
+            <a:lnRef idx="2">
+              <a:schemeClr val="accent1">
+                <a:shade val="50000"/>
+              </a:schemeClr>
+            </a:lnRef>
+            <a:fillRef idx="1">
+              <a:schemeClr val="accent1"/>
+            </a:fillRef>
+            <a:effectRef idx="0">
+              <a:schemeClr val="accent1"/>
+            </a:effectRef>
+            <a:fontRef idx="minor">
+              <a:schemeClr val="lt1"/>
+            </a:fontRef>
+          </p:style>
+          <p:txBody>
+            <a:bodyPr rot="0" spcFirstLastPara="0" vertOverflow="overflow" horzOverflow="overflow" vert="horz" wrap="square" lIns="212132" tIns="106066" rIns="212132" bIns="106066" numCol="1" spcCol="0" rtlCol="0" fromWordArt="0" anchor="ctr" anchorCtr="0" forceAA="0" compatLnSpc="1">
+              <a:prstTxWarp prst="textNoShape">
+                <a:avLst/>
+              </a:prstTxWarp>
+              <a:noAutofit/>
+            </a:bodyPr>
+            <a:lstStyle/>
+            <a:p>
+              <a:pPr algn="ctr"/>
+              <a:r>
+                <a:rPr lang="en-US" dirty="0">
+                  <a:solidFill>
+                    <a:schemeClr val="tx1"/>
+                  </a:solidFill>
+                </a:rPr>
+                <a:t>Categorical</a:t>
+              </a:r>
+            </a:p>
+            <a:p>
+              <a:pPr algn="ctr"/>
+              <a:r>
+                <a:rPr lang="en-US" dirty="0">
+                  <a:solidFill>
+                    <a:schemeClr val="tx1"/>
+                  </a:solidFill>
+                </a:rPr>
+                <a:t>Riskiest User</a:t>
+              </a:r>
+            </a:p>
+          </p:txBody>
+        </p:sp>
+        <p:sp>
+          <p:nvSpPr>
+            <p:cNvPr id="44" name="Rectangle 43"/>
+            <p:cNvSpPr/>
+            <p:nvPr/>
+          </p:nvSpPr>
+          <p:spPr>
+            <a:xfrm>
+              <a:off x="3142510" y="6797791"/>
+              <a:ext cx="1189813" cy="369332"/>
+            </a:xfrm>
+            <a:prstGeom prst="rect">
+              <a:avLst/>
+            </a:prstGeom>
+          </p:spPr>
+          <p:txBody>
+            <a:bodyPr wrap="none">
+              <a:spAutoFit/>
+            </a:bodyPr>
+            <a:lstStyle/>
+            <a:p>
+              <a:r>
+                <a:rPr lang="en-US" dirty="0">
+                  <a:solidFill>
+                    <a:schemeClr val="accent5">
+                      <a:lumMod val="75000"/>
+                    </a:schemeClr>
+                  </a:solidFill>
+                </a:rPr>
+                <a:t>H2OFrame</a:t>
+              </a:r>
+            </a:p>
+          </p:txBody>
+        </p:sp>
+      </p:grpSp>
+      <p:cxnSp>
+        <p:nvCxnSpPr>
+          <p:cNvPr id="50" name="Straight Arrow Connector 49"/>
+          <p:cNvCxnSpPr>
+            <a:stCxn id="15" idx="2"/>
+            <a:endCxn id="49" idx="0"/>
+          </p:cNvCxnSpPr>
+          <p:nvPr/>
+        </p:nvCxnSpPr>
+        <p:spPr>
+          <a:xfrm>
+            <a:off x="9310433" y="4981094"/>
+            <a:ext cx="21294" cy="954963"/>
+          </a:xfrm>
+          <a:prstGeom prst="straightConnector1">
+            <a:avLst/>
+          </a:prstGeom>
+          <a:ln>
+            <a:tailEnd type="triangle"/>
+          </a:ln>
+        </p:spPr>
+        <p:style>
+          <a:lnRef idx="1">
+            <a:schemeClr val="accent1"/>
+          </a:lnRef>
+          <a:fillRef idx="0">
+            <a:schemeClr val="accent1"/>
+          </a:fillRef>
+          <a:effectRef idx="0">
+            <a:schemeClr val="accent1"/>
+          </a:effectRef>
+          <a:fontRef idx="minor">
+            <a:schemeClr val="tx1"/>
+          </a:fontRef>
+        </p:style>
+      </p:cxnSp>
+      <p:sp>
+        <p:nvSpPr>
+          <p:cNvPr id="54" name="Rectangle 53"/>
+          <p:cNvSpPr/>
+          <p:nvPr/>
+        </p:nvSpPr>
+        <p:spPr>
+          <a:xfrm>
+            <a:off x="8541719" y="4937756"/>
+            <a:ext cx="1587229" cy="646331"/>
+          </a:xfrm>
+          <a:prstGeom prst="rect">
+            <a:avLst/>
+          </a:prstGeom>
+        </p:spPr>
+        <p:txBody>
+          <a:bodyPr wrap="none">
+            <a:spAutoFit/>
+          </a:bodyPr>
+          <a:lstStyle/>
+          <a:p>
+            <a:r>
+              <a:rPr lang="en-US" altLang="zh-CN" dirty="0">
+                <a:solidFill>
+                  <a:srgbClr val="FF0000"/>
+                </a:solidFill>
+              </a:rPr>
+              <a:t>Scale, Encode</a:t>
+            </a:r>
+          </a:p>
+          <a:p>
+            <a:r>
+              <a:rPr lang="en-US" dirty="0">
+                <a:solidFill>
+                  <a:srgbClr val="FF0000"/>
+                </a:solidFill>
+              </a:rPr>
+              <a:t>as_data_frame</a:t>
+            </a:r>
+            <a:endParaRPr lang="en-US" altLang="zh-CN" dirty="0">
+              <a:solidFill>
+                <a:srgbClr val="FF0000"/>
+              </a:solidFill>
+            </a:endParaRPr>
+          </a:p>
+        </p:txBody>
+      </p:sp>
+      <p:cxnSp>
+        <p:nvCxnSpPr>
+          <p:cNvPr id="58" name="Straight Arrow Connector 57"/>
+          <p:cNvCxnSpPr>
+            <a:stCxn id="44" idx="2"/>
+            <a:endCxn id="14" idx="0"/>
+          </p:cNvCxnSpPr>
+          <p:nvPr/>
+        </p:nvCxnSpPr>
+        <p:spPr>
+          <a:xfrm>
+            <a:off x="5586392" y="7164601"/>
+            <a:ext cx="1659621" cy="603655"/>
+          </a:xfrm>
+          <a:prstGeom prst="straightConnector1">
+            <a:avLst/>
+          </a:prstGeom>
+          <a:ln>
+            <a:tailEnd type="triangle"/>
+          </a:ln>
+        </p:spPr>
+        <p:style>
+          <a:lnRef idx="1">
+            <a:schemeClr val="accent1"/>
+          </a:lnRef>
+          <a:fillRef idx="0">
+            <a:schemeClr val="accent1"/>
+          </a:fillRef>
+          <a:effectRef idx="0">
+            <a:schemeClr val="accent1"/>
+          </a:effectRef>
+          <a:fontRef idx="minor">
+            <a:schemeClr val="tx1"/>
+          </a:fontRef>
+        </p:style>
+      </p:cxnSp>
+      <p:cxnSp>
+        <p:nvCxnSpPr>
+          <p:cNvPr id="59" name="Straight Arrow Connector 58"/>
+          <p:cNvCxnSpPr>
+            <a:stCxn id="55" idx="2"/>
+            <a:endCxn id="14" idx="0"/>
+          </p:cNvCxnSpPr>
+          <p:nvPr/>
+        </p:nvCxnSpPr>
+        <p:spPr>
+          <a:xfrm flipH="1">
+            <a:off x="7246013" y="7191173"/>
+            <a:ext cx="2005403" cy="577083"/>
+          </a:xfrm>
+          <a:prstGeom prst="straightConnector1">
+            <a:avLst/>
+          </a:prstGeom>
+          <a:ln>
+            <a:tailEnd type="triangle"/>
+          </a:ln>
+        </p:spPr>
+        <p:style>
+          <a:lnRef idx="1">
+            <a:schemeClr val="accent1"/>
+          </a:lnRef>
+          <a:fillRef idx="0">
+            <a:schemeClr val="accent1"/>
+          </a:fillRef>
+          <a:effectRef idx="0">
+            <a:schemeClr val="accent1"/>
+          </a:effectRef>
+          <a:fontRef idx="minor">
+            <a:schemeClr val="tx1"/>
+          </a:fontRef>
+        </p:style>
+      </p:cxnSp>
+      <p:sp>
+        <p:nvSpPr>
+          <p:cNvPr id="71" name="Rectangle 70"/>
+          <p:cNvSpPr/>
+          <p:nvPr/>
+        </p:nvSpPr>
+        <p:spPr>
+          <a:xfrm>
+            <a:off x="10417390" y="7539799"/>
+            <a:ext cx="1377735" cy="655768"/>
+          </a:xfrm>
+          <a:prstGeom prst="rect">
+            <a:avLst/>
+          </a:prstGeom>
+          <a:solidFill>
+            <a:schemeClr val="accent2">
+              <a:lumMod val="20000"/>
+              <a:lumOff val="80000"/>
+            </a:schemeClr>
+          </a:solidFill>
+          <a:ln>
+            <a:solidFill>
+              <a:schemeClr val="tx1"/>
+            </a:solidFill>
+          </a:ln>
+        </p:spPr>
+        <p:style>
+          <a:lnRef idx="2">
+            <a:schemeClr val="accent1">
+              <a:shade val="50000"/>
+            </a:schemeClr>
+          </a:lnRef>
+          <a:fillRef idx="1">
+            <a:schemeClr val="accent1"/>
+          </a:fillRef>
+          <a:effectRef idx="0">
+            <a:schemeClr val="accent1"/>
+          </a:effectRef>
+          <a:fontRef idx="minor">
+            <a:schemeClr val="lt1"/>
+          </a:fontRef>
+        </p:style>
+        <p:txBody>
+          <a:bodyPr rot="0" spcFirstLastPara="0" vertOverflow="overflow" horzOverflow="overflow" vert="horz" wrap="square" lIns="212132" tIns="106066" rIns="212132" bIns="106066" numCol="1" spcCol="0" rtlCol="0" fromWordArt="0" anchor="ctr" anchorCtr="0" forceAA="0" compatLnSpc="1">
+            <a:prstTxWarp prst="textNoShape">
+              <a:avLst/>
+            </a:prstTxWarp>
+            <a:noAutofit/>
+          </a:bodyPr>
+          <a:lstStyle/>
+          <a:p>
+            <a:pPr algn="ctr"/>
+            <a:r>
+              <a:rPr lang="en-US" dirty="0">
+                <a:solidFill>
+                  <a:schemeClr val="tx1"/>
+                </a:solidFill>
+              </a:rPr>
+              <a:t>Perturbed</a:t>
+            </a:r>
+          </a:p>
+          <a:p>
+            <a:pPr algn="ctr"/>
+            <a:r>
+              <a:rPr lang="en-US" dirty="0">
+                <a:solidFill>
+                  <a:schemeClr val="tx1"/>
+                </a:solidFill>
+              </a:rPr>
+              <a:t>Sample</a:t>
+            </a:r>
+          </a:p>
+        </p:txBody>
+      </p:sp>
+      <p:sp>
+        <p:nvSpPr>
+          <p:cNvPr id="72" name="Rectangle 71"/>
+          <p:cNvSpPr/>
+          <p:nvPr/>
+        </p:nvSpPr>
+        <p:spPr>
+          <a:xfrm>
+            <a:off x="10533059" y="8207520"/>
+            <a:ext cx="1189813" cy="369332"/>
+          </a:xfrm>
+          <a:prstGeom prst="rect">
+            <a:avLst/>
+          </a:prstGeom>
+        </p:spPr>
+        <p:txBody>
+          <a:bodyPr wrap="none">
+            <a:spAutoFit/>
+          </a:bodyPr>
+          <a:lstStyle/>
+          <a:p>
+            <a:r>
+              <a:rPr lang="en-US" dirty="0">
+                <a:solidFill>
+                  <a:schemeClr val="accent5">
+                    <a:lumMod val="75000"/>
+                  </a:schemeClr>
+                </a:solidFill>
+              </a:rPr>
+              <a:t>H2OFrame</a:t>
+            </a:r>
+          </a:p>
+        </p:txBody>
+      </p:sp>
+      <p:cxnSp>
+        <p:nvCxnSpPr>
+          <p:cNvPr id="77" name="Elbow Connector 76"/>
+          <p:cNvCxnSpPr>
+            <a:stCxn id="15" idx="3"/>
+            <a:endCxn id="71" idx="0"/>
+          </p:cNvCxnSpPr>
+          <p:nvPr/>
+        </p:nvCxnSpPr>
+        <p:spPr>
+          <a:xfrm>
+            <a:off x="9999300" y="4653210"/>
+            <a:ext cx="1106958" cy="2886589"/>
+          </a:xfrm>
+          <a:prstGeom prst="bentConnector2">
+            <a:avLst/>
+          </a:prstGeom>
+          <a:ln>
+            <a:tailEnd type="triangle"/>
+          </a:ln>
+        </p:spPr>
+        <p:style>
+          <a:lnRef idx="1">
+            <a:schemeClr val="accent1"/>
+          </a:lnRef>
+          <a:fillRef idx="0">
+            <a:schemeClr val="accent1"/>
+          </a:fillRef>
+          <a:effectRef idx="0">
+            <a:schemeClr val="accent1"/>
+          </a:effectRef>
+          <a:fontRef idx="minor">
+            <a:schemeClr val="tx1"/>
+          </a:fontRef>
+        </p:style>
+      </p:cxnSp>
+      <p:cxnSp>
+        <p:nvCxnSpPr>
+          <p:cNvPr id="80" name="Straight Arrow Connector 79"/>
+          <p:cNvCxnSpPr>
+            <a:stCxn id="14" idx="2"/>
+            <a:endCxn id="84" idx="0"/>
+          </p:cNvCxnSpPr>
+          <p:nvPr/>
+        </p:nvCxnSpPr>
+        <p:spPr>
+          <a:xfrm>
+            <a:off x="7246013" y="8226975"/>
+            <a:ext cx="2018717" cy="801120"/>
+          </a:xfrm>
+          <a:prstGeom prst="straightConnector1">
+            <a:avLst/>
+          </a:prstGeom>
+          <a:ln>
+            <a:tailEnd type="triangle"/>
+          </a:ln>
+        </p:spPr>
+        <p:style>
+          <a:lnRef idx="1">
+            <a:schemeClr val="accent1"/>
+          </a:lnRef>
+          <a:fillRef idx="0">
+            <a:schemeClr val="accent1"/>
+          </a:fillRef>
+          <a:effectRef idx="0">
+            <a:schemeClr val="accent1"/>
+          </a:effectRef>
+          <a:fontRef idx="minor">
+            <a:schemeClr val="tx1"/>
+          </a:fontRef>
+        </p:style>
+      </p:cxnSp>
+      <p:cxnSp>
+        <p:nvCxnSpPr>
+          <p:cNvPr id="81" name="Straight Arrow Connector 80"/>
+          <p:cNvCxnSpPr>
+            <a:stCxn id="72" idx="2"/>
+            <a:endCxn id="84" idx="0"/>
+          </p:cNvCxnSpPr>
+          <p:nvPr/>
+        </p:nvCxnSpPr>
+        <p:spPr>
+          <a:xfrm flipH="1">
+            <a:off x="9264731" y="8576853"/>
+            <a:ext cx="1863235" cy="451243"/>
+          </a:xfrm>
+          <a:prstGeom prst="straightConnector1">
+            <a:avLst/>
+          </a:prstGeom>
+          <a:ln>
+            <a:tailEnd type="triangle"/>
+          </a:ln>
+        </p:spPr>
+        <p:style>
+          <a:lnRef idx="1">
+            <a:schemeClr val="accent1"/>
+          </a:lnRef>
+          <a:fillRef idx="0">
+            <a:schemeClr val="accent1"/>
+          </a:fillRef>
+          <a:effectRef idx="0">
+            <a:schemeClr val="accent1"/>
+          </a:effectRef>
+          <a:fontRef idx="minor">
+            <a:schemeClr val="tx1"/>
+          </a:fontRef>
+        </p:style>
+      </p:cxnSp>
+      <p:sp>
+        <p:nvSpPr>
+          <p:cNvPr id="84" name="Rectangle 83"/>
+          <p:cNvSpPr/>
+          <p:nvPr/>
+        </p:nvSpPr>
+        <p:spPr>
+          <a:xfrm>
+            <a:off x="8112072" y="9028095"/>
+            <a:ext cx="2305316" cy="655768"/>
+          </a:xfrm>
+          <a:prstGeom prst="rect">
+            <a:avLst/>
+          </a:prstGeom>
+          <a:solidFill>
+            <a:schemeClr val="accent2">
+              <a:lumMod val="20000"/>
+              <a:lumOff val="80000"/>
+            </a:schemeClr>
+          </a:solidFill>
+          <a:ln>
+            <a:solidFill>
+              <a:schemeClr val="tx1"/>
+            </a:solidFill>
+          </a:ln>
+        </p:spPr>
+        <p:style>
+          <a:lnRef idx="2">
+            <a:schemeClr val="accent1">
+              <a:shade val="50000"/>
+            </a:schemeClr>
+          </a:lnRef>
+          <a:fillRef idx="1">
+            <a:schemeClr val="accent1"/>
+          </a:fillRef>
+          <a:effectRef idx="0">
+            <a:schemeClr val="accent1"/>
+          </a:effectRef>
+          <a:fontRef idx="minor">
+            <a:schemeClr val="lt1"/>
+          </a:fontRef>
+        </p:style>
+        <p:txBody>
+          <a:bodyPr rot="0" spcFirstLastPara="0" vertOverflow="overflow" horzOverflow="overflow" vert="horz" wrap="square" lIns="212132" tIns="106066" rIns="212132" bIns="106066" numCol="1" spcCol="0" rtlCol="0" fromWordArt="0" anchor="ctr" anchorCtr="0" forceAA="0" compatLnSpc="1">
+            <a:prstTxWarp prst="textNoShape">
+              <a:avLst/>
+            </a:prstTxWarp>
+            <a:noAutofit/>
+          </a:bodyPr>
+          <a:lstStyle/>
+          <a:p>
+            <a:pPr algn="ctr"/>
+            <a:r>
+              <a:rPr lang="en-US" dirty="0">
+                <a:solidFill>
+                  <a:schemeClr val="tx1"/>
+                </a:solidFill>
+              </a:rPr>
+              <a:t>Perturbed Sample +</a:t>
+            </a:r>
+          </a:p>
+          <a:p>
+            <a:pPr algn="ctr"/>
+            <a:r>
+              <a:rPr lang="en-US" dirty="0">
+                <a:solidFill>
+                  <a:schemeClr val="tx1"/>
+                </a:solidFill>
+              </a:rPr>
+              <a:t>Distance</a:t>
+            </a:r>
+          </a:p>
+        </p:txBody>
+      </p:sp>
+      <p:cxnSp>
+        <p:nvCxnSpPr>
+          <p:cNvPr id="90" name="Elbow Connector 89"/>
+          <p:cNvCxnSpPr>
+            <a:stCxn id="9" idx="2"/>
+            <a:endCxn id="96" idx="0"/>
+          </p:cNvCxnSpPr>
+          <p:nvPr/>
+        </p:nvCxnSpPr>
+        <p:spPr>
+          <a:xfrm rot="16200000" flipH="1">
+            <a:off x="-924491" y="5774247"/>
+            <a:ext cx="6541255" cy="3000401"/>
+          </a:xfrm>
+          <a:prstGeom prst="bentConnector3">
+            <a:avLst>
+              <a:gd name="adj1" fmla="val 75919"/>
+            </a:avLst>
+          </a:prstGeom>
+          <a:ln>
+            <a:tailEnd type="triangle"/>
+          </a:ln>
+        </p:spPr>
+        <p:style>
+          <a:lnRef idx="1">
+            <a:schemeClr val="accent1"/>
+          </a:lnRef>
+          <a:fillRef idx="0">
+            <a:schemeClr val="accent1"/>
+          </a:fillRef>
+          <a:effectRef idx="0">
+            <a:schemeClr val="accent1"/>
+          </a:effectRef>
+          <a:fontRef idx="minor">
+            <a:schemeClr val="tx1"/>
+          </a:fontRef>
+        </p:style>
+      </p:cxnSp>
+      <p:cxnSp>
+        <p:nvCxnSpPr>
+          <p:cNvPr id="92" name="Elbow Connector 91"/>
+          <p:cNvCxnSpPr>
+            <a:stCxn id="84" idx="2"/>
+            <a:endCxn id="96" idx="0"/>
+          </p:cNvCxnSpPr>
+          <p:nvPr/>
+        </p:nvCxnSpPr>
+        <p:spPr>
+          <a:xfrm rot="5400000">
+            <a:off x="6124930" y="7405275"/>
+            <a:ext cx="861213" cy="5418393"/>
+          </a:xfrm>
+          <a:prstGeom prst="bentConnector3">
+            <a:avLst>
+              <a:gd name="adj1" fmla="val 50000"/>
+            </a:avLst>
+          </a:prstGeom>
+          <a:ln>
+            <a:tailEnd type="triangle"/>
+          </a:ln>
+        </p:spPr>
+        <p:style>
+          <a:lnRef idx="1">
+            <a:schemeClr val="accent1"/>
+          </a:lnRef>
+          <a:fillRef idx="0">
+            <a:schemeClr val="accent1"/>
+          </a:fillRef>
+          <a:effectRef idx="0">
+            <a:schemeClr val="accent1"/>
+          </a:effectRef>
+          <a:fontRef idx="minor">
+            <a:schemeClr val="tx1"/>
+          </a:fontRef>
+        </p:style>
+      </p:cxnSp>
+      <p:sp>
+        <p:nvSpPr>
+          <p:cNvPr id="96" name="Rectangle 95"/>
+          <p:cNvSpPr/>
+          <p:nvPr/>
+        </p:nvSpPr>
+        <p:spPr>
+          <a:xfrm>
+            <a:off x="2693679" y="10545076"/>
+            <a:ext cx="2305316" cy="408674"/>
+          </a:xfrm>
+          <a:prstGeom prst="rect">
+            <a:avLst/>
+          </a:prstGeom>
+          <a:solidFill>
+            <a:schemeClr val="accent2">
+              <a:lumMod val="20000"/>
+              <a:lumOff val="80000"/>
+            </a:schemeClr>
+          </a:solidFill>
+          <a:ln>
+            <a:solidFill>
+              <a:schemeClr val="tx1"/>
+            </a:solidFill>
+          </a:ln>
+        </p:spPr>
+        <p:style>
+          <a:lnRef idx="2">
+            <a:schemeClr val="accent1">
+              <a:shade val="50000"/>
+            </a:schemeClr>
+          </a:lnRef>
+          <a:fillRef idx="1">
+            <a:schemeClr val="accent1"/>
+          </a:fillRef>
+          <a:effectRef idx="0">
+            <a:schemeClr val="accent1"/>
+          </a:effectRef>
+          <a:fontRef idx="minor">
+            <a:schemeClr val="lt1"/>
+          </a:fontRef>
+        </p:style>
+        <p:txBody>
+          <a:bodyPr rot="0" spcFirstLastPara="0" vertOverflow="overflow" horzOverflow="overflow" vert="horz" wrap="square" lIns="212132" tIns="106066" rIns="212132" bIns="106066" numCol="1" spcCol="0" rtlCol="0" fromWordArt="0" anchor="ctr" anchorCtr="0" forceAA="0" compatLnSpc="1">
+            <a:prstTxWarp prst="textNoShape">
+              <a:avLst/>
+            </a:prstTxWarp>
+            <a:noAutofit/>
+          </a:bodyPr>
+          <a:lstStyle/>
+          <a:p>
+            <a:pPr algn="ctr"/>
+            <a:r>
+              <a:rPr lang="en-US" dirty="0" smtClean="0">
+                <a:solidFill>
+                  <a:schemeClr val="tx1"/>
+                </a:solidFill>
+              </a:rPr>
+              <a:t>Pred1 </a:t>
+            </a:r>
+            <a:r>
+              <a:rPr lang="en-US" dirty="0">
+                <a:solidFill>
+                  <a:schemeClr val="tx1"/>
+                </a:solidFill>
+              </a:rPr>
+              <a:t>Dataset</a:t>
+            </a:r>
+          </a:p>
+        </p:txBody>
+      </p:sp>
+      <p:sp>
+        <p:nvSpPr>
+          <p:cNvPr id="102" name="TextBox 101"/>
+          <p:cNvSpPr txBox="1"/>
+          <p:nvPr/>
+        </p:nvSpPr>
+        <p:spPr>
+          <a:xfrm>
+            <a:off x="3440814" y="9723195"/>
+            <a:ext cx="1570019" cy="369332"/>
+          </a:xfrm>
+          <a:prstGeom prst="rect">
+            <a:avLst/>
+          </a:prstGeom>
+          <a:noFill/>
+        </p:spPr>
+        <p:txBody>
+          <a:bodyPr wrap="square" rtlCol="0">
+            <a:spAutoFit/>
+          </a:bodyPr>
+          <a:lstStyle/>
+          <a:p>
+            <a:r>
+              <a:rPr lang="en-US" dirty="0">
+                <a:solidFill>
+                  <a:srgbClr val="FF0000"/>
+                </a:solidFill>
+              </a:rPr>
+              <a:t>predict</a:t>
+            </a:r>
+          </a:p>
+        </p:txBody>
+      </p:sp>
+      <p:sp>
+        <p:nvSpPr>
+          <p:cNvPr id="109" name="Rectangle 108"/>
+          <p:cNvSpPr/>
+          <p:nvPr/>
+        </p:nvSpPr>
+        <p:spPr>
+          <a:xfrm>
+            <a:off x="2693679" y="11533384"/>
+            <a:ext cx="2305316" cy="408674"/>
+          </a:xfrm>
+          <a:prstGeom prst="rect">
+            <a:avLst/>
+          </a:prstGeom>
+          <a:solidFill>
+            <a:schemeClr val="accent2">
+              <a:lumMod val="20000"/>
+              <a:lumOff val="80000"/>
+            </a:schemeClr>
+          </a:solidFill>
+          <a:ln>
+            <a:solidFill>
+              <a:schemeClr val="tx1"/>
+            </a:solidFill>
+          </a:ln>
+        </p:spPr>
+        <p:style>
+          <a:lnRef idx="2">
+            <a:schemeClr val="accent1">
+              <a:shade val="50000"/>
+            </a:schemeClr>
+          </a:lnRef>
+          <a:fillRef idx="1">
+            <a:schemeClr val="accent1"/>
+          </a:fillRef>
+          <a:effectRef idx="0">
+            <a:schemeClr val="accent1"/>
+          </a:effectRef>
+          <a:fontRef idx="minor">
+            <a:schemeClr val="lt1"/>
+          </a:fontRef>
+        </p:style>
+        <p:txBody>
+          <a:bodyPr rot="0" spcFirstLastPara="0" vertOverflow="overflow" horzOverflow="overflow" vert="horz" wrap="square" lIns="212132" tIns="106066" rIns="212132" bIns="106066" numCol="1" spcCol="0" rtlCol="0" fromWordArt="0" anchor="ctr" anchorCtr="0" forceAA="0" compatLnSpc="1">
+            <a:prstTxWarp prst="textNoShape">
+              <a:avLst/>
+            </a:prstTxWarp>
+            <a:noAutofit/>
+          </a:bodyPr>
+          <a:lstStyle/>
+          <a:p>
+            <a:pPr algn="ctr"/>
+            <a:r>
+              <a:rPr lang="en-US" dirty="0">
+                <a:solidFill>
+                  <a:schemeClr val="tx1"/>
+                </a:solidFill>
+              </a:rPr>
+              <a:t>Pred1 Dataset</a:t>
+            </a:r>
+          </a:p>
+        </p:txBody>
+      </p:sp>
+      <p:cxnSp>
+        <p:nvCxnSpPr>
+          <p:cNvPr id="111" name="Straight Arrow Connector 110"/>
+          <p:cNvCxnSpPr>
+            <a:stCxn id="96" idx="2"/>
+            <a:endCxn id="109" idx="0"/>
+          </p:cNvCxnSpPr>
+          <p:nvPr/>
+        </p:nvCxnSpPr>
+        <p:spPr>
+          <a:xfrm>
+            <a:off x="3846337" y="10953750"/>
+            <a:ext cx="0" cy="579634"/>
+          </a:xfrm>
+          <a:prstGeom prst="straightConnector1">
+            <a:avLst/>
+          </a:prstGeom>
+          <a:ln>
+            <a:tailEnd type="triangle"/>
+          </a:ln>
+        </p:spPr>
+        <p:style>
+          <a:lnRef idx="1">
+            <a:schemeClr val="accent1"/>
+          </a:lnRef>
+          <a:fillRef idx="0">
+            <a:schemeClr val="accent1"/>
+          </a:fillRef>
+          <a:effectRef idx="0">
+            <a:schemeClr val="accent1"/>
+          </a:effectRef>
+          <a:fontRef idx="minor">
+            <a:schemeClr val="tx1"/>
+          </a:fontRef>
+        </p:style>
+      </p:cxnSp>
+      <p:sp>
+        <p:nvSpPr>
+          <p:cNvPr id="114" name="Rectangle 113"/>
+          <p:cNvSpPr/>
+          <p:nvPr/>
+        </p:nvSpPr>
+        <p:spPr>
+          <a:xfrm>
+            <a:off x="3912225" y="11036958"/>
+            <a:ext cx="1713611" cy="369332"/>
+          </a:xfrm>
+          <a:prstGeom prst="rect">
+            <a:avLst/>
+          </a:prstGeom>
+        </p:spPr>
+        <p:txBody>
+          <a:bodyPr wrap="none">
+            <a:spAutoFit/>
+          </a:bodyPr>
+          <a:lstStyle/>
+          <a:p>
+            <a:r>
+              <a:rPr lang="en-US" dirty="0">
+                <a:solidFill>
+                  <a:srgbClr val="FF0000"/>
+                </a:solidFill>
+              </a:rPr>
+              <a:t>Drop predict, p0</a:t>
+            </a:r>
+          </a:p>
+        </p:txBody>
+      </p:sp>
+      <p:grpSp>
+        <p:nvGrpSpPr>
+          <p:cNvPr id="125" name="Group 124"/>
+          <p:cNvGrpSpPr/>
+          <p:nvPr/>
+        </p:nvGrpSpPr>
+        <p:grpSpPr>
+          <a:xfrm>
+            <a:off x="7063436" y="12492092"/>
+            <a:ext cx="1377735" cy="1037052"/>
+            <a:chOff x="6928428" y="12245149"/>
+            <a:chExt cx="1377735" cy="1037052"/>
+          </a:xfrm>
+        </p:grpSpPr>
+        <p:sp>
+          <p:nvSpPr>
+            <p:cNvPr id="116" name="Rectangle 115"/>
+            <p:cNvSpPr/>
+            <p:nvPr/>
+          </p:nvSpPr>
+          <p:spPr>
+            <a:xfrm>
+              <a:off x="6928428" y="12245149"/>
+              <a:ext cx="1377735" cy="655768"/>
+            </a:xfrm>
+            <a:prstGeom prst="rect">
+              <a:avLst/>
+            </a:prstGeom>
+            <a:solidFill>
+              <a:schemeClr val="accent2">
+                <a:lumMod val="20000"/>
+                <a:lumOff val="80000"/>
+              </a:schemeClr>
+            </a:solidFill>
+            <a:ln>
+              <a:solidFill>
+                <a:schemeClr val="tx1"/>
+              </a:solidFill>
+            </a:ln>
+          </p:spPr>
+          <p:style>
+            <a:lnRef idx="2">
+              <a:schemeClr val="accent1">
+                <a:shade val="50000"/>
+              </a:schemeClr>
+            </a:lnRef>
+            <a:fillRef idx="1">
+              <a:schemeClr val="accent1"/>
+            </a:fillRef>
+            <a:effectRef idx="0">
+              <a:schemeClr val="accent1"/>
+            </a:effectRef>
+            <a:fontRef idx="minor">
+              <a:schemeClr val="lt1"/>
+            </a:fontRef>
+          </p:style>
+          <p:txBody>
+            <a:bodyPr rot="0" spcFirstLastPara="0" vertOverflow="overflow" horzOverflow="overflow" vert="horz" wrap="square" lIns="212132" tIns="106066" rIns="212132" bIns="106066" numCol="1" spcCol="0" rtlCol="0" fromWordArt="0" anchor="ctr" anchorCtr="0" forceAA="0" compatLnSpc="1">
+              <a:prstTxWarp prst="textNoShape">
+                <a:avLst/>
+              </a:prstTxWarp>
+              <a:noAutofit/>
+            </a:bodyPr>
+            <a:lstStyle/>
+            <a:p>
+              <a:pPr algn="ctr"/>
+              <a:r>
+                <a:rPr lang="en-US" dirty="0">
+                  <a:solidFill>
+                    <a:schemeClr val="tx1"/>
+                  </a:solidFill>
+                </a:rPr>
+                <a:t>Perturbed</a:t>
+              </a:r>
+            </a:p>
+            <a:p>
+              <a:pPr algn="ctr"/>
+              <a:r>
+                <a:rPr lang="en-US" dirty="0">
+                  <a:solidFill>
+                    <a:schemeClr val="tx1"/>
+                  </a:solidFill>
+                </a:rPr>
+                <a:t>Sample</a:t>
+              </a:r>
+            </a:p>
+          </p:txBody>
+        </p:sp>
+        <p:sp>
+          <p:nvSpPr>
+            <p:cNvPr id="117" name="Rectangle 116"/>
+            <p:cNvSpPr/>
+            <p:nvPr/>
+          </p:nvSpPr>
+          <p:spPr>
+            <a:xfrm>
+              <a:off x="7044097" y="12912869"/>
+              <a:ext cx="1189813" cy="369332"/>
+            </a:xfrm>
+            <a:prstGeom prst="rect">
+              <a:avLst/>
+            </a:prstGeom>
+          </p:spPr>
+          <p:txBody>
+            <a:bodyPr wrap="none">
+              <a:spAutoFit/>
+            </a:bodyPr>
+            <a:lstStyle/>
+            <a:p>
+              <a:r>
+                <a:rPr lang="en-US" dirty="0">
+                  <a:solidFill>
+                    <a:schemeClr val="accent5">
+                      <a:lumMod val="75000"/>
+                    </a:schemeClr>
+                  </a:solidFill>
+                </a:rPr>
+                <a:t>H2OFrame</a:t>
+              </a:r>
+            </a:p>
+          </p:txBody>
+        </p:sp>
+      </p:grpSp>
+      <p:cxnSp>
+        <p:nvCxnSpPr>
+          <p:cNvPr id="119" name="Elbow Connector 118"/>
+          <p:cNvCxnSpPr>
+            <a:stCxn id="109" idx="2"/>
+            <a:endCxn id="116" idx="0"/>
+          </p:cNvCxnSpPr>
+          <p:nvPr/>
+        </p:nvCxnSpPr>
+        <p:spPr>
+          <a:xfrm rot="16200000" flipH="1">
+            <a:off x="5524306" y="10264091"/>
+            <a:ext cx="550033" cy="3905966"/>
+          </a:xfrm>
+          <a:prstGeom prst="bentConnector3">
+            <a:avLst/>
+          </a:prstGeom>
+          <a:ln>
+            <a:tailEnd type="triangle"/>
+          </a:ln>
+        </p:spPr>
+        <p:style>
+          <a:lnRef idx="1">
+            <a:schemeClr val="accent1"/>
+          </a:lnRef>
+          <a:fillRef idx="0">
+            <a:schemeClr val="accent1"/>
+          </a:fillRef>
+          <a:effectRef idx="0">
+            <a:schemeClr val="accent1"/>
+          </a:effectRef>
+          <a:fontRef idx="minor">
+            <a:schemeClr val="tx1"/>
+          </a:fontRef>
+        </p:style>
+      </p:cxnSp>
+      <p:cxnSp>
+        <p:nvCxnSpPr>
+          <p:cNvPr id="121" name="Elbow Connector 120"/>
+          <p:cNvCxnSpPr>
+            <a:stCxn id="72" idx="2"/>
+            <a:endCxn id="116" idx="0"/>
+          </p:cNvCxnSpPr>
+          <p:nvPr/>
+        </p:nvCxnSpPr>
+        <p:spPr>
+          <a:xfrm rot="5400000">
+            <a:off x="7482514" y="8846641"/>
+            <a:ext cx="3915240" cy="3375662"/>
+          </a:xfrm>
+          <a:prstGeom prst="bentConnector3">
+            <a:avLst>
+              <a:gd name="adj1" fmla="val 50000"/>
+            </a:avLst>
+          </a:prstGeom>
+          <a:ln>
+            <a:tailEnd type="triangle"/>
+          </a:ln>
+        </p:spPr>
+        <p:style>
+          <a:lnRef idx="1">
+            <a:schemeClr val="accent1"/>
+          </a:lnRef>
+          <a:fillRef idx="0">
+            <a:schemeClr val="accent1"/>
+          </a:fillRef>
+          <a:effectRef idx="0">
+            <a:schemeClr val="accent1"/>
+          </a:effectRef>
+          <a:fontRef idx="minor">
+            <a:schemeClr val="tx1"/>
+          </a:fontRef>
+        </p:style>
+      </p:cxnSp>
+      <p:sp>
+        <p:nvSpPr>
+          <p:cNvPr id="127" name="Rectangle 126"/>
+          <p:cNvSpPr/>
+          <p:nvPr/>
+        </p:nvSpPr>
+        <p:spPr>
+          <a:xfrm>
+            <a:off x="7262194" y="11836325"/>
+            <a:ext cx="998671" cy="369332"/>
+          </a:xfrm>
+          <a:prstGeom prst="rect">
+            <a:avLst/>
+          </a:prstGeom>
+        </p:spPr>
+        <p:txBody>
+          <a:bodyPr wrap="none">
+            <a:spAutoFit/>
+          </a:bodyPr>
+          <a:lstStyle/>
+          <a:p>
+            <a:r>
+              <a:rPr lang="en-US" dirty="0">
+                <a:solidFill>
+                  <a:srgbClr val="FF0000"/>
+                </a:solidFill>
+              </a:rPr>
+              <a:t>combine</a:t>
+            </a:r>
+          </a:p>
+        </p:txBody>
+      </p:sp>
+      <p:sp>
+        <p:nvSpPr>
+          <p:cNvPr id="128" name="Rectangle 127"/>
+          <p:cNvSpPr/>
+          <p:nvPr/>
+        </p:nvSpPr>
+        <p:spPr>
+          <a:xfrm>
+            <a:off x="1169195" y="12425646"/>
+            <a:ext cx="1832453" cy="908870"/>
+          </a:xfrm>
+          <a:prstGeom prst="rect">
+            <a:avLst/>
+          </a:prstGeom>
+          <a:solidFill>
+            <a:schemeClr val="accent6">
+              <a:lumMod val="20000"/>
+              <a:lumOff val="80000"/>
+            </a:schemeClr>
+          </a:solidFill>
+          <a:ln>
+            <a:solidFill>
+              <a:schemeClr val="tx1"/>
+            </a:solidFill>
+          </a:ln>
+        </p:spPr>
+        <p:style>
+          <a:lnRef idx="2">
+            <a:schemeClr val="accent1">
+              <a:shade val="50000"/>
+            </a:schemeClr>
+          </a:lnRef>
+          <a:fillRef idx="1">
+            <a:schemeClr val="accent1"/>
+          </a:fillRef>
+          <a:effectRef idx="0">
+            <a:schemeClr val="accent1"/>
+          </a:effectRef>
+          <a:fontRef idx="minor">
+            <a:schemeClr val="lt1"/>
+          </a:fontRef>
+        </p:style>
+        <p:txBody>
+          <a:bodyPr rot="0" spcFirstLastPara="0" vertOverflow="overflow" horzOverflow="overflow" vert="horz" wrap="square" lIns="212132" tIns="106066" rIns="212132" bIns="106066" numCol="1" spcCol="0" rtlCol="0" fromWordArt="0" anchor="ctr" anchorCtr="0" forceAA="0" compatLnSpc="1">
+            <a:prstTxWarp prst="textNoShape">
+              <a:avLst/>
+            </a:prstTxWarp>
+            <a:noAutofit/>
+          </a:bodyPr>
+          <a:lstStyle/>
+          <a:p>
+            <a:pPr algn="ctr"/>
+            <a:r>
+              <a:rPr lang="en-US" altLang="zh-CN" sz="1600" dirty="0">
+                <a:solidFill>
+                  <a:schemeClr val="tx1"/>
+                </a:solidFill>
+              </a:rPr>
+              <a:t>H2OGeneralizedLinearEstimator</a:t>
+            </a:r>
+            <a:endParaRPr lang="en-US" sz="1600" dirty="0">
+              <a:solidFill>
+                <a:schemeClr val="tx1"/>
+              </a:solidFill>
+            </a:endParaRPr>
+          </a:p>
+        </p:txBody>
+      </p:sp>
+      <p:sp>
+        <p:nvSpPr>
+          <p:cNvPr id="132" name="Rectangle 131"/>
+          <p:cNvSpPr/>
+          <p:nvPr/>
+        </p:nvSpPr>
+        <p:spPr>
+          <a:xfrm>
+            <a:off x="2914650" y="13889072"/>
+            <a:ext cx="3421486" cy="926616"/>
+          </a:xfrm>
+          <a:prstGeom prst="rect">
+            <a:avLst/>
+          </a:prstGeom>
+          <a:solidFill>
+            <a:schemeClr val="accent2">
+              <a:lumMod val="20000"/>
+              <a:lumOff val="80000"/>
+            </a:schemeClr>
+          </a:solidFill>
+          <a:ln>
+            <a:solidFill>
+              <a:schemeClr val="tx1"/>
+            </a:solidFill>
+          </a:ln>
+        </p:spPr>
+        <p:style>
+          <a:lnRef idx="2">
+            <a:schemeClr val="accent1">
+              <a:shade val="50000"/>
+            </a:schemeClr>
+          </a:lnRef>
+          <a:fillRef idx="1">
+            <a:schemeClr val="accent1"/>
+          </a:fillRef>
+          <a:effectRef idx="0">
+            <a:schemeClr val="accent1"/>
+          </a:effectRef>
+          <a:fontRef idx="minor">
+            <a:schemeClr val="lt1"/>
+          </a:fontRef>
+        </p:style>
+        <p:txBody>
+          <a:bodyPr rot="0" spcFirstLastPara="0" vertOverflow="overflow" horzOverflow="overflow" vert="horz" wrap="square" lIns="212132" tIns="106066" rIns="212132" bIns="106066" numCol="1" spcCol="0" rtlCol="0" fromWordArt="0" anchor="ctr" anchorCtr="0" forceAA="0" compatLnSpc="1">
+            <a:prstTxWarp prst="textNoShape">
+              <a:avLst/>
+            </a:prstTxWarp>
+            <a:noAutofit/>
+          </a:bodyPr>
+          <a:lstStyle/>
+          <a:p>
+            <a:pPr algn="ctr"/>
+            <a:r>
+              <a:rPr lang="en-US" dirty="0">
+                <a:solidFill>
+                  <a:schemeClr val="tx1"/>
+                </a:solidFill>
+              </a:rPr>
+              <a:t>Relationship</a:t>
+            </a:r>
+            <a:r>
+              <a:rPr lang="en-US" dirty="0" smtClean="0">
+                <a:solidFill>
+                  <a:schemeClr val="tx1"/>
+                </a:solidFill>
+              </a:rPr>
+              <a:t>:</a:t>
+            </a:r>
+          </a:p>
+          <a:p>
+            <a:pPr algn="ctr"/>
+            <a:endParaRPr lang="en-US" dirty="0">
+              <a:solidFill>
+                <a:schemeClr val="tx1"/>
+              </a:solidFill>
+            </a:endParaRPr>
+          </a:p>
+          <a:p>
+            <a:pPr algn="ctr"/>
+            <a:endParaRPr lang="en-US" dirty="0">
+              <a:solidFill>
+                <a:schemeClr val="tx1"/>
+              </a:solidFill>
+            </a:endParaRPr>
+          </a:p>
+        </p:txBody>
+      </p:sp>
+      <p:cxnSp>
+        <p:nvCxnSpPr>
+          <p:cNvPr id="134" name="Elbow Connector 133"/>
+          <p:cNvCxnSpPr>
+            <a:stCxn id="128" idx="2"/>
+            <a:endCxn id="132" idx="0"/>
+          </p:cNvCxnSpPr>
+          <p:nvPr/>
+        </p:nvCxnSpPr>
+        <p:spPr>
+          <a:xfrm rot="16200000" flipH="1">
+            <a:off x="3078129" y="12341808"/>
+            <a:ext cx="554556" cy="2539971"/>
+          </a:xfrm>
+          <a:prstGeom prst="bentConnector3">
+            <a:avLst/>
+          </a:prstGeom>
+          <a:ln>
+            <a:tailEnd type="triangle"/>
+          </a:ln>
+        </p:spPr>
+        <p:style>
+          <a:lnRef idx="1">
+            <a:schemeClr val="accent1"/>
+          </a:lnRef>
+          <a:fillRef idx="0">
+            <a:schemeClr val="accent1"/>
+          </a:fillRef>
+          <a:effectRef idx="0">
+            <a:schemeClr val="accent1"/>
+          </a:effectRef>
+          <a:fontRef idx="minor">
+            <a:schemeClr val="tx1"/>
+          </a:fontRef>
+        </p:style>
+      </p:cxnSp>
+      <p:cxnSp>
+        <p:nvCxnSpPr>
+          <p:cNvPr id="136" name="Elbow Connector 135"/>
+          <p:cNvCxnSpPr>
+            <a:stCxn id="117" idx="2"/>
+            <a:endCxn id="132" idx="0"/>
+          </p:cNvCxnSpPr>
+          <p:nvPr/>
+        </p:nvCxnSpPr>
+        <p:spPr>
+          <a:xfrm rot="5400000">
+            <a:off x="6019739" y="12134799"/>
+            <a:ext cx="359928" cy="3148619"/>
+          </a:xfrm>
+          <a:prstGeom prst="bentConnector3">
+            <a:avLst>
+              <a:gd name="adj1" fmla="val 23536"/>
+            </a:avLst>
+          </a:prstGeom>
+          <a:ln>
+            <a:tailEnd type="triangle"/>
+          </a:ln>
+        </p:spPr>
+        <p:style>
+          <a:lnRef idx="1">
+            <a:schemeClr val="accent1"/>
+          </a:lnRef>
+          <a:fillRef idx="0">
+            <a:schemeClr val="accent1"/>
+          </a:fillRef>
+          <a:effectRef idx="0">
+            <a:schemeClr val="accent1"/>
+          </a:effectRef>
+          <a:fontRef idx="minor">
+            <a:schemeClr val="tx1"/>
+          </a:fontRef>
+        </p:style>
+      </p:cxnSp>
+      <p:sp>
+        <p:nvSpPr>
+          <p:cNvPr id="141" name="Rectangle 140"/>
+          <p:cNvSpPr/>
+          <p:nvPr/>
+        </p:nvSpPr>
+        <p:spPr>
+          <a:xfrm>
+            <a:off x="4151518" y="13217112"/>
+            <a:ext cx="643318" cy="369332"/>
+          </a:xfrm>
+          <a:prstGeom prst="rect">
+            <a:avLst/>
+          </a:prstGeom>
+        </p:spPr>
+        <p:txBody>
+          <a:bodyPr wrap="none">
+            <a:spAutoFit/>
+          </a:bodyPr>
+          <a:lstStyle/>
+          <a:p>
+            <a:r>
+              <a:rPr lang="en-US" dirty="0">
+                <a:solidFill>
+                  <a:srgbClr val="FF0000"/>
+                </a:solidFill>
+              </a:rPr>
+              <a:t>Train</a:t>
+            </a:r>
+          </a:p>
+        </p:txBody>
+      </p:sp>
+      <p:sp>
+        <p:nvSpPr>
+          <p:cNvPr id="143" name="Rectangle 142"/>
+          <p:cNvSpPr/>
+          <p:nvPr/>
+        </p:nvSpPr>
+        <p:spPr>
+          <a:xfrm>
+            <a:off x="2754709" y="15137030"/>
+            <a:ext cx="1471115" cy="460905"/>
+          </a:xfrm>
+          <a:prstGeom prst="rect">
+            <a:avLst/>
+          </a:prstGeom>
+          <a:solidFill>
+            <a:schemeClr val="accent2">
+              <a:lumMod val="20000"/>
+              <a:lumOff val="80000"/>
+            </a:schemeClr>
+          </a:solidFill>
+          <a:ln>
+            <a:solidFill>
+              <a:schemeClr val="tx1"/>
+            </a:solidFill>
+          </a:ln>
+        </p:spPr>
+        <p:style>
+          <a:lnRef idx="2">
+            <a:schemeClr val="accent1">
+              <a:shade val="50000"/>
+            </a:schemeClr>
+          </a:lnRef>
+          <a:fillRef idx="1">
+            <a:schemeClr val="accent1"/>
+          </a:fillRef>
+          <a:effectRef idx="0">
+            <a:schemeClr val="accent1"/>
+          </a:effectRef>
+          <a:fontRef idx="minor">
+            <a:schemeClr val="lt1"/>
+          </a:fontRef>
+        </p:style>
+        <p:txBody>
+          <a:bodyPr rot="0" spcFirstLastPara="0" vertOverflow="overflow" horzOverflow="overflow" vert="horz" wrap="square" lIns="212132" tIns="106066" rIns="212132" bIns="106066" numCol="1" spcCol="0" rtlCol="0" fromWordArt="0" anchor="ctr" anchorCtr="0" forceAA="0" compatLnSpc="1">
+            <a:prstTxWarp prst="textNoShape">
+              <a:avLst/>
+            </a:prstTxWarp>
+            <a:noAutofit/>
+          </a:bodyPr>
+          <a:lstStyle/>
+          <a:p>
+            <a:pPr algn="ctr"/>
+            <a:r>
+              <a:rPr lang="en-US" dirty="0">
+                <a:solidFill>
+                  <a:schemeClr val="tx1"/>
+                </a:solidFill>
+              </a:rPr>
+              <a:t>Coefficient</a:t>
+            </a:r>
+          </a:p>
+        </p:txBody>
+      </p:sp>
+      <p:sp>
+        <p:nvSpPr>
+          <p:cNvPr id="145" name="Rectangle 144"/>
+          <p:cNvSpPr/>
+          <p:nvPr/>
+        </p:nvSpPr>
+        <p:spPr>
+          <a:xfrm>
+            <a:off x="4998995" y="15117599"/>
+            <a:ext cx="1471115" cy="460905"/>
+          </a:xfrm>
+          <a:prstGeom prst="rect">
+            <a:avLst/>
+          </a:prstGeom>
+          <a:solidFill>
+            <a:schemeClr val="accent2">
+              <a:lumMod val="20000"/>
+              <a:lumOff val="80000"/>
+            </a:schemeClr>
+          </a:solidFill>
+          <a:ln>
+            <a:solidFill>
+              <a:schemeClr val="tx1"/>
+            </a:solidFill>
+          </a:ln>
+        </p:spPr>
+        <p:style>
+          <a:lnRef idx="2">
+            <a:schemeClr val="accent1">
+              <a:shade val="50000"/>
+            </a:schemeClr>
+          </a:lnRef>
+          <a:fillRef idx="1">
+            <a:schemeClr val="accent1"/>
+          </a:fillRef>
+          <a:effectRef idx="0">
+            <a:schemeClr val="accent1"/>
+          </a:effectRef>
+          <a:fontRef idx="minor">
+            <a:schemeClr val="lt1"/>
+          </a:fontRef>
+        </p:style>
+        <p:txBody>
+          <a:bodyPr rot="0" spcFirstLastPara="0" vertOverflow="overflow" horzOverflow="overflow" vert="horz" wrap="square" lIns="212132" tIns="106066" rIns="212132" bIns="106066" numCol="1" spcCol="0" rtlCol="0" fromWordArt="0" anchor="ctr" anchorCtr="0" forceAA="0" compatLnSpc="1">
+            <a:prstTxWarp prst="textNoShape">
+              <a:avLst/>
+            </a:prstTxWarp>
+            <a:noAutofit/>
+          </a:bodyPr>
+          <a:lstStyle/>
+          <a:p>
+            <a:pPr algn="ctr"/>
+            <a:r>
+              <a:rPr lang="en-US" dirty="0">
+                <a:solidFill>
+                  <a:schemeClr val="tx1"/>
+                </a:solidFill>
+              </a:rPr>
+              <a:t>R-Square</a:t>
+            </a:r>
+          </a:p>
+        </p:txBody>
+      </p:sp>
+      <p:sp>
+        <p:nvSpPr>
+          <p:cNvPr id="147" name="Rectangle 146"/>
+          <p:cNvSpPr/>
+          <p:nvPr/>
+        </p:nvSpPr>
+        <p:spPr>
+          <a:xfrm>
+            <a:off x="1400606" y="12084289"/>
+            <a:ext cx="1197444" cy="369332"/>
+          </a:xfrm>
+          <a:prstGeom prst="rect">
+            <a:avLst/>
+          </a:prstGeom>
+        </p:spPr>
+        <p:txBody>
+          <a:bodyPr wrap="none">
+            <a:spAutoFit/>
+          </a:bodyPr>
+          <a:lstStyle/>
+          <a:p>
+            <a:r>
+              <a:rPr lang="en-US" dirty="0" smtClean="0"/>
+              <a:t>local_glm1</a:t>
+            </a:r>
+            <a:endParaRPr lang="en-US" dirty="0"/>
+          </a:p>
+        </p:txBody>
+      </p:sp>
+      <p:cxnSp>
+        <p:nvCxnSpPr>
+          <p:cNvPr id="149" name="Straight Arrow Connector 148"/>
+          <p:cNvCxnSpPr>
+            <a:stCxn id="132" idx="2"/>
+            <a:endCxn id="143" idx="0"/>
+          </p:cNvCxnSpPr>
+          <p:nvPr/>
+        </p:nvCxnSpPr>
+        <p:spPr>
+          <a:xfrm flipH="1">
+            <a:off x="3490267" y="14815688"/>
+            <a:ext cx="1135126" cy="321342"/>
+          </a:xfrm>
+          <a:prstGeom prst="straightConnector1">
+            <a:avLst/>
+          </a:prstGeom>
+          <a:ln>
+            <a:tailEnd type="triangle"/>
+          </a:ln>
+        </p:spPr>
+        <p:style>
+          <a:lnRef idx="1">
+            <a:schemeClr val="accent1"/>
+          </a:lnRef>
+          <a:fillRef idx="0">
+            <a:schemeClr val="accent1"/>
+          </a:fillRef>
+          <a:effectRef idx="0">
+            <a:schemeClr val="accent1"/>
+          </a:effectRef>
+          <a:fontRef idx="minor">
+            <a:schemeClr val="tx1"/>
+          </a:fontRef>
+        </p:style>
+      </p:cxnSp>
+      <p:cxnSp>
+        <p:nvCxnSpPr>
+          <p:cNvPr id="150" name="Straight Arrow Connector 149"/>
+          <p:cNvCxnSpPr>
+            <a:stCxn id="132" idx="2"/>
+            <a:endCxn id="145" idx="0"/>
+          </p:cNvCxnSpPr>
+          <p:nvPr/>
+        </p:nvCxnSpPr>
+        <p:spPr>
+          <a:xfrm>
+            <a:off x="4625393" y="14815688"/>
+            <a:ext cx="1109160" cy="301911"/>
+          </a:xfrm>
+          <a:prstGeom prst="straightConnector1">
+            <a:avLst/>
+          </a:prstGeom>
+          <a:ln>
+            <a:tailEnd type="triangle"/>
+          </a:ln>
+        </p:spPr>
+        <p:style>
+          <a:lnRef idx="1">
+            <a:schemeClr val="accent1"/>
+          </a:lnRef>
+          <a:fillRef idx="0">
+            <a:schemeClr val="accent1"/>
+          </a:fillRef>
+          <a:effectRef idx="0">
+            <a:schemeClr val="accent1"/>
+          </a:effectRef>
+          <a:fontRef idx="minor">
+            <a:schemeClr val="tx1"/>
+          </a:fontRef>
+        </p:style>
+      </p:cxnSp>
+      <p:cxnSp>
+        <p:nvCxnSpPr>
+          <p:cNvPr id="217" name="Elbow Connector 216"/>
+          <p:cNvCxnSpPr>
+            <a:stCxn id="44" idx="2"/>
+            <a:endCxn id="249" idx="0"/>
+          </p:cNvCxnSpPr>
+          <p:nvPr/>
+        </p:nvCxnSpPr>
+        <p:spPr>
+          <a:xfrm rot="5400000">
+            <a:off x="-664961" y="8693820"/>
+            <a:ext cx="7780573" cy="4722135"/>
+          </a:xfrm>
+          <a:prstGeom prst="bentConnector3">
+            <a:avLst>
+              <a:gd name="adj1" fmla="val 30658"/>
+            </a:avLst>
+          </a:prstGeom>
+          <a:ln>
+            <a:solidFill>
+              <a:schemeClr val="accent6">
+                <a:lumMod val="75000"/>
+              </a:schemeClr>
+            </a:solidFill>
+            <a:tailEnd type="triangle"/>
+          </a:ln>
+        </p:spPr>
+        <p:style>
+          <a:lnRef idx="1">
+            <a:schemeClr val="accent1"/>
+          </a:lnRef>
+          <a:fillRef idx="0">
+            <a:schemeClr val="accent1"/>
+          </a:fillRef>
+          <a:effectRef idx="0">
+            <a:schemeClr val="accent1"/>
+          </a:effectRef>
+          <a:fontRef idx="minor">
+            <a:schemeClr val="tx1"/>
+          </a:fontRef>
+        </p:style>
+      </p:cxnSp>
+      <p:sp>
+        <p:nvSpPr>
+          <p:cNvPr id="224" name="Rectangle 223"/>
+          <p:cNvSpPr/>
+          <p:nvPr/>
+        </p:nvSpPr>
+        <p:spPr>
+          <a:xfrm>
+            <a:off x="3001648" y="14284156"/>
+            <a:ext cx="1558089" cy="460905"/>
+          </a:xfrm>
+          <a:prstGeom prst="rect">
+            <a:avLst/>
+          </a:prstGeom>
+          <a:solidFill>
+            <a:schemeClr val="accent2">
+              <a:lumMod val="20000"/>
+              <a:lumOff val="80000"/>
+            </a:schemeClr>
+          </a:solidFill>
+          <a:ln>
+            <a:solidFill>
+              <a:schemeClr val="tx1"/>
+            </a:solidFill>
+          </a:ln>
+        </p:spPr>
+        <p:style>
+          <a:lnRef idx="2">
+            <a:schemeClr val="accent1">
+              <a:shade val="50000"/>
+            </a:schemeClr>
+          </a:lnRef>
+          <a:fillRef idx="1">
+            <a:schemeClr val="accent1"/>
+          </a:fillRef>
+          <a:effectRef idx="0">
+            <a:schemeClr val="accent1"/>
+          </a:effectRef>
+          <a:fontRef idx="minor">
+            <a:schemeClr val="lt1"/>
+          </a:fontRef>
+        </p:style>
+        <p:txBody>
+          <a:bodyPr rot="0" spcFirstLastPara="0" vertOverflow="overflow" horzOverflow="overflow" vert="horz" wrap="square" lIns="212132" tIns="106066" rIns="212132" bIns="106066" numCol="1" spcCol="0" rtlCol="0" fromWordArt="0" anchor="ctr" anchorCtr="0" forceAA="0" compatLnSpc="1">
+            <a:prstTxWarp prst="textNoShape">
+              <a:avLst/>
+            </a:prstTxWarp>
+            <a:noAutofit/>
+          </a:bodyPr>
+          <a:lstStyle/>
+          <a:p>
+            <a:pPr algn="ctr"/>
+            <a:r>
+              <a:rPr lang="en-US" dirty="0" smtClean="0">
+                <a:solidFill>
+                  <a:schemeClr val="tx1"/>
+                </a:solidFill>
+              </a:rPr>
+              <a:t>X: Variables</a:t>
+            </a:r>
+            <a:endParaRPr lang="en-US" dirty="0">
+              <a:solidFill>
+                <a:schemeClr val="tx1"/>
+              </a:solidFill>
+            </a:endParaRPr>
+          </a:p>
+        </p:txBody>
+      </p:sp>
+      <p:sp>
+        <p:nvSpPr>
+          <p:cNvPr id="234" name="Rectangle 233"/>
+          <p:cNvSpPr/>
+          <p:nvPr/>
+        </p:nvSpPr>
+        <p:spPr>
+          <a:xfrm>
+            <a:off x="4552505" y="14284156"/>
+            <a:ext cx="1652319" cy="460905"/>
+          </a:xfrm>
+          <a:prstGeom prst="rect">
+            <a:avLst/>
+          </a:prstGeom>
+          <a:solidFill>
+            <a:schemeClr val="accent2">
+              <a:lumMod val="20000"/>
+              <a:lumOff val="80000"/>
+            </a:schemeClr>
+          </a:solidFill>
+          <a:ln>
+            <a:solidFill>
+              <a:schemeClr val="tx1"/>
+            </a:solidFill>
+          </a:ln>
+        </p:spPr>
+        <p:style>
+          <a:lnRef idx="2">
+            <a:schemeClr val="accent1">
+              <a:shade val="50000"/>
+            </a:schemeClr>
+          </a:lnRef>
+          <a:fillRef idx="1">
+            <a:schemeClr val="accent1"/>
+          </a:fillRef>
+          <a:effectRef idx="0">
+            <a:schemeClr val="accent1"/>
+          </a:effectRef>
+          <a:fontRef idx="minor">
+            <a:schemeClr val="lt1"/>
+          </a:fontRef>
+        </p:style>
+        <p:txBody>
+          <a:bodyPr rot="0" spcFirstLastPara="0" vertOverflow="overflow" horzOverflow="overflow" vert="horz" wrap="square" lIns="212132" tIns="106066" rIns="212132" bIns="106066" numCol="1" spcCol="0" rtlCol="0" fromWordArt="0" anchor="ctr" anchorCtr="0" forceAA="0" compatLnSpc="1">
+            <a:prstTxWarp prst="textNoShape">
+              <a:avLst/>
+            </a:prstTxWarp>
+            <a:noAutofit/>
+          </a:bodyPr>
+          <a:lstStyle/>
+          <a:p>
+            <a:pPr algn="ctr"/>
+            <a:r>
+              <a:rPr lang="en-US" dirty="0" smtClean="0">
+                <a:solidFill>
+                  <a:schemeClr val="tx1"/>
+                </a:solidFill>
+              </a:rPr>
+              <a:t>y: Prediction</a:t>
+            </a:r>
+            <a:endParaRPr lang="en-US" dirty="0">
+              <a:solidFill>
+                <a:schemeClr val="tx1"/>
+              </a:solidFill>
+            </a:endParaRPr>
+          </a:p>
+        </p:txBody>
+      </p:sp>
+      <p:cxnSp>
+        <p:nvCxnSpPr>
+          <p:cNvPr id="243" name="Elbow Connector 242"/>
+          <p:cNvCxnSpPr>
+            <a:stCxn id="128" idx="2"/>
+            <a:endCxn id="249" idx="0"/>
+          </p:cNvCxnSpPr>
+          <p:nvPr/>
+        </p:nvCxnSpPr>
+        <p:spPr>
+          <a:xfrm rot="5400000">
+            <a:off x="669511" y="13529263"/>
+            <a:ext cx="1610658" cy="1221165"/>
+          </a:xfrm>
+          <a:prstGeom prst="bentConnector3">
+            <a:avLst/>
+          </a:prstGeom>
+          <a:ln>
+            <a:solidFill>
+              <a:schemeClr val="accent6">
+                <a:lumMod val="75000"/>
+              </a:schemeClr>
+            </a:solidFill>
+            <a:tailEnd type="triangle"/>
+          </a:ln>
+        </p:spPr>
+        <p:style>
+          <a:lnRef idx="1">
+            <a:schemeClr val="accent1"/>
+          </a:lnRef>
+          <a:fillRef idx="0">
+            <a:schemeClr val="accent1"/>
+          </a:fillRef>
+          <a:effectRef idx="0">
+            <a:schemeClr val="accent1"/>
+          </a:effectRef>
+          <a:fontRef idx="minor">
+            <a:schemeClr val="tx1"/>
+          </a:fontRef>
+        </p:style>
+      </p:cxnSp>
+      <p:cxnSp>
+        <p:nvCxnSpPr>
+          <p:cNvPr id="245" name="Elbow Connector 244"/>
+          <p:cNvCxnSpPr>
+            <a:stCxn id="224" idx="1"/>
+            <a:endCxn id="249" idx="0"/>
+          </p:cNvCxnSpPr>
+          <p:nvPr/>
+        </p:nvCxnSpPr>
+        <p:spPr>
+          <a:xfrm rot="10800000" flipV="1">
+            <a:off x="864258" y="14514608"/>
+            <a:ext cx="2137391" cy="430565"/>
+          </a:xfrm>
+          <a:prstGeom prst="bentConnector2">
+            <a:avLst/>
+          </a:prstGeom>
+          <a:ln>
+            <a:solidFill>
+              <a:schemeClr val="accent6">
+                <a:lumMod val="75000"/>
+              </a:schemeClr>
+            </a:solidFill>
+            <a:tailEnd type="triangle"/>
+          </a:ln>
+        </p:spPr>
+        <p:style>
+          <a:lnRef idx="1">
+            <a:schemeClr val="accent1"/>
+          </a:lnRef>
+          <a:fillRef idx="0">
+            <a:schemeClr val="accent1"/>
+          </a:fillRef>
+          <a:effectRef idx="0">
+            <a:schemeClr val="accent1"/>
+          </a:effectRef>
+          <a:fontRef idx="minor">
+            <a:schemeClr val="tx1"/>
+          </a:fontRef>
+        </p:style>
+      </p:cxnSp>
+      <p:sp>
+        <p:nvSpPr>
+          <p:cNvPr id="249" name="Rectangle 248"/>
+          <p:cNvSpPr/>
+          <p:nvPr/>
+        </p:nvSpPr>
+        <p:spPr>
+          <a:xfrm>
+            <a:off x="128699" y="14945174"/>
+            <a:ext cx="1471115" cy="595375"/>
+          </a:xfrm>
+          <a:prstGeom prst="rect">
+            <a:avLst/>
+          </a:prstGeom>
+          <a:solidFill>
+            <a:schemeClr val="accent2">
+              <a:lumMod val="75000"/>
+            </a:schemeClr>
+          </a:solidFill>
+          <a:ln>
+            <a:solidFill>
+              <a:schemeClr val="tx1"/>
+            </a:solidFill>
+          </a:ln>
+        </p:spPr>
+        <p:style>
+          <a:lnRef idx="2">
+            <a:schemeClr val="accent1">
+              <a:shade val="50000"/>
+            </a:schemeClr>
+          </a:lnRef>
+          <a:fillRef idx="1">
+            <a:schemeClr val="accent1"/>
+          </a:fillRef>
+          <a:effectRef idx="0">
+            <a:schemeClr val="accent1"/>
+          </a:effectRef>
+          <a:fontRef idx="minor">
+            <a:schemeClr val="lt1"/>
+          </a:fontRef>
+        </p:style>
+        <p:txBody>
+          <a:bodyPr rot="0" spcFirstLastPara="0" vertOverflow="overflow" horzOverflow="overflow" vert="horz" wrap="square" lIns="212132" tIns="106066" rIns="212132" bIns="106066" numCol="1" spcCol="0" rtlCol="0" fromWordArt="0" anchor="ctr" anchorCtr="0" forceAA="0" compatLnSpc="1">
+            <a:prstTxWarp prst="textNoShape">
+              <a:avLst/>
+            </a:prstTxWarp>
+            <a:noAutofit/>
+          </a:bodyPr>
+          <a:lstStyle/>
+          <a:p>
+            <a:pPr algn="ctr"/>
+            <a:r>
+              <a:rPr lang="en-US" dirty="0" smtClean="0">
+                <a:solidFill>
+                  <a:schemeClr val="tx1"/>
+                </a:solidFill>
+              </a:rPr>
+              <a:t>Reason</a:t>
+            </a:r>
+          </a:p>
+          <a:p>
+            <a:pPr algn="ctr"/>
+            <a:r>
+              <a:rPr lang="en-US" dirty="0" smtClean="0">
+                <a:solidFill>
+                  <a:schemeClr val="tx1"/>
+                </a:solidFill>
+              </a:rPr>
+              <a:t>Code</a:t>
+            </a:r>
+            <a:endParaRPr lang="en-US" dirty="0">
+              <a:solidFill>
+                <a:schemeClr val="tx1"/>
+              </a:solidFill>
+            </a:endParaRPr>
+          </a:p>
+        </p:txBody>
+      </p:sp>
+      <p:cxnSp>
+        <p:nvCxnSpPr>
+          <p:cNvPr id="263" name="Straight Arrow Connector 262"/>
+          <p:cNvCxnSpPr>
+            <a:stCxn id="4" idx="2"/>
+            <a:endCxn id="5" idx="0"/>
+          </p:cNvCxnSpPr>
+          <p:nvPr/>
+        </p:nvCxnSpPr>
+        <p:spPr>
+          <a:xfrm>
+            <a:off x="4115270" y="952426"/>
+            <a:ext cx="0" cy="613307"/>
+          </a:xfrm>
+          <a:prstGeom prst="straightConnector1">
+            <a:avLst/>
+          </a:prstGeom>
+          <a:ln>
+            <a:tailEnd type="triangle"/>
+          </a:ln>
+        </p:spPr>
+        <p:style>
+          <a:lnRef idx="1">
+            <a:schemeClr val="accent1"/>
+          </a:lnRef>
+          <a:fillRef idx="0">
+            <a:schemeClr val="accent1"/>
+          </a:fillRef>
+          <a:effectRef idx="0">
+            <a:schemeClr val="accent1"/>
+          </a:effectRef>
+          <a:fontRef idx="minor">
+            <a:schemeClr val="tx1"/>
+          </a:fontRef>
+        </p:style>
+      </p:cxnSp>
+      <p:cxnSp>
+        <p:nvCxnSpPr>
+          <p:cNvPr id="265" name="Straight Arrow Connector 264"/>
+          <p:cNvCxnSpPr>
+            <a:stCxn id="5" idx="2"/>
+            <a:endCxn id="17" idx="0"/>
+          </p:cNvCxnSpPr>
+          <p:nvPr/>
+        </p:nvCxnSpPr>
+        <p:spPr>
+          <a:xfrm flipH="1">
+            <a:off x="3251016" y="2375095"/>
+            <a:ext cx="864254" cy="779263"/>
+          </a:xfrm>
+          <a:prstGeom prst="straightConnector1">
+            <a:avLst/>
+          </a:prstGeom>
+          <a:ln>
+            <a:tailEnd type="triangle"/>
+          </a:ln>
+        </p:spPr>
+        <p:style>
+          <a:lnRef idx="1">
+            <a:schemeClr val="accent1"/>
+          </a:lnRef>
+          <a:fillRef idx="0">
+            <a:schemeClr val="accent1"/>
+          </a:fillRef>
+          <a:effectRef idx="0">
+            <a:schemeClr val="accent1"/>
+          </a:effectRef>
+          <a:fontRef idx="minor">
+            <a:schemeClr val="tx1"/>
+          </a:fontRef>
+        </p:style>
+      </p:cxnSp>
+      <p:cxnSp>
+        <p:nvCxnSpPr>
+          <p:cNvPr id="267" name="Straight Arrow Connector 266"/>
+          <p:cNvCxnSpPr>
+            <a:stCxn id="5" idx="2"/>
+            <a:endCxn id="18" idx="0"/>
+          </p:cNvCxnSpPr>
+          <p:nvPr/>
+        </p:nvCxnSpPr>
+        <p:spPr>
+          <a:xfrm>
+            <a:off x="4115270" y="2375095"/>
+            <a:ext cx="2843662" cy="561136"/>
+          </a:xfrm>
+          <a:prstGeom prst="straightConnector1">
+            <a:avLst/>
+          </a:prstGeom>
+          <a:ln>
+            <a:tailEnd type="triangle"/>
+          </a:ln>
+        </p:spPr>
+        <p:style>
+          <a:lnRef idx="1">
+            <a:schemeClr val="accent1"/>
+          </a:lnRef>
+          <a:fillRef idx="0">
+            <a:schemeClr val="accent1"/>
+          </a:fillRef>
+          <a:effectRef idx="0">
+            <a:schemeClr val="accent1"/>
+          </a:effectRef>
+          <a:fontRef idx="minor">
+            <a:schemeClr val="tx1"/>
+          </a:fontRef>
+        </p:style>
+      </p:cxnSp>
+      <p:sp>
+        <p:nvSpPr>
+          <p:cNvPr id="272" name="Rectangle 271"/>
+          <p:cNvSpPr/>
+          <p:nvPr/>
+        </p:nvSpPr>
+        <p:spPr>
+          <a:xfrm>
+            <a:off x="3720627" y="1089463"/>
+            <a:ext cx="873637" cy="369332"/>
+          </a:xfrm>
+          <a:prstGeom prst="rect">
+            <a:avLst/>
+          </a:prstGeom>
+        </p:spPr>
+        <p:txBody>
+          <a:bodyPr wrap="none">
+            <a:spAutoFit/>
+          </a:bodyPr>
+          <a:lstStyle/>
+          <a:p>
+            <a:r>
+              <a:rPr lang="en-US" dirty="0" smtClean="0">
+                <a:solidFill>
+                  <a:srgbClr val="FF0000"/>
+                </a:solidFill>
+              </a:rPr>
+              <a:t>Encode</a:t>
+            </a:r>
+            <a:endParaRPr lang="en-US" dirty="0">
+              <a:solidFill>
+                <a:srgbClr val="FF0000"/>
+              </a:solidFill>
+            </a:endParaRPr>
+          </a:p>
+        </p:txBody>
+      </p:sp>
+      <p:cxnSp>
+        <p:nvCxnSpPr>
+          <p:cNvPr id="276" name="Straight Arrow Connector 275"/>
+          <p:cNvCxnSpPr>
+            <a:stCxn id="17" idx="1"/>
+            <a:endCxn id="9" idx="3"/>
+          </p:cNvCxnSpPr>
+          <p:nvPr/>
+        </p:nvCxnSpPr>
+        <p:spPr>
+          <a:xfrm flipH="1" flipV="1">
+            <a:off x="1613694" y="3551403"/>
+            <a:ext cx="917899" cy="7636"/>
+          </a:xfrm>
+          <a:prstGeom prst="straightConnector1">
+            <a:avLst/>
+          </a:prstGeom>
+          <a:ln>
+            <a:tailEnd type="triangle"/>
+          </a:ln>
+        </p:spPr>
+        <p:style>
+          <a:lnRef idx="1">
+            <a:schemeClr val="accent1"/>
+          </a:lnRef>
+          <a:fillRef idx="0">
+            <a:schemeClr val="accent1"/>
+          </a:fillRef>
+          <a:effectRef idx="0">
+            <a:schemeClr val="accent1"/>
+          </a:effectRef>
+          <a:fontRef idx="minor">
+            <a:schemeClr val="tx1"/>
+          </a:fontRef>
+        </p:style>
+      </p:cxnSp>
+      <p:sp>
+        <p:nvSpPr>
+          <p:cNvPr id="279" name="Rectangle 278"/>
+          <p:cNvSpPr/>
+          <p:nvPr/>
+        </p:nvSpPr>
+        <p:spPr>
+          <a:xfrm>
+            <a:off x="1750984" y="3193618"/>
+            <a:ext cx="643318" cy="369332"/>
+          </a:xfrm>
+          <a:prstGeom prst="rect">
+            <a:avLst/>
+          </a:prstGeom>
+        </p:spPr>
+        <p:txBody>
+          <a:bodyPr wrap="none">
+            <a:spAutoFit/>
+          </a:bodyPr>
+          <a:lstStyle/>
+          <a:p>
+            <a:r>
+              <a:rPr lang="en-US" dirty="0">
+                <a:solidFill>
+                  <a:srgbClr val="FF0000"/>
+                </a:solidFill>
+              </a:rPr>
+              <a:t>Train</a:t>
+            </a:r>
+          </a:p>
+        </p:txBody>
+      </p:sp>
+      <p:sp>
+        <p:nvSpPr>
+          <p:cNvPr id="281" name="Rectangle 280"/>
+          <p:cNvSpPr/>
+          <p:nvPr/>
+        </p:nvSpPr>
+        <p:spPr>
+          <a:xfrm>
+            <a:off x="5855503" y="3774082"/>
+            <a:ext cx="558166" cy="369332"/>
+          </a:xfrm>
+          <a:prstGeom prst="rect">
+            <a:avLst/>
+          </a:prstGeom>
+        </p:spPr>
+        <p:txBody>
+          <a:bodyPr wrap="none">
+            <a:spAutoFit/>
+          </a:bodyPr>
+          <a:lstStyle/>
+          <a:p>
+            <a:r>
+              <a:rPr lang="en-US" dirty="0" smtClean="0">
+                <a:solidFill>
+                  <a:srgbClr val="FF0000"/>
+                </a:solidFill>
+              </a:rPr>
+              <a:t>Pick</a:t>
+            </a:r>
+            <a:endParaRPr lang="en-US" dirty="0">
+              <a:solidFill>
+                <a:srgbClr val="FF0000"/>
+              </a:solidFill>
+            </a:endParaRPr>
+          </a:p>
+        </p:txBody>
+      </p:sp>
+      <p:grpSp>
+        <p:nvGrpSpPr>
+          <p:cNvPr id="309" name="Group 308"/>
+          <p:cNvGrpSpPr/>
+          <p:nvPr/>
+        </p:nvGrpSpPr>
+        <p:grpSpPr>
+          <a:xfrm>
+            <a:off x="8043321" y="5658586"/>
+            <a:ext cx="2632131" cy="1532587"/>
+            <a:chOff x="7686806" y="5676395"/>
+            <a:chExt cx="2632131" cy="1532587"/>
+          </a:xfrm>
+        </p:grpSpPr>
+        <p:grpSp>
+          <p:nvGrpSpPr>
+            <p:cNvPr id="56" name="Group 55"/>
+            <p:cNvGrpSpPr/>
+            <p:nvPr/>
+          </p:nvGrpSpPr>
+          <p:grpSpPr>
+            <a:xfrm>
+              <a:off x="7845880" y="5953866"/>
+              <a:ext cx="2258664" cy="1255116"/>
+              <a:chOff x="8847995" y="5153846"/>
+              <a:chExt cx="2258664" cy="1255115"/>
+            </a:xfrm>
+          </p:grpSpPr>
+          <p:sp>
+            <p:nvSpPr>
+              <p:cNvPr id="49" name="Rectangle 48"/>
+              <p:cNvSpPr/>
+              <p:nvPr/>
+            </p:nvSpPr>
+            <p:spPr>
+              <a:xfrm>
+                <a:off x="8847995" y="5153846"/>
+                <a:ext cx="2258664" cy="876129"/>
+              </a:xfrm>
+              <a:prstGeom prst="rect">
+                <a:avLst/>
+              </a:prstGeom>
+              <a:solidFill>
+                <a:schemeClr val="accent2">
+                  <a:lumMod val="20000"/>
+                  <a:lumOff val="80000"/>
+                </a:schemeClr>
+              </a:solidFill>
+              <a:ln>
+                <a:solidFill>
+                  <a:schemeClr val="tx1"/>
+                </a:solidFill>
+              </a:ln>
+            </p:spPr>
+            <p:style>
+              <a:lnRef idx="2">
+                <a:schemeClr val="accent1">
+                  <a:shade val="50000"/>
+                </a:schemeClr>
+              </a:lnRef>
+              <a:fillRef idx="1">
+                <a:schemeClr val="accent1"/>
+              </a:fillRef>
+              <a:effectRef idx="0">
+                <a:schemeClr val="accent1"/>
+              </a:effectRef>
+              <a:fontRef idx="minor">
+                <a:schemeClr val="lt1"/>
+              </a:fontRef>
+            </p:style>
+            <p:txBody>
+              <a:bodyPr rot="0" spcFirstLastPara="0" vertOverflow="overflow" horzOverflow="overflow" vert="horz" wrap="square" lIns="212132" tIns="106066" rIns="212132" bIns="106066" numCol="1" spcCol="0" rtlCol="0" fromWordArt="0" anchor="ctr" anchorCtr="0" forceAA="0" compatLnSpc="1">
+                <a:prstTxWarp prst="textNoShape">
+                  <a:avLst/>
+                </a:prstTxWarp>
+                <a:noAutofit/>
+              </a:bodyPr>
+              <a:lstStyle/>
+              <a:p>
+                <a:pPr algn="ctr"/>
+                <a:r>
+                  <a:rPr lang="en-US" dirty="0">
+                    <a:solidFill>
+                      <a:schemeClr val="tx1"/>
+                    </a:solidFill>
+                  </a:rPr>
+                  <a:t>Scaled &amp; Encoded Perturbed Sample</a:t>
+                </a:r>
+              </a:p>
+            </p:txBody>
+          </p:sp>
+          <p:sp>
+            <p:nvSpPr>
+              <p:cNvPr id="55" name="Rectangle 54"/>
+              <p:cNvSpPr/>
+              <p:nvPr/>
+            </p:nvSpPr>
+            <p:spPr>
+              <a:xfrm>
+                <a:off x="9302109" y="6039629"/>
+                <a:ext cx="1189813" cy="369332"/>
+              </a:xfrm>
+              <a:prstGeom prst="rect">
+                <a:avLst/>
+              </a:prstGeom>
+            </p:spPr>
+            <p:txBody>
+              <a:bodyPr wrap="none">
+                <a:spAutoFit/>
+              </a:bodyPr>
+              <a:lstStyle/>
+              <a:p>
+                <a:r>
+                  <a:rPr lang="en-US" dirty="0">
+                    <a:solidFill>
+                      <a:schemeClr val="accent5">
+                        <a:lumMod val="75000"/>
+                      </a:schemeClr>
+                    </a:solidFill>
+                  </a:rPr>
+                  <a:t>H2OFrame</a:t>
+                </a:r>
+              </a:p>
+            </p:txBody>
+          </p:sp>
+        </p:grpSp>
+        <p:sp>
+          <p:nvSpPr>
+            <p:cNvPr id="282" name="Rectangle 281"/>
+            <p:cNvSpPr/>
+            <p:nvPr/>
+          </p:nvSpPr>
+          <p:spPr>
+            <a:xfrm>
+              <a:off x="7686806" y="5676395"/>
+              <a:ext cx="2632131" cy="369332"/>
+            </a:xfrm>
+            <a:prstGeom prst="rect">
+              <a:avLst/>
+            </a:prstGeom>
+          </p:spPr>
+          <p:txBody>
+            <a:bodyPr wrap="none">
+              <a:spAutoFit/>
+            </a:bodyPr>
+            <a:lstStyle/>
+            <a:p>
+              <a:r>
+                <a:rPr lang="en-US" dirty="0"/>
+                <a:t>scaled_perturbed_sample</a:t>
+              </a:r>
+            </a:p>
+          </p:txBody>
+        </p:sp>
+      </p:grpSp>
+      <p:grpSp>
+        <p:nvGrpSpPr>
+          <p:cNvPr id="304" name="Group 303"/>
+          <p:cNvGrpSpPr/>
+          <p:nvPr/>
+        </p:nvGrpSpPr>
+        <p:grpSpPr>
+          <a:xfrm>
+            <a:off x="8508581" y="3975986"/>
+            <a:ext cx="1930337" cy="1005108"/>
+            <a:chOff x="7774011" y="3596842"/>
+            <a:chExt cx="1930337" cy="1005108"/>
+          </a:xfrm>
+        </p:grpSpPr>
+        <p:sp>
+          <p:nvSpPr>
+            <p:cNvPr id="15" name="Rectangle 14"/>
+            <p:cNvSpPr/>
+            <p:nvPr/>
+          </p:nvSpPr>
+          <p:spPr>
+            <a:xfrm>
+              <a:off x="7886995" y="3946182"/>
+              <a:ext cx="1377735" cy="655768"/>
+            </a:xfrm>
+            <a:prstGeom prst="rect">
+              <a:avLst/>
+            </a:prstGeom>
+            <a:solidFill>
+              <a:schemeClr val="accent2">
+                <a:lumMod val="20000"/>
+                <a:lumOff val="80000"/>
+              </a:schemeClr>
+            </a:solidFill>
+            <a:ln>
+              <a:solidFill>
+                <a:schemeClr val="tx1"/>
+              </a:solidFill>
+            </a:ln>
+          </p:spPr>
+          <p:style>
+            <a:lnRef idx="2">
+              <a:schemeClr val="accent1">
+                <a:shade val="50000"/>
+              </a:schemeClr>
+            </a:lnRef>
+            <a:fillRef idx="1">
+              <a:schemeClr val="accent1"/>
+            </a:fillRef>
+            <a:effectRef idx="0">
+              <a:schemeClr val="accent1"/>
+            </a:effectRef>
+            <a:fontRef idx="minor">
+              <a:schemeClr val="lt1"/>
+            </a:fontRef>
+          </p:style>
+          <p:txBody>
+            <a:bodyPr rot="0" spcFirstLastPara="0" vertOverflow="overflow" horzOverflow="overflow" vert="horz" wrap="square" lIns="212132" tIns="106066" rIns="212132" bIns="106066" numCol="1" spcCol="0" rtlCol="0" fromWordArt="0" anchor="ctr" anchorCtr="0" forceAA="0" compatLnSpc="1">
+              <a:prstTxWarp prst="textNoShape">
+                <a:avLst/>
+              </a:prstTxWarp>
+              <a:noAutofit/>
+            </a:bodyPr>
+            <a:lstStyle/>
+            <a:p>
+              <a:pPr algn="ctr"/>
+              <a:r>
+                <a:rPr lang="en-US" dirty="0">
+                  <a:solidFill>
+                    <a:schemeClr val="tx1"/>
+                  </a:solidFill>
+                </a:rPr>
+                <a:t>Perturbed</a:t>
+              </a:r>
+            </a:p>
+            <a:p>
+              <a:pPr algn="ctr"/>
+              <a:r>
+                <a:rPr lang="en-US" dirty="0">
+                  <a:solidFill>
+                    <a:schemeClr val="tx1"/>
+                  </a:solidFill>
+                </a:rPr>
+                <a:t>Sample</a:t>
+              </a:r>
+            </a:p>
+          </p:txBody>
+        </p:sp>
+        <p:sp>
+          <p:nvSpPr>
+            <p:cNvPr id="283" name="Rectangle 282"/>
+            <p:cNvSpPr/>
+            <p:nvPr/>
+          </p:nvSpPr>
+          <p:spPr>
+            <a:xfrm>
+              <a:off x="7774011" y="3596842"/>
+              <a:ext cx="1930337" cy="369332"/>
+            </a:xfrm>
+            <a:prstGeom prst="rect">
+              <a:avLst/>
+            </a:prstGeom>
+          </p:spPr>
+          <p:txBody>
+            <a:bodyPr wrap="none">
+              <a:spAutoFit/>
+            </a:bodyPr>
+            <a:lstStyle/>
+            <a:p>
+              <a:r>
+                <a:rPr lang="en-US" dirty="0"/>
+                <a:t>perturbed_sample</a:t>
+              </a:r>
+            </a:p>
+          </p:txBody>
+        </p:sp>
+      </p:grpSp>
+      <p:sp>
+        <p:nvSpPr>
+          <p:cNvPr id="318" name="Rectangle 317"/>
+          <p:cNvSpPr/>
+          <p:nvPr/>
+        </p:nvSpPr>
+        <p:spPr>
+          <a:xfrm>
+            <a:off x="4688670" y="5672250"/>
+            <a:ext cx="1532984" cy="369332"/>
+          </a:xfrm>
+          <a:prstGeom prst="rect">
+            <a:avLst/>
+          </a:prstGeom>
+        </p:spPr>
+        <p:txBody>
+          <a:bodyPr wrap="none">
+            <a:spAutoFit/>
+          </a:bodyPr>
+          <a:lstStyle/>
+          <a:p>
+            <a:r>
+              <a:rPr lang="en-US" dirty="0"/>
+              <a:t>row_dummies</a:t>
+            </a:r>
+          </a:p>
+        </p:txBody>
+      </p:sp>
+      <p:sp>
+        <p:nvSpPr>
+          <p:cNvPr id="319" name="Rectangle 318"/>
+          <p:cNvSpPr/>
+          <p:nvPr/>
+        </p:nvSpPr>
+        <p:spPr>
+          <a:xfrm>
+            <a:off x="8811096" y="8597028"/>
+            <a:ext cx="998671" cy="369332"/>
+          </a:xfrm>
+          <a:prstGeom prst="rect">
+            <a:avLst/>
+          </a:prstGeom>
+        </p:spPr>
+        <p:txBody>
+          <a:bodyPr wrap="none">
+            <a:spAutoFit/>
+          </a:bodyPr>
+          <a:lstStyle/>
+          <a:p>
+            <a:r>
+              <a:rPr lang="en-US" dirty="0">
+                <a:solidFill>
+                  <a:srgbClr val="FF0000"/>
+                </a:solidFill>
+              </a:rPr>
+              <a:t>combine</a:t>
+            </a:r>
+          </a:p>
+        </p:txBody>
+      </p:sp>
+      <p:sp>
+        <p:nvSpPr>
+          <p:cNvPr id="320" name="Rectangle 319"/>
+          <p:cNvSpPr/>
+          <p:nvPr/>
+        </p:nvSpPr>
+        <p:spPr>
+          <a:xfrm>
+            <a:off x="2690384" y="10246414"/>
+            <a:ext cx="2443682" cy="369332"/>
+          </a:xfrm>
+          <a:prstGeom prst="rect">
+            <a:avLst/>
+          </a:prstGeom>
+        </p:spPr>
+        <p:txBody>
+          <a:bodyPr wrap="none">
+            <a:spAutoFit/>
+          </a:bodyPr>
+          <a:lstStyle/>
+          <a:p>
+            <a:r>
+              <a:rPr lang="en-US" dirty="0" smtClean="0"/>
+              <a:t>Preds1: (predict, p0, p1)</a:t>
+            </a:r>
+            <a:endParaRPr lang="en-US" dirty="0"/>
+          </a:p>
+        </p:txBody>
+      </p:sp>
+      <p:sp>
+        <p:nvSpPr>
+          <p:cNvPr id="321" name="Rectangle 320"/>
+          <p:cNvSpPr/>
+          <p:nvPr/>
+        </p:nvSpPr>
+        <p:spPr>
+          <a:xfrm>
+            <a:off x="455443" y="2741893"/>
+            <a:ext cx="780983" cy="369332"/>
+          </a:xfrm>
+          <a:prstGeom prst="rect">
+            <a:avLst/>
+          </a:prstGeom>
+        </p:spPr>
+        <p:txBody>
+          <a:bodyPr wrap="none">
+            <a:spAutoFit/>
+          </a:bodyPr>
+          <a:lstStyle/>
+          <a:p>
+            <a:r>
+              <a:rPr lang="en-US" dirty="0"/>
+              <a:t>model</a:t>
+            </a:r>
+          </a:p>
+        </p:txBody>
+      </p:sp>
+      <p:sp>
+        <p:nvSpPr>
+          <p:cNvPr id="324" name="Rectangle 323"/>
+          <p:cNvSpPr/>
+          <p:nvPr/>
+        </p:nvSpPr>
+        <p:spPr>
+          <a:xfrm>
+            <a:off x="348327" y="14555318"/>
+            <a:ext cx="1056956" cy="369332"/>
+          </a:xfrm>
+          <a:prstGeom prst="rect">
+            <a:avLst/>
+          </a:prstGeom>
+        </p:spPr>
+        <p:txBody>
+          <a:bodyPr wrap="none">
+            <a:spAutoFit/>
+          </a:bodyPr>
+          <a:lstStyle/>
+          <a:p>
+            <a:r>
+              <a:rPr lang="en-US" dirty="0" smtClean="0">
+                <a:solidFill>
+                  <a:srgbClr val="FF0000"/>
+                </a:solidFill>
+              </a:rPr>
+              <a:t>Generate</a:t>
+            </a:r>
+            <a:endParaRPr lang="en-US" dirty="0">
+              <a:solidFill>
+                <a:srgbClr val="FF0000"/>
+              </a:solidFill>
+            </a:endParaRPr>
+          </a:p>
+        </p:txBody>
+      </p:sp>
+      <p:cxnSp>
+        <p:nvCxnSpPr>
+          <p:cNvPr id="326" name="Straight Connector 325"/>
+          <p:cNvCxnSpPr/>
+          <p:nvPr/>
+        </p:nvCxnSpPr>
+        <p:spPr>
+          <a:xfrm flipV="1">
+            <a:off x="0" y="7334250"/>
+            <a:ext cx="11795125" cy="72199"/>
+          </a:xfrm>
+          <a:prstGeom prst="line">
+            <a:avLst/>
+          </a:prstGeom>
+          <a:ln>
+            <a:solidFill>
+              <a:srgbClr val="FF0000"/>
+            </a:solidFill>
+            <a:prstDash val="dash"/>
+          </a:ln>
+        </p:spPr>
+        <p:style>
+          <a:lnRef idx="1">
+            <a:schemeClr val="accent1"/>
+          </a:lnRef>
+          <a:fillRef idx="0">
+            <a:schemeClr val="accent1"/>
+          </a:fillRef>
+          <a:effectRef idx="0">
+            <a:schemeClr val="accent1"/>
+          </a:effectRef>
+          <a:fontRef idx="minor">
+            <a:schemeClr val="tx1"/>
+          </a:fontRef>
+        </p:style>
+      </p:cxnSp>
+    </p:spTree>
+    <p:extLst>
+      <p:ext uri="{BB962C8B-B14F-4D97-AF65-F5344CB8AC3E}">
+        <p14:creationId xmlns:p14="http://schemas.microsoft.com/office/powerpoint/2010/main" val="2136072307"/>
+      </p:ext>
+    </p:extLst>
+  </p:cSld>
+  <p:clrMapOvr>
+    <a:masterClrMapping/>
+  </p:clrMapOvr>
+  <p:timing>
+    <p:tnLst>
+      <p:par>
+        <p:cTn id="1" dur="indefinite" restart="never" nodeType="tmRoot"/>
+      </p:par>
+    </p:tnLst>
+  </p:timing>
+</p:sld>
+</file>
+
+<file path=ppt/slides/slide16.xml><?xml version="1.0" encoding="utf-8"?>
+<p:sld xmlns:a="http://schemas.openxmlformats.org/drawingml/2006/main" xmlns:r="http://schemas.openxmlformats.org/officeDocument/2006/relationships" xmlns:p="http://schemas.openxmlformats.org/presentationml/2006/main">
+  <p:cSld>
+    <p:spTree>
+      <p:nvGrpSpPr>
+        <p:cNvPr id="1" name=""/>
+        <p:cNvGrpSpPr/>
+        <p:nvPr/>
+      </p:nvGrpSpPr>
+      <p:grpSpPr>
+        <a:xfrm>
+          <a:off x="0" y="0"/>
+          <a:ext cx="0" cy="0"/>
+          <a:chOff x="0" y="0"/>
+          <a:chExt cx="0" cy="0"/>
+        </a:xfrm>
+      </p:grpSpPr>
+      <p:sp>
+        <p:nvSpPr>
+          <p:cNvPr id="4" name="Rectangle 3"/>
+          <p:cNvSpPr/>
+          <p:nvPr/>
+        </p:nvSpPr>
+        <p:spPr>
+          <a:xfrm>
+            <a:off x="4511929" y="205059"/>
+            <a:ext cx="1797830" cy="721668"/>
+          </a:xfrm>
+          <a:prstGeom prst="rect">
+            <a:avLst/>
+          </a:prstGeom>
+          <a:noFill/>
+          <a:ln>
+            <a:solidFill>
+              <a:schemeClr val="tx1"/>
+            </a:solidFill>
+          </a:ln>
+        </p:spPr>
+        <p:style>
+          <a:lnRef idx="2">
+            <a:schemeClr val="accent1">
+              <a:shade val="50000"/>
+            </a:schemeClr>
+          </a:lnRef>
+          <a:fillRef idx="1">
+            <a:schemeClr val="accent1"/>
+          </a:fillRef>
+          <a:effectRef idx="0">
+            <a:schemeClr val="accent1"/>
+          </a:effectRef>
+          <a:fontRef idx="minor">
+            <a:schemeClr val="lt1"/>
+          </a:fontRef>
+        </p:style>
+        <p:txBody>
+          <a:bodyPr rot="0" spcFirstLastPara="0" vertOverflow="overflow" horzOverflow="overflow" vert="horz" wrap="square" lIns="212132" tIns="106066" rIns="212132" bIns="106066" numCol="1" spcCol="0" rtlCol="0" fromWordArt="0" anchor="ctr" anchorCtr="0" forceAA="0" compatLnSpc="1">
+            <a:prstTxWarp prst="textNoShape">
+              <a:avLst/>
+            </a:prstTxWarp>
+            <a:noAutofit/>
+          </a:bodyPr>
+          <a:lstStyle/>
+          <a:p>
+            <a:pPr algn="ctr"/>
+            <a:r>
+              <a:rPr lang="en-US" altLang="zh-CN" sz="2000" dirty="0">
+                <a:solidFill>
+                  <a:schemeClr val="tx1"/>
+                </a:solidFill>
+              </a:rPr>
+              <a:t>Resource</a:t>
+            </a:r>
+            <a:endParaRPr lang="en-US" sz="2000" dirty="0">
+              <a:solidFill>
+                <a:schemeClr val="tx1"/>
+              </a:solidFill>
+            </a:endParaRPr>
+          </a:p>
+        </p:txBody>
+      </p:sp>
+      <p:sp>
+        <p:nvSpPr>
+          <p:cNvPr id="5" name="Rectangle 4"/>
+          <p:cNvSpPr/>
+          <p:nvPr/>
+        </p:nvSpPr>
+        <p:spPr>
+          <a:xfrm>
+            <a:off x="4511929" y="1540034"/>
+            <a:ext cx="1797830" cy="809362"/>
+          </a:xfrm>
+          <a:prstGeom prst="rect">
+            <a:avLst/>
+          </a:prstGeom>
+          <a:noFill/>
+          <a:ln>
+            <a:solidFill>
+              <a:schemeClr val="tx1"/>
+            </a:solidFill>
+          </a:ln>
+        </p:spPr>
+        <p:style>
+          <a:lnRef idx="2">
+            <a:schemeClr val="accent1">
+              <a:shade val="50000"/>
+            </a:schemeClr>
+          </a:lnRef>
+          <a:fillRef idx="1">
+            <a:schemeClr val="accent1"/>
+          </a:fillRef>
+          <a:effectRef idx="0">
+            <a:schemeClr val="accent1"/>
+          </a:effectRef>
+          <a:fontRef idx="minor">
+            <a:schemeClr val="lt1"/>
+          </a:fontRef>
+        </p:style>
+        <p:txBody>
+          <a:bodyPr rot="0" spcFirstLastPara="0" vertOverflow="overflow" horzOverflow="overflow" vert="horz" wrap="square" lIns="212132" tIns="106066" rIns="212132" bIns="106066" numCol="1" spcCol="0" rtlCol="0" fromWordArt="0" anchor="ctr" anchorCtr="0" forceAA="0" compatLnSpc="1">
+            <a:prstTxWarp prst="textNoShape">
+              <a:avLst/>
+            </a:prstTxWarp>
+            <a:noAutofit/>
+          </a:bodyPr>
+          <a:lstStyle/>
+          <a:p>
+            <a:pPr algn="ctr"/>
+            <a:r>
+              <a:rPr lang="en-US" altLang="zh-CN" sz="2000" dirty="0">
+                <a:solidFill>
+                  <a:schemeClr val="tx1"/>
+                </a:solidFill>
+              </a:rPr>
+              <a:t>Parsed</a:t>
+            </a:r>
+          </a:p>
+          <a:p>
+            <a:pPr algn="ctr"/>
+            <a:r>
+              <a:rPr lang="en-US" sz="2000" dirty="0">
+                <a:solidFill>
+                  <a:schemeClr val="tx1"/>
+                </a:solidFill>
+              </a:rPr>
+              <a:t>Dataset</a:t>
+            </a:r>
+          </a:p>
+        </p:txBody>
+      </p:sp>
+      <p:sp>
+        <p:nvSpPr>
+          <p:cNvPr id="6" name="Rectangle 5"/>
+          <p:cNvSpPr/>
+          <p:nvPr/>
+        </p:nvSpPr>
+        <p:spPr>
+          <a:xfrm>
+            <a:off x="1411994" y="3080921"/>
+            <a:ext cx="1535517" cy="904837"/>
+          </a:xfrm>
+          <a:prstGeom prst="rect">
+            <a:avLst/>
+          </a:prstGeom>
+          <a:solidFill>
+            <a:schemeClr val="accent6">
+              <a:lumMod val="20000"/>
+              <a:lumOff val="80000"/>
+            </a:schemeClr>
+          </a:solidFill>
+          <a:ln>
+            <a:solidFill>
+              <a:schemeClr val="tx1"/>
+            </a:solidFill>
+          </a:ln>
+        </p:spPr>
+        <p:style>
+          <a:lnRef idx="2">
+            <a:schemeClr val="accent1">
+              <a:shade val="50000"/>
+            </a:schemeClr>
+          </a:lnRef>
+          <a:fillRef idx="1">
+            <a:schemeClr val="accent1"/>
+          </a:fillRef>
+          <a:effectRef idx="0">
+            <a:schemeClr val="accent1"/>
+          </a:effectRef>
+          <a:fontRef idx="minor">
+            <a:schemeClr val="lt1"/>
+          </a:fontRef>
+        </p:style>
+        <p:txBody>
+          <a:bodyPr rot="0" spcFirstLastPara="0" vertOverflow="overflow" horzOverflow="overflow" vert="horz" wrap="square" lIns="212132" tIns="106066" rIns="212132" bIns="106066" numCol="1" spcCol="0" rtlCol="0" fromWordArt="0" anchor="ctr" anchorCtr="0" forceAA="0" compatLnSpc="1">
+            <a:prstTxWarp prst="textNoShape">
+              <a:avLst/>
+            </a:prstTxWarp>
+            <a:noAutofit/>
+          </a:bodyPr>
+          <a:lstStyle/>
+          <a:p>
+            <a:pPr algn="ctr"/>
+            <a:r>
+              <a:rPr lang="en-US" altLang="zh-CN" sz="1600" dirty="0">
+                <a:solidFill>
+                  <a:schemeClr val="tx1"/>
+                </a:solidFill>
+              </a:rPr>
+              <a:t>H2OGBM</a:t>
+            </a:r>
+          </a:p>
+          <a:p>
+            <a:pPr algn="ctr"/>
+            <a:r>
+              <a:rPr lang="en-US" sz="1600" dirty="0">
+                <a:solidFill>
+                  <a:schemeClr val="tx1"/>
+                </a:solidFill>
+              </a:rPr>
+              <a:t>model</a:t>
+            </a:r>
+          </a:p>
+        </p:txBody>
+      </p:sp>
+      <p:sp>
+        <p:nvSpPr>
+          <p:cNvPr id="7" name="Rectangle 6"/>
+          <p:cNvSpPr/>
+          <p:nvPr/>
+        </p:nvSpPr>
+        <p:spPr>
+          <a:xfrm>
+            <a:off x="3827167" y="3128659"/>
+            <a:ext cx="1438845" cy="809362"/>
+          </a:xfrm>
+          <a:prstGeom prst="rect">
+            <a:avLst/>
+          </a:prstGeom>
+          <a:solidFill>
+            <a:schemeClr val="accent1">
+              <a:lumMod val="20000"/>
+              <a:lumOff val="80000"/>
+            </a:schemeClr>
+          </a:solidFill>
+          <a:ln>
+            <a:solidFill>
+              <a:schemeClr val="tx1"/>
+            </a:solidFill>
+          </a:ln>
+        </p:spPr>
+        <p:style>
+          <a:lnRef idx="2">
+            <a:schemeClr val="accent1">
+              <a:shade val="50000"/>
+            </a:schemeClr>
+          </a:lnRef>
+          <a:fillRef idx="1">
+            <a:schemeClr val="accent1"/>
+          </a:fillRef>
+          <a:effectRef idx="0">
+            <a:schemeClr val="accent1"/>
+          </a:effectRef>
+          <a:fontRef idx="minor">
+            <a:schemeClr val="lt1"/>
+          </a:fontRef>
+        </p:style>
+        <p:txBody>
+          <a:bodyPr rot="0" spcFirstLastPara="0" vertOverflow="overflow" horzOverflow="overflow" vert="horz" wrap="square" lIns="212132" tIns="106066" rIns="212132" bIns="106066" numCol="1" spcCol="0" rtlCol="0" fromWordArt="0" anchor="ctr" anchorCtr="0" forceAA="0" compatLnSpc="1">
+            <a:prstTxWarp prst="textNoShape">
+              <a:avLst/>
+            </a:prstTxWarp>
+            <a:noAutofit/>
+          </a:bodyPr>
+          <a:lstStyle/>
+          <a:p>
+            <a:pPr algn="ctr"/>
+            <a:r>
+              <a:rPr lang="en-US" altLang="zh-CN" sz="2000" dirty="0">
+                <a:solidFill>
+                  <a:schemeClr val="tx1"/>
+                </a:solidFill>
+              </a:rPr>
+              <a:t>Train </a:t>
+            </a:r>
+          </a:p>
+          <a:p>
+            <a:pPr algn="ctr"/>
+            <a:r>
+              <a:rPr lang="en-US" sz="2000" dirty="0">
+                <a:solidFill>
+                  <a:schemeClr val="tx1"/>
+                </a:solidFill>
+              </a:rPr>
+              <a:t>Dataset</a:t>
+            </a:r>
+            <a:endParaRPr lang="en-US" sz="2000" dirty="0">
+              <a:solidFill>
+                <a:schemeClr val="tx1"/>
+              </a:solidFill>
+            </a:endParaRPr>
+          </a:p>
+        </p:txBody>
+      </p:sp>
+      <p:sp>
+        <p:nvSpPr>
+          <p:cNvPr id="8" name="Rectangle 7"/>
+          <p:cNvSpPr/>
+          <p:nvPr/>
+        </p:nvSpPr>
+        <p:spPr>
+          <a:xfrm>
+            <a:off x="7746879" y="2998857"/>
+            <a:ext cx="1438845" cy="809362"/>
+          </a:xfrm>
+          <a:prstGeom prst="rect">
+            <a:avLst/>
+          </a:prstGeom>
+          <a:solidFill>
+            <a:schemeClr val="accent2">
+              <a:lumMod val="20000"/>
+              <a:lumOff val="80000"/>
+            </a:schemeClr>
+          </a:solidFill>
+          <a:ln>
+            <a:solidFill>
+              <a:schemeClr val="tx1"/>
+            </a:solidFill>
+          </a:ln>
+        </p:spPr>
+        <p:style>
+          <a:lnRef idx="2">
+            <a:schemeClr val="accent1">
+              <a:shade val="50000"/>
+            </a:schemeClr>
+          </a:lnRef>
+          <a:fillRef idx="1">
+            <a:schemeClr val="accent1"/>
+          </a:fillRef>
+          <a:effectRef idx="0">
+            <a:schemeClr val="accent1"/>
+          </a:effectRef>
+          <a:fontRef idx="minor">
+            <a:schemeClr val="lt1"/>
+          </a:fontRef>
+        </p:style>
+        <p:txBody>
+          <a:bodyPr rot="0" spcFirstLastPara="0" vertOverflow="overflow" horzOverflow="overflow" vert="horz" wrap="square" lIns="212132" tIns="106066" rIns="212132" bIns="106066" numCol="1" spcCol="0" rtlCol="0" fromWordArt="0" anchor="ctr" anchorCtr="0" forceAA="0" compatLnSpc="1">
+            <a:prstTxWarp prst="textNoShape">
+              <a:avLst/>
+            </a:prstTxWarp>
+            <a:noAutofit/>
+          </a:bodyPr>
+          <a:lstStyle/>
+          <a:p>
+            <a:pPr algn="ctr"/>
+            <a:r>
+              <a:rPr lang="en-US" altLang="zh-CN" sz="2000" dirty="0">
+                <a:solidFill>
+                  <a:schemeClr val="tx1"/>
+                </a:solidFill>
+              </a:rPr>
+              <a:t>Test</a:t>
+            </a:r>
+          </a:p>
+          <a:p>
+            <a:pPr algn="ctr"/>
+            <a:r>
+              <a:rPr lang="en-US" sz="2000" dirty="0">
+                <a:solidFill>
+                  <a:schemeClr val="tx1"/>
+                </a:solidFill>
+              </a:rPr>
+              <a:t>Dataset</a:t>
+            </a:r>
+            <a:endParaRPr lang="en-US" sz="2000" dirty="0">
+              <a:solidFill>
+                <a:schemeClr val="tx1"/>
+              </a:solidFill>
+            </a:endParaRPr>
+          </a:p>
+        </p:txBody>
+      </p:sp>
+      <p:cxnSp>
+        <p:nvCxnSpPr>
+          <p:cNvPr id="9" name="Straight Arrow Connector 8"/>
+          <p:cNvCxnSpPr>
+            <a:stCxn id="4" idx="2"/>
+            <a:endCxn id="5" idx="0"/>
+          </p:cNvCxnSpPr>
+          <p:nvPr/>
+        </p:nvCxnSpPr>
+        <p:spPr>
+          <a:xfrm>
+            <a:off x="5410844" y="926727"/>
+            <a:ext cx="0" cy="613307"/>
+          </a:xfrm>
+          <a:prstGeom prst="straightConnector1">
+            <a:avLst/>
+          </a:prstGeom>
+          <a:ln>
+            <a:tailEnd type="triangle"/>
+          </a:ln>
+        </p:spPr>
+        <p:style>
+          <a:lnRef idx="1">
+            <a:schemeClr val="accent1"/>
+          </a:lnRef>
+          <a:fillRef idx="0">
+            <a:schemeClr val="accent1"/>
+          </a:fillRef>
+          <a:effectRef idx="0">
+            <a:schemeClr val="accent1"/>
+          </a:effectRef>
+          <a:fontRef idx="minor">
+            <a:schemeClr val="tx1"/>
+          </a:fontRef>
+        </p:style>
+      </p:cxnSp>
+      <p:cxnSp>
+        <p:nvCxnSpPr>
+          <p:cNvPr id="10" name="Straight Arrow Connector 9"/>
+          <p:cNvCxnSpPr>
+            <a:stCxn id="5" idx="2"/>
+            <a:endCxn id="7" idx="0"/>
+          </p:cNvCxnSpPr>
+          <p:nvPr/>
+        </p:nvCxnSpPr>
+        <p:spPr>
+          <a:xfrm flipH="1">
+            <a:off x="4546590" y="2349396"/>
+            <a:ext cx="864254" cy="779263"/>
+          </a:xfrm>
+          <a:prstGeom prst="straightConnector1">
+            <a:avLst/>
+          </a:prstGeom>
+          <a:ln>
+            <a:tailEnd type="triangle"/>
+          </a:ln>
+        </p:spPr>
+        <p:style>
+          <a:lnRef idx="1">
+            <a:schemeClr val="accent1"/>
+          </a:lnRef>
+          <a:fillRef idx="0">
+            <a:schemeClr val="accent1"/>
+          </a:fillRef>
+          <a:effectRef idx="0">
+            <a:schemeClr val="accent1"/>
+          </a:effectRef>
+          <a:fontRef idx="minor">
+            <a:schemeClr val="tx1"/>
+          </a:fontRef>
+        </p:style>
+      </p:cxnSp>
+      <p:cxnSp>
+        <p:nvCxnSpPr>
+          <p:cNvPr id="11" name="Straight Arrow Connector 10"/>
+          <p:cNvCxnSpPr>
+            <a:stCxn id="5" idx="2"/>
+            <a:endCxn id="8" idx="0"/>
+          </p:cNvCxnSpPr>
+          <p:nvPr/>
+        </p:nvCxnSpPr>
+        <p:spPr>
+          <a:xfrm>
+            <a:off x="5410844" y="2349396"/>
+            <a:ext cx="3055458" cy="649461"/>
+          </a:xfrm>
+          <a:prstGeom prst="straightConnector1">
+            <a:avLst/>
+          </a:prstGeom>
+          <a:ln>
+            <a:tailEnd type="triangle"/>
+          </a:ln>
+        </p:spPr>
+        <p:style>
+          <a:lnRef idx="1">
+            <a:schemeClr val="accent1"/>
+          </a:lnRef>
+          <a:fillRef idx="0">
+            <a:schemeClr val="accent1"/>
+          </a:fillRef>
+          <a:effectRef idx="0">
+            <a:schemeClr val="accent1"/>
+          </a:effectRef>
+          <a:fontRef idx="minor">
+            <a:schemeClr val="tx1"/>
+          </a:fontRef>
+        </p:style>
+      </p:cxnSp>
+      <p:sp>
+        <p:nvSpPr>
+          <p:cNvPr id="12" name="Rectangle 11"/>
+          <p:cNvSpPr/>
+          <p:nvPr/>
+        </p:nvSpPr>
+        <p:spPr>
+          <a:xfrm>
+            <a:off x="4105827" y="4925910"/>
+            <a:ext cx="1438845" cy="809362"/>
+          </a:xfrm>
+          <a:prstGeom prst="rect">
+            <a:avLst/>
+          </a:prstGeom>
+          <a:solidFill>
+            <a:schemeClr val="accent2">
+              <a:lumMod val="20000"/>
+              <a:lumOff val="80000"/>
+            </a:schemeClr>
+          </a:solidFill>
+          <a:ln>
+            <a:solidFill>
+              <a:schemeClr val="tx1"/>
+            </a:solidFill>
+          </a:ln>
+        </p:spPr>
+        <p:style>
+          <a:lnRef idx="2">
+            <a:schemeClr val="accent1">
+              <a:shade val="50000"/>
+            </a:schemeClr>
+          </a:lnRef>
+          <a:fillRef idx="1">
+            <a:schemeClr val="accent1"/>
+          </a:fillRef>
+          <a:effectRef idx="0">
+            <a:schemeClr val="accent1"/>
+          </a:effectRef>
+          <a:fontRef idx="minor">
+            <a:schemeClr val="lt1"/>
+          </a:fontRef>
+        </p:style>
+        <p:txBody>
+          <a:bodyPr rot="0" spcFirstLastPara="0" vertOverflow="overflow" horzOverflow="overflow" vert="horz" wrap="square" lIns="212132" tIns="106066" rIns="212132" bIns="106066" numCol="1" spcCol="0" rtlCol="0" fromWordArt="0" anchor="ctr" anchorCtr="0" forceAA="0" compatLnSpc="1">
+            <a:prstTxWarp prst="textNoShape">
+              <a:avLst/>
+            </a:prstTxWarp>
+            <a:noAutofit/>
+          </a:bodyPr>
+          <a:lstStyle/>
+          <a:p>
+            <a:pPr algn="ctr"/>
+            <a:r>
+              <a:rPr lang="en-US" altLang="zh-CN" sz="2000" dirty="0" smtClean="0">
+                <a:solidFill>
+                  <a:schemeClr val="tx1"/>
+                </a:solidFill>
+              </a:rPr>
+              <a:t>Predicted</a:t>
+            </a:r>
+            <a:endParaRPr lang="en-US" altLang="zh-CN" sz="2000" dirty="0">
+              <a:solidFill>
+                <a:schemeClr val="tx1"/>
+              </a:solidFill>
+            </a:endParaRPr>
+          </a:p>
+          <a:p>
+            <a:pPr algn="ctr"/>
+            <a:r>
+              <a:rPr lang="en-US" sz="2000" dirty="0">
+                <a:solidFill>
+                  <a:schemeClr val="tx1"/>
+                </a:solidFill>
+              </a:rPr>
+              <a:t>Dataset</a:t>
+            </a:r>
+            <a:endParaRPr lang="en-US" sz="2000" dirty="0">
+              <a:solidFill>
+                <a:schemeClr val="tx1"/>
+              </a:solidFill>
+            </a:endParaRPr>
+          </a:p>
+        </p:txBody>
+      </p:sp>
+      <p:cxnSp>
+        <p:nvCxnSpPr>
+          <p:cNvPr id="14" name="Elbow Connector 13"/>
+          <p:cNvCxnSpPr>
+            <a:stCxn id="6" idx="2"/>
+            <a:endCxn id="12" idx="0"/>
+          </p:cNvCxnSpPr>
+          <p:nvPr/>
+        </p:nvCxnSpPr>
+        <p:spPr>
+          <a:xfrm rot="16200000" flipH="1">
+            <a:off x="3032425" y="3133085"/>
+            <a:ext cx="940152" cy="2645497"/>
+          </a:xfrm>
+          <a:prstGeom prst="bentConnector3">
+            <a:avLst/>
+          </a:prstGeom>
+          <a:ln>
+            <a:solidFill>
+              <a:schemeClr val="accent6">
+                <a:lumMod val="75000"/>
+              </a:schemeClr>
+            </a:solidFill>
+            <a:tailEnd type="triangle"/>
+          </a:ln>
+        </p:spPr>
+        <p:style>
+          <a:lnRef idx="1">
+            <a:schemeClr val="accent1"/>
+          </a:lnRef>
+          <a:fillRef idx="0">
+            <a:schemeClr val="accent1"/>
+          </a:fillRef>
+          <a:effectRef idx="0">
+            <a:schemeClr val="accent1"/>
+          </a:effectRef>
+          <a:fontRef idx="minor">
+            <a:schemeClr val="tx1"/>
+          </a:fontRef>
+        </p:style>
+      </p:cxnSp>
+      <p:cxnSp>
+        <p:nvCxnSpPr>
+          <p:cNvPr id="15" name="Elbow Connector 14"/>
+          <p:cNvCxnSpPr>
+            <a:stCxn id="8" idx="2"/>
+            <a:endCxn id="12" idx="0"/>
+          </p:cNvCxnSpPr>
+          <p:nvPr/>
+        </p:nvCxnSpPr>
+        <p:spPr>
+          <a:xfrm rot="5400000">
+            <a:off x="6086931" y="2546538"/>
+            <a:ext cx="1117691" cy="3641052"/>
+          </a:xfrm>
+          <a:prstGeom prst="bentConnector3">
+            <a:avLst>
+              <a:gd name="adj1" fmla="val 50000"/>
+            </a:avLst>
+          </a:prstGeom>
+          <a:ln>
+            <a:tailEnd type="triangle"/>
+          </a:ln>
+        </p:spPr>
+        <p:style>
+          <a:lnRef idx="1">
+            <a:schemeClr val="accent1"/>
+          </a:lnRef>
+          <a:fillRef idx="0">
+            <a:schemeClr val="accent1"/>
+          </a:fillRef>
+          <a:effectRef idx="0">
+            <a:schemeClr val="accent1"/>
+          </a:effectRef>
+          <a:fontRef idx="minor">
+            <a:schemeClr val="tx1"/>
+          </a:fontRef>
+        </p:style>
+      </p:cxnSp>
+      <p:sp>
+        <p:nvSpPr>
+          <p:cNvPr id="19" name="Rectangle 18"/>
+          <p:cNvSpPr/>
+          <p:nvPr/>
+        </p:nvSpPr>
+        <p:spPr>
+          <a:xfrm>
+            <a:off x="4420716" y="4093639"/>
+            <a:ext cx="845296" cy="369332"/>
+          </a:xfrm>
+          <a:prstGeom prst="rect">
+            <a:avLst/>
+          </a:prstGeom>
+        </p:spPr>
+        <p:txBody>
+          <a:bodyPr wrap="none">
+            <a:spAutoFit/>
+          </a:bodyPr>
+          <a:lstStyle/>
+          <a:p>
+            <a:r>
+              <a:rPr lang="en-US" dirty="0" smtClean="0">
+                <a:solidFill>
+                  <a:srgbClr val="FF0000"/>
+                </a:solidFill>
+              </a:rPr>
+              <a:t>Predict</a:t>
+            </a:r>
+            <a:endParaRPr lang="en-US" dirty="0">
+              <a:solidFill>
+                <a:srgbClr val="FF0000"/>
+              </a:solidFill>
+            </a:endParaRPr>
+          </a:p>
+        </p:txBody>
+      </p:sp>
+      <p:sp>
+        <p:nvSpPr>
+          <p:cNvPr id="20" name="Rectangle 19"/>
+          <p:cNvSpPr/>
+          <p:nvPr/>
+        </p:nvSpPr>
+        <p:spPr>
+          <a:xfrm>
+            <a:off x="4105827" y="6198211"/>
+            <a:ext cx="1438845" cy="809362"/>
+          </a:xfrm>
+          <a:prstGeom prst="rect">
+            <a:avLst/>
+          </a:prstGeom>
+          <a:solidFill>
+            <a:schemeClr val="accent2">
+              <a:lumMod val="20000"/>
+              <a:lumOff val="80000"/>
+            </a:schemeClr>
+          </a:solidFill>
+          <a:ln>
+            <a:solidFill>
+              <a:schemeClr val="tx1"/>
+            </a:solidFill>
+          </a:ln>
+        </p:spPr>
+        <p:style>
+          <a:lnRef idx="2">
+            <a:schemeClr val="accent1">
+              <a:shade val="50000"/>
+            </a:schemeClr>
+          </a:lnRef>
+          <a:fillRef idx="1">
+            <a:schemeClr val="accent1"/>
+          </a:fillRef>
+          <a:effectRef idx="0">
+            <a:schemeClr val="accent1"/>
+          </a:effectRef>
+          <a:fontRef idx="minor">
+            <a:schemeClr val="lt1"/>
+          </a:fontRef>
+        </p:style>
+        <p:txBody>
+          <a:bodyPr rot="0" spcFirstLastPara="0" vertOverflow="overflow" horzOverflow="overflow" vert="horz" wrap="square" lIns="212132" tIns="106066" rIns="212132" bIns="106066" numCol="1" spcCol="0" rtlCol="0" fromWordArt="0" anchor="ctr" anchorCtr="0" forceAA="0" compatLnSpc="1">
+            <a:prstTxWarp prst="textNoShape">
+              <a:avLst/>
+            </a:prstTxWarp>
+            <a:noAutofit/>
+          </a:bodyPr>
+          <a:lstStyle/>
+          <a:p>
+            <a:pPr algn="ctr"/>
+            <a:r>
+              <a:rPr lang="en-US" altLang="zh-CN" sz="2000" dirty="0" smtClean="0">
+                <a:solidFill>
+                  <a:schemeClr val="tx1"/>
+                </a:solidFill>
+              </a:rPr>
+              <a:t>Predicted</a:t>
+            </a:r>
+            <a:endParaRPr lang="en-US" altLang="zh-CN" sz="2000" dirty="0">
+              <a:solidFill>
+                <a:schemeClr val="tx1"/>
+              </a:solidFill>
+            </a:endParaRPr>
+          </a:p>
+          <a:p>
+            <a:pPr algn="ctr"/>
+            <a:r>
+              <a:rPr lang="en-US" sz="2000" dirty="0">
+                <a:solidFill>
+                  <a:schemeClr val="tx1"/>
+                </a:solidFill>
+              </a:rPr>
+              <a:t>Dataset</a:t>
+            </a:r>
+            <a:endParaRPr lang="en-US" sz="2000" dirty="0">
+              <a:solidFill>
+                <a:schemeClr val="tx1"/>
+              </a:solidFill>
+            </a:endParaRPr>
+          </a:p>
+        </p:txBody>
+      </p:sp>
+      <p:cxnSp>
+        <p:nvCxnSpPr>
+          <p:cNvPr id="22" name="Straight Arrow Connector 21"/>
+          <p:cNvCxnSpPr>
+            <a:stCxn id="12" idx="2"/>
+            <a:endCxn id="20" idx="0"/>
+          </p:cNvCxnSpPr>
+          <p:nvPr/>
+        </p:nvCxnSpPr>
+        <p:spPr>
+          <a:xfrm>
+            <a:off x="4825250" y="5735272"/>
+            <a:ext cx="0" cy="462939"/>
+          </a:xfrm>
+          <a:prstGeom prst="straightConnector1">
+            <a:avLst/>
+          </a:prstGeom>
+          <a:ln>
+            <a:tailEnd type="triangle"/>
+          </a:ln>
+        </p:spPr>
+        <p:style>
+          <a:lnRef idx="1">
+            <a:schemeClr val="accent1"/>
+          </a:lnRef>
+          <a:fillRef idx="0">
+            <a:schemeClr val="accent1"/>
+          </a:fillRef>
+          <a:effectRef idx="0">
+            <a:schemeClr val="accent1"/>
+          </a:effectRef>
+          <a:fontRef idx="minor">
+            <a:schemeClr val="tx1"/>
+          </a:fontRef>
+        </p:style>
+      </p:cxnSp>
+      <p:sp>
+        <p:nvSpPr>
+          <p:cNvPr id="23" name="TextBox 22"/>
+          <p:cNvSpPr txBox="1"/>
+          <p:nvPr/>
+        </p:nvSpPr>
+        <p:spPr>
+          <a:xfrm>
+            <a:off x="4843364" y="5797023"/>
+            <a:ext cx="2069957" cy="369332"/>
+          </a:xfrm>
+          <a:prstGeom prst="rect">
+            <a:avLst/>
+          </a:prstGeom>
+          <a:noFill/>
+        </p:spPr>
+        <p:txBody>
+          <a:bodyPr wrap="square" rtlCol="0">
+            <a:spAutoFit/>
+          </a:bodyPr>
+          <a:lstStyle/>
+          <a:p>
+            <a:r>
+              <a:rPr lang="en-US" dirty="0">
+                <a:solidFill>
+                  <a:srgbClr val="FF0000"/>
+                </a:solidFill>
+              </a:rPr>
+              <a:t>Drop 'predict','p0'</a:t>
+            </a:r>
+          </a:p>
+        </p:txBody>
+      </p:sp>
+      <p:sp>
+        <p:nvSpPr>
+          <p:cNvPr id="24" name="Rectangle 23"/>
+          <p:cNvSpPr/>
+          <p:nvPr/>
+        </p:nvSpPr>
+        <p:spPr>
+          <a:xfrm>
+            <a:off x="5055892" y="7654048"/>
+            <a:ext cx="2670982" cy="809362"/>
+          </a:xfrm>
+          <a:prstGeom prst="rect">
+            <a:avLst/>
+          </a:prstGeom>
+          <a:solidFill>
+            <a:schemeClr val="accent2">
+              <a:lumMod val="20000"/>
+              <a:lumOff val="80000"/>
+            </a:schemeClr>
+          </a:solidFill>
+          <a:ln>
+            <a:solidFill>
+              <a:schemeClr val="tx1"/>
+            </a:solidFill>
+          </a:ln>
+        </p:spPr>
+        <p:style>
+          <a:lnRef idx="2">
+            <a:schemeClr val="accent1">
+              <a:shade val="50000"/>
+            </a:schemeClr>
+          </a:lnRef>
+          <a:fillRef idx="1">
+            <a:schemeClr val="accent1"/>
+          </a:fillRef>
+          <a:effectRef idx="0">
+            <a:schemeClr val="accent1"/>
+          </a:effectRef>
+          <a:fontRef idx="minor">
+            <a:schemeClr val="lt1"/>
+          </a:fontRef>
+        </p:style>
+        <p:txBody>
+          <a:bodyPr rot="0" spcFirstLastPara="0" vertOverflow="overflow" horzOverflow="overflow" vert="horz" wrap="square" lIns="212132" tIns="106066" rIns="212132" bIns="106066" numCol="1" spcCol="0" rtlCol="0" fromWordArt="0" anchor="ctr" anchorCtr="0" forceAA="0" compatLnSpc="1">
+            <a:prstTxWarp prst="textNoShape">
+              <a:avLst/>
+            </a:prstTxWarp>
+            <a:noAutofit/>
+          </a:bodyPr>
+          <a:lstStyle/>
+          <a:p>
+            <a:pPr algn="ctr"/>
+            <a:r>
+              <a:rPr lang="en-US" altLang="zh-CN" sz="2000" dirty="0" smtClean="0">
+                <a:solidFill>
+                  <a:schemeClr val="tx1"/>
+                </a:solidFill>
+              </a:rPr>
+              <a:t>Predicted </a:t>
+            </a:r>
+            <a:r>
+              <a:rPr lang="en-US" sz="2000" dirty="0" smtClean="0">
+                <a:solidFill>
+                  <a:schemeClr val="tx1"/>
+                </a:solidFill>
+              </a:rPr>
+              <a:t>Dataset+</a:t>
+            </a:r>
+          </a:p>
+          <a:p>
+            <a:pPr algn="ctr"/>
+            <a:r>
+              <a:rPr lang="en-US" sz="2000" dirty="0" smtClean="0">
+                <a:solidFill>
+                  <a:schemeClr val="tx1"/>
+                </a:solidFill>
+              </a:rPr>
+              <a:t>p1</a:t>
+            </a:r>
+            <a:endParaRPr lang="en-US" sz="2000" dirty="0">
+              <a:solidFill>
+                <a:schemeClr val="tx1"/>
+              </a:solidFill>
+            </a:endParaRPr>
+          </a:p>
+        </p:txBody>
+      </p:sp>
+      <p:sp>
+        <p:nvSpPr>
+          <p:cNvPr id="25" name="Rectangle 24"/>
+          <p:cNvSpPr/>
+          <p:nvPr/>
+        </p:nvSpPr>
+        <p:spPr>
+          <a:xfrm>
+            <a:off x="5468942" y="8490821"/>
+            <a:ext cx="1769780" cy="369332"/>
+          </a:xfrm>
+          <a:prstGeom prst="rect">
+            <a:avLst/>
+          </a:prstGeom>
+        </p:spPr>
+        <p:txBody>
+          <a:bodyPr wrap="none">
+            <a:spAutoFit/>
+          </a:bodyPr>
+          <a:lstStyle/>
+          <a:p>
+            <a:r>
+              <a:rPr lang="en-US" dirty="0"/>
+              <a:t>practical_sample</a:t>
+            </a:r>
+          </a:p>
+        </p:txBody>
+      </p:sp>
+      <p:cxnSp>
+        <p:nvCxnSpPr>
+          <p:cNvPr id="27" name="Elbow Connector 26"/>
+          <p:cNvCxnSpPr>
+            <a:stCxn id="8" idx="2"/>
+            <a:endCxn id="24" idx="0"/>
+          </p:cNvCxnSpPr>
+          <p:nvPr/>
+        </p:nvCxnSpPr>
+        <p:spPr>
+          <a:xfrm rot="5400000">
+            <a:off x="5505929" y="4693674"/>
+            <a:ext cx="3845829" cy="2074919"/>
+          </a:xfrm>
+          <a:prstGeom prst="bentConnector3">
+            <a:avLst>
+              <a:gd name="adj1" fmla="val 50000"/>
+            </a:avLst>
+          </a:prstGeom>
+          <a:ln>
+            <a:tailEnd type="triangle"/>
+          </a:ln>
+        </p:spPr>
+        <p:style>
+          <a:lnRef idx="1">
+            <a:schemeClr val="accent1"/>
+          </a:lnRef>
+          <a:fillRef idx="0">
+            <a:schemeClr val="accent1"/>
+          </a:fillRef>
+          <a:effectRef idx="0">
+            <a:schemeClr val="accent1"/>
+          </a:effectRef>
+          <a:fontRef idx="minor">
+            <a:schemeClr val="tx1"/>
+          </a:fontRef>
+        </p:style>
+      </p:cxnSp>
+      <p:cxnSp>
+        <p:nvCxnSpPr>
+          <p:cNvPr id="30" name="Elbow Connector 29"/>
+          <p:cNvCxnSpPr>
+            <a:stCxn id="20" idx="2"/>
+            <a:endCxn id="24" idx="0"/>
+          </p:cNvCxnSpPr>
+          <p:nvPr/>
+        </p:nvCxnSpPr>
+        <p:spPr>
+          <a:xfrm rot="16200000" flipH="1">
+            <a:off x="5285079" y="6547743"/>
+            <a:ext cx="646475" cy="1566133"/>
+          </a:xfrm>
+          <a:prstGeom prst="bentConnector3">
+            <a:avLst/>
+          </a:prstGeom>
+          <a:ln>
+            <a:tailEnd type="triangle"/>
+          </a:ln>
+        </p:spPr>
+        <p:style>
+          <a:lnRef idx="1">
+            <a:schemeClr val="accent1"/>
+          </a:lnRef>
+          <a:fillRef idx="0">
+            <a:schemeClr val="accent1"/>
+          </a:fillRef>
+          <a:effectRef idx="0">
+            <a:schemeClr val="accent1"/>
+          </a:effectRef>
+          <a:fontRef idx="minor">
+            <a:schemeClr val="tx1"/>
+          </a:fontRef>
+        </p:style>
+      </p:cxnSp>
+      <p:sp>
+        <p:nvSpPr>
+          <p:cNvPr id="31" name="Rectangle 30"/>
+          <p:cNvSpPr/>
+          <p:nvPr/>
+        </p:nvSpPr>
+        <p:spPr>
+          <a:xfrm>
+            <a:off x="5810422" y="6961522"/>
+            <a:ext cx="998671" cy="369332"/>
+          </a:xfrm>
+          <a:prstGeom prst="rect">
+            <a:avLst/>
+          </a:prstGeom>
+        </p:spPr>
+        <p:txBody>
+          <a:bodyPr wrap="none">
+            <a:spAutoFit/>
+          </a:bodyPr>
+          <a:lstStyle/>
+          <a:p>
+            <a:r>
+              <a:rPr lang="en-US" dirty="0">
+                <a:solidFill>
+                  <a:srgbClr val="FF0000"/>
+                </a:solidFill>
+              </a:rPr>
+              <a:t>combine</a:t>
+            </a:r>
+          </a:p>
+        </p:txBody>
+      </p:sp>
+      <p:sp>
+        <p:nvSpPr>
+          <p:cNvPr id="32" name="Rectangle 31"/>
+          <p:cNvSpPr/>
+          <p:nvPr/>
+        </p:nvSpPr>
+        <p:spPr>
+          <a:xfrm>
+            <a:off x="5634409" y="9511251"/>
+            <a:ext cx="1438845" cy="809362"/>
+          </a:xfrm>
+          <a:prstGeom prst="rect">
+            <a:avLst/>
+          </a:prstGeom>
+          <a:solidFill>
+            <a:schemeClr val="accent2">
+              <a:lumMod val="20000"/>
+              <a:lumOff val="80000"/>
+            </a:schemeClr>
+          </a:solidFill>
+          <a:ln>
+            <a:solidFill>
+              <a:schemeClr val="tx1"/>
+            </a:solidFill>
+          </a:ln>
+        </p:spPr>
+        <p:style>
+          <a:lnRef idx="2">
+            <a:schemeClr val="accent1">
+              <a:shade val="50000"/>
+            </a:schemeClr>
+          </a:lnRef>
+          <a:fillRef idx="1">
+            <a:schemeClr val="accent1"/>
+          </a:fillRef>
+          <a:effectRef idx="0">
+            <a:schemeClr val="accent1"/>
+          </a:effectRef>
+          <a:fontRef idx="minor">
+            <a:schemeClr val="lt1"/>
+          </a:fontRef>
+        </p:style>
+        <p:txBody>
+          <a:bodyPr rot="0" spcFirstLastPara="0" vertOverflow="overflow" horzOverflow="overflow" vert="horz" wrap="square" lIns="212132" tIns="106066" rIns="212132" bIns="106066" numCol="1" spcCol="0" rtlCol="0" fromWordArt="0" anchor="ctr" anchorCtr="0" forceAA="0" compatLnSpc="1">
+            <a:prstTxWarp prst="textNoShape">
+              <a:avLst/>
+            </a:prstTxWarp>
+            <a:noAutofit/>
+          </a:bodyPr>
+          <a:lstStyle/>
+          <a:p>
+            <a:pPr algn="ctr"/>
+            <a:r>
+              <a:rPr lang="en-US" altLang="zh-CN" sz="2000" dirty="0" smtClean="0">
+                <a:solidFill>
+                  <a:schemeClr val="tx1"/>
+                </a:solidFill>
+              </a:rPr>
+              <a:t>Predicted</a:t>
+            </a:r>
+            <a:endParaRPr lang="en-US" altLang="zh-CN" sz="2000" dirty="0">
+              <a:solidFill>
+                <a:schemeClr val="tx1"/>
+              </a:solidFill>
+            </a:endParaRPr>
+          </a:p>
+          <a:p>
+            <a:pPr algn="ctr"/>
+            <a:r>
+              <a:rPr lang="en-US" sz="2000" dirty="0">
+                <a:solidFill>
+                  <a:schemeClr val="tx1"/>
+                </a:solidFill>
+              </a:rPr>
+              <a:t>Dataset</a:t>
+            </a:r>
+            <a:endParaRPr lang="en-US" sz="2000" dirty="0">
+              <a:solidFill>
+                <a:schemeClr val="tx1"/>
+              </a:solidFill>
+            </a:endParaRPr>
+          </a:p>
+        </p:txBody>
+      </p:sp>
+      <p:cxnSp>
+        <p:nvCxnSpPr>
+          <p:cNvPr id="34" name="Straight Arrow Connector 33"/>
+          <p:cNvCxnSpPr>
+            <a:stCxn id="25" idx="2"/>
+            <a:endCxn id="32" idx="0"/>
+          </p:cNvCxnSpPr>
+          <p:nvPr/>
+        </p:nvCxnSpPr>
+        <p:spPr>
+          <a:xfrm>
+            <a:off x="6353832" y="8860153"/>
+            <a:ext cx="0" cy="651098"/>
+          </a:xfrm>
+          <a:prstGeom prst="straightConnector1">
+            <a:avLst/>
+          </a:prstGeom>
+          <a:ln>
+            <a:tailEnd type="triangle"/>
+          </a:ln>
+        </p:spPr>
+        <p:style>
+          <a:lnRef idx="1">
+            <a:schemeClr val="accent1"/>
+          </a:lnRef>
+          <a:fillRef idx="0">
+            <a:schemeClr val="accent1"/>
+          </a:fillRef>
+          <a:effectRef idx="0">
+            <a:schemeClr val="accent1"/>
+          </a:effectRef>
+          <a:fontRef idx="minor">
+            <a:schemeClr val="tx1"/>
+          </a:fontRef>
+        </p:style>
+      </p:cxnSp>
+      <p:sp>
+        <p:nvSpPr>
+          <p:cNvPr id="35" name="Rectangle 34"/>
+          <p:cNvSpPr/>
+          <p:nvPr/>
+        </p:nvSpPr>
+        <p:spPr>
+          <a:xfrm>
+            <a:off x="5299418" y="9037685"/>
+            <a:ext cx="2183931" cy="369332"/>
+          </a:xfrm>
+          <a:prstGeom prst="rect">
+            <a:avLst/>
+          </a:prstGeom>
+          <a:solidFill>
+            <a:srgbClr val="FFFF00"/>
+          </a:solidFill>
+        </p:spPr>
+        <p:txBody>
+          <a:bodyPr wrap="none">
+            <a:spAutoFit/>
+          </a:bodyPr>
+          <a:lstStyle/>
+          <a:p>
+            <a:r>
+              <a:rPr lang="en-US" dirty="0">
+                <a:solidFill>
+                  <a:srgbClr val="FF0000"/>
+                </a:solidFill>
+              </a:rPr>
+              <a:t>Filter &amp; keep ‘female’</a:t>
+            </a:r>
+          </a:p>
+        </p:txBody>
+      </p:sp>
+      <p:sp>
+        <p:nvSpPr>
+          <p:cNvPr id="37" name="Rectangle 36"/>
+          <p:cNvSpPr/>
+          <p:nvPr/>
+        </p:nvSpPr>
+        <p:spPr>
+          <a:xfrm>
+            <a:off x="1686286" y="9561301"/>
+            <a:ext cx="1736878" cy="835764"/>
+          </a:xfrm>
+          <a:prstGeom prst="rect">
+            <a:avLst/>
+          </a:prstGeom>
+          <a:solidFill>
+            <a:schemeClr val="accent6">
+              <a:lumMod val="20000"/>
+              <a:lumOff val="80000"/>
+            </a:schemeClr>
+          </a:solidFill>
+          <a:ln>
+            <a:solidFill>
+              <a:schemeClr val="tx1"/>
+            </a:solidFill>
+          </a:ln>
+        </p:spPr>
+        <p:style>
+          <a:lnRef idx="2">
+            <a:schemeClr val="accent1">
+              <a:shade val="50000"/>
+            </a:schemeClr>
+          </a:lnRef>
+          <a:fillRef idx="1">
+            <a:schemeClr val="accent1"/>
+          </a:fillRef>
+          <a:effectRef idx="0">
+            <a:schemeClr val="accent1"/>
+          </a:effectRef>
+          <a:fontRef idx="minor">
+            <a:schemeClr val="lt1"/>
+          </a:fontRef>
+        </p:style>
+        <p:txBody>
+          <a:bodyPr rtlCol="0" anchor="ctr"/>
+          <a:lstStyle/>
+          <a:p>
+            <a:pPr algn="ctr"/>
+            <a:r>
+              <a:rPr lang="en-US" altLang="zh-CN" dirty="0">
+                <a:solidFill>
+                  <a:schemeClr val="tx1"/>
+                </a:solidFill>
+              </a:rPr>
+              <a:t>H2OGeneralizedLinearEstimator</a:t>
+            </a:r>
+            <a:endParaRPr lang="en-US" dirty="0">
+              <a:solidFill>
+                <a:schemeClr val="tx1"/>
+              </a:solidFill>
+            </a:endParaRPr>
+          </a:p>
+        </p:txBody>
+      </p:sp>
+      <p:sp>
+        <p:nvSpPr>
+          <p:cNvPr id="38" name="Rectangle 37"/>
+          <p:cNvSpPr/>
+          <p:nvPr/>
+        </p:nvSpPr>
+        <p:spPr>
+          <a:xfrm>
+            <a:off x="2969898" y="11264313"/>
+            <a:ext cx="3421486" cy="926616"/>
+          </a:xfrm>
+          <a:prstGeom prst="rect">
+            <a:avLst/>
+          </a:prstGeom>
+          <a:solidFill>
+            <a:schemeClr val="accent2">
+              <a:lumMod val="20000"/>
+              <a:lumOff val="80000"/>
+            </a:schemeClr>
+          </a:solidFill>
+          <a:ln>
+            <a:solidFill>
+              <a:schemeClr val="tx1"/>
+            </a:solidFill>
+          </a:ln>
+        </p:spPr>
+        <p:style>
+          <a:lnRef idx="2">
+            <a:schemeClr val="accent1">
+              <a:shade val="50000"/>
+            </a:schemeClr>
+          </a:lnRef>
+          <a:fillRef idx="1">
+            <a:schemeClr val="accent1"/>
+          </a:fillRef>
+          <a:effectRef idx="0">
+            <a:schemeClr val="accent1"/>
+          </a:effectRef>
+          <a:fontRef idx="minor">
+            <a:schemeClr val="lt1"/>
+          </a:fontRef>
+        </p:style>
+        <p:txBody>
+          <a:bodyPr rot="0" spcFirstLastPara="0" vertOverflow="overflow" horzOverflow="overflow" vert="horz" wrap="square" lIns="212132" tIns="106066" rIns="212132" bIns="106066" numCol="1" spcCol="0" rtlCol="0" fromWordArt="0" anchor="ctr" anchorCtr="0" forceAA="0" compatLnSpc="1">
+            <a:prstTxWarp prst="textNoShape">
+              <a:avLst/>
+            </a:prstTxWarp>
+            <a:noAutofit/>
+          </a:bodyPr>
+          <a:lstStyle/>
+          <a:p>
+            <a:pPr algn="ctr"/>
+            <a:r>
+              <a:rPr lang="en-US" dirty="0">
+                <a:solidFill>
+                  <a:schemeClr val="tx1"/>
+                </a:solidFill>
+              </a:rPr>
+              <a:t>Relationship</a:t>
+            </a:r>
+            <a:r>
+              <a:rPr lang="en-US" dirty="0" smtClean="0">
+                <a:solidFill>
+                  <a:schemeClr val="tx1"/>
+                </a:solidFill>
+              </a:rPr>
+              <a:t>:</a:t>
+            </a:r>
+          </a:p>
+          <a:p>
+            <a:pPr algn="ctr"/>
+            <a:endParaRPr lang="en-US" dirty="0">
+              <a:solidFill>
+                <a:schemeClr val="tx1"/>
+              </a:solidFill>
+            </a:endParaRPr>
+          </a:p>
+          <a:p>
+            <a:pPr algn="ctr"/>
+            <a:endParaRPr lang="en-US" dirty="0">
+              <a:solidFill>
+                <a:schemeClr val="tx1"/>
+              </a:solidFill>
+            </a:endParaRPr>
+          </a:p>
+        </p:txBody>
+      </p:sp>
+      <p:sp>
+        <p:nvSpPr>
+          <p:cNvPr id="39" name="Rectangle 38"/>
+          <p:cNvSpPr/>
+          <p:nvPr/>
+        </p:nvSpPr>
+        <p:spPr>
+          <a:xfrm>
+            <a:off x="3056896" y="11659397"/>
+            <a:ext cx="1558089" cy="460905"/>
+          </a:xfrm>
+          <a:prstGeom prst="rect">
+            <a:avLst/>
+          </a:prstGeom>
+          <a:solidFill>
+            <a:schemeClr val="accent2">
+              <a:lumMod val="20000"/>
+              <a:lumOff val="80000"/>
+            </a:schemeClr>
+          </a:solidFill>
+          <a:ln>
+            <a:solidFill>
+              <a:schemeClr val="tx1"/>
+            </a:solidFill>
+          </a:ln>
+        </p:spPr>
+        <p:style>
+          <a:lnRef idx="2">
+            <a:schemeClr val="accent1">
+              <a:shade val="50000"/>
+            </a:schemeClr>
+          </a:lnRef>
+          <a:fillRef idx="1">
+            <a:schemeClr val="accent1"/>
+          </a:fillRef>
+          <a:effectRef idx="0">
+            <a:schemeClr val="accent1"/>
+          </a:effectRef>
+          <a:fontRef idx="minor">
+            <a:schemeClr val="lt1"/>
+          </a:fontRef>
+        </p:style>
+        <p:txBody>
+          <a:bodyPr rot="0" spcFirstLastPara="0" vertOverflow="overflow" horzOverflow="overflow" vert="horz" wrap="square" lIns="212132" tIns="106066" rIns="212132" bIns="106066" numCol="1" spcCol="0" rtlCol="0" fromWordArt="0" anchor="ctr" anchorCtr="0" forceAA="0" compatLnSpc="1">
+            <a:prstTxWarp prst="textNoShape">
+              <a:avLst/>
+            </a:prstTxWarp>
+            <a:noAutofit/>
+          </a:bodyPr>
+          <a:lstStyle/>
+          <a:p>
+            <a:pPr algn="ctr"/>
+            <a:r>
+              <a:rPr lang="en-US" dirty="0" smtClean="0">
+                <a:solidFill>
+                  <a:schemeClr val="tx1"/>
+                </a:solidFill>
+              </a:rPr>
+              <a:t>X: Variables</a:t>
+            </a:r>
+            <a:endParaRPr lang="en-US" dirty="0">
+              <a:solidFill>
+                <a:schemeClr val="tx1"/>
+              </a:solidFill>
+            </a:endParaRPr>
+          </a:p>
+        </p:txBody>
+      </p:sp>
+      <p:sp>
+        <p:nvSpPr>
+          <p:cNvPr id="40" name="Rectangle 39"/>
+          <p:cNvSpPr/>
+          <p:nvPr/>
+        </p:nvSpPr>
+        <p:spPr>
+          <a:xfrm>
+            <a:off x="4607753" y="11659397"/>
+            <a:ext cx="1652319" cy="460905"/>
+          </a:xfrm>
+          <a:prstGeom prst="rect">
+            <a:avLst/>
+          </a:prstGeom>
+          <a:solidFill>
+            <a:schemeClr val="accent2">
+              <a:lumMod val="20000"/>
+              <a:lumOff val="80000"/>
+            </a:schemeClr>
+          </a:solidFill>
+          <a:ln>
+            <a:solidFill>
+              <a:schemeClr val="tx1"/>
+            </a:solidFill>
+          </a:ln>
+        </p:spPr>
+        <p:style>
+          <a:lnRef idx="2">
+            <a:schemeClr val="accent1">
+              <a:shade val="50000"/>
+            </a:schemeClr>
+          </a:lnRef>
+          <a:fillRef idx="1">
+            <a:schemeClr val="accent1"/>
+          </a:fillRef>
+          <a:effectRef idx="0">
+            <a:schemeClr val="accent1"/>
+          </a:effectRef>
+          <a:fontRef idx="minor">
+            <a:schemeClr val="lt1"/>
+          </a:fontRef>
+        </p:style>
+        <p:txBody>
+          <a:bodyPr rot="0" spcFirstLastPara="0" vertOverflow="overflow" horzOverflow="overflow" vert="horz" wrap="square" lIns="212132" tIns="106066" rIns="212132" bIns="106066" numCol="1" spcCol="0" rtlCol="0" fromWordArt="0" anchor="ctr" anchorCtr="0" forceAA="0" compatLnSpc="1">
+            <a:prstTxWarp prst="textNoShape">
+              <a:avLst/>
+            </a:prstTxWarp>
+            <a:noAutofit/>
+          </a:bodyPr>
+          <a:lstStyle/>
+          <a:p>
+            <a:pPr algn="ctr"/>
+            <a:r>
+              <a:rPr lang="en-US" dirty="0" smtClean="0">
+                <a:solidFill>
+                  <a:schemeClr val="tx1"/>
+                </a:solidFill>
+              </a:rPr>
+              <a:t>y: Prediction</a:t>
+            </a:r>
+            <a:endParaRPr lang="en-US" dirty="0">
+              <a:solidFill>
+                <a:schemeClr val="tx1"/>
+              </a:solidFill>
+            </a:endParaRPr>
+          </a:p>
+        </p:txBody>
+      </p:sp>
+      <p:cxnSp>
+        <p:nvCxnSpPr>
+          <p:cNvPr id="42" name="Elbow Connector 41"/>
+          <p:cNvCxnSpPr>
+            <a:stCxn id="37" idx="2"/>
+            <a:endCxn id="38" idx="0"/>
+          </p:cNvCxnSpPr>
+          <p:nvPr/>
+        </p:nvCxnSpPr>
+        <p:spPr>
+          <a:xfrm rot="16200000" flipH="1">
+            <a:off x="3184059" y="9767731"/>
+            <a:ext cx="867248" cy="2125916"/>
+          </a:xfrm>
+          <a:prstGeom prst="bentConnector3">
+            <a:avLst/>
+          </a:prstGeom>
+          <a:ln>
+            <a:solidFill>
+              <a:schemeClr val="accent6">
+                <a:lumMod val="75000"/>
+              </a:schemeClr>
+            </a:solidFill>
+            <a:tailEnd type="triangle"/>
+          </a:ln>
+        </p:spPr>
+        <p:style>
+          <a:lnRef idx="1">
+            <a:schemeClr val="accent1"/>
+          </a:lnRef>
+          <a:fillRef idx="0">
+            <a:schemeClr val="accent1"/>
+          </a:fillRef>
+          <a:effectRef idx="0">
+            <a:schemeClr val="accent1"/>
+          </a:effectRef>
+          <a:fontRef idx="minor">
+            <a:schemeClr val="tx1"/>
+          </a:fontRef>
+        </p:style>
+      </p:cxnSp>
+      <p:cxnSp>
+        <p:nvCxnSpPr>
+          <p:cNvPr id="44" name="Elbow Connector 43"/>
+          <p:cNvCxnSpPr>
+            <a:stCxn id="32" idx="2"/>
+            <a:endCxn id="38" idx="0"/>
+          </p:cNvCxnSpPr>
+          <p:nvPr/>
+        </p:nvCxnSpPr>
+        <p:spPr>
+          <a:xfrm rot="5400000">
+            <a:off x="5045387" y="9955868"/>
+            <a:ext cx="943700" cy="1673191"/>
+          </a:xfrm>
+          <a:prstGeom prst="bentConnector3">
+            <a:avLst/>
+          </a:prstGeom>
+          <a:ln>
+            <a:tailEnd type="triangle"/>
+          </a:ln>
+        </p:spPr>
+        <p:style>
+          <a:lnRef idx="1">
+            <a:schemeClr val="accent1"/>
+          </a:lnRef>
+          <a:fillRef idx="0">
+            <a:schemeClr val="accent1"/>
+          </a:fillRef>
+          <a:effectRef idx="0">
+            <a:schemeClr val="accent1"/>
+          </a:effectRef>
+          <a:fontRef idx="minor">
+            <a:schemeClr val="tx1"/>
+          </a:fontRef>
+        </p:style>
+      </p:cxnSp>
+      <p:sp>
+        <p:nvSpPr>
+          <p:cNvPr id="45" name="Rectangle 44"/>
+          <p:cNvSpPr/>
+          <p:nvPr/>
+        </p:nvSpPr>
+        <p:spPr>
+          <a:xfrm>
+            <a:off x="5461031" y="10276691"/>
+            <a:ext cx="1769780" cy="369332"/>
+          </a:xfrm>
+          <a:prstGeom prst="rect">
+            <a:avLst/>
+          </a:prstGeom>
+        </p:spPr>
+        <p:txBody>
+          <a:bodyPr wrap="none">
+            <a:spAutoFit/>
+          </a:bodyPr>
+          <a:lstStyle/>
+          <a:p>
+            <a:r>
+              <a:rPr lang="en-US" dirty="0"/>
+              <a:t>practical_sample</a:t>
+            </a:r>
+          </a:p>
+        </p:txBody>
+      </p:sp>
+      <p:sp>
+        <p:nvSpPr>
+          <p:cNvPr id="46" name="Rectangle 45"/>
+          <p:cNvSpPr/>
+          <p:nvPr/>
+        </p:nvSpPr>
+        <p:spPr>
+          <a:xfrm>
+            <a:off x="2743583" y="12616703"/>
+            <a:ext cx="1471115" cy="460905"/>
+          </a:xfrm>
+          <a:prstGeom prst="rect">
+            <a:avLst/>
+          </a:prstGeom>
+          <a:solidFill>
+            <a:schemeClr val="accent2">
+              <a:lumMod val="20000"/>
+              <a:lumOff val="80000"/>
+            </a:schemeClr>
+          </a:solidFill>
+          <a:ln>
+            <a:solidFill>
+              <a:schemeClr val="tx1"/>
+            </a:solidFill>
+          </a:ln>
+        </p:spPr>
+        <p:style>
+          <a:lnRef idx="2">
+            <a:schemeClr val="accent1">
+              <a:shade val="50000"/>
+            </a:schemeClr>
+          </a:lnRef>
+          <a:fillRef idx="1">
+            <a:schemeClr val="accent1"/>
+          </a:fillRef>
+          <a:effectRef idx="0">
+            <a:schemeClr val="accent1"/>
+          </a:effectRef>
+          <a:fontRef idx="minor">
+            <a:schemeClr val="lt1"/>
+          </a:fontRef>
+        </p:style>
+        <p:txBody>
+          <a:bodyPr rot="0" spcFirstLastPara="0" vertOverflow="overflow" horzOverflow="overflow" vert="horz" wrap="square" lIns="212132" tIns="106066" rIns="212132" bIns="106066" numCol="1" spcCol="0" rtlCol="0" fromWordArt="0" anchor="ctr" anchorCtr="0" forceAA="0" compatLnSpc="1">
+            <a:prstTxWarp prst="textNoShape">
+              <a:avLst/>
+            </a:prstTxWarp>
+            <a:noAutofit/>
+          </a:bodyPr>
+          <a:lstStyle/>
+          <a:p>
+            <a:pPr algn="ctr"/>
+            <a:r>
+              <a:rPr lang="en-US" dirty="0">
+                <a:solidFill>
+                  <a:schemeClr val="tx1"/>
+                </a:solidFill>
+              </a:rPr>
+              <a:t>Coefficient</a:t>
+            </a:r>
+          </a:p>
+        </p:txBody>
+      </p:sp>
+      <p:sp>
+        <p:nvSpPr>
+          <p:cNvPr id="47" name="Rectangle 46"/>
+          <p:cNvSpPr/>
+          <p:nvPr/>
+        </p:nvSpPr>
+        <p:spPr>
+          <a:xfrm>
+            <a:off x="4987869" y="12597272"/>
+            <a:ext cx="1471115" cy="460905"/>
+          </a:xfrm>
+          <a:prstGeom prst="rect">
+            <a:avLst/>
+          </a:prstGeom>
+          <a:solidFill>
+            <a:schemeClr val="accent2">
+              <a:lumMod val="20000"/>
+              <a:lumOff val="80000"/>
+            </a:schemeClr>
+          </a:solidFill>
+          <a:ln>
+            <a:solidFill>
+              <a:schemeClr val="tx1"/>
+            </a:solidFill>
+          </a:ln>
+        </p:spPr>
+        <p:style>
+          <a:lnRef idx="2">
+            <a:schemeClr val="accent1">
+              <a:shade val="50000"/>
+            </a:schemeClr>
+          </a:lnRef>
+          <a:fillRef idx="1">
+            <a:schemeClr val="accent1"/>
+          </a:fillRef>
+          <a:effectRef idx="0">
+            <a:schemeClr val="accent1"/>
+          </a:effectRef>
+          <a:fontRef idx="minor">
+            <a:schemeClr val="lt1"/>
+          </a:fontRef>
+        </p:style>
+        <p:txBody>
+          <a:bodyPr rot="0" spcFirstLastPara="0" vertOverflow="overflow" horzOverflow="overflow" vert="horz" wrap="square" lIns="212132" tIns="106066" rIns="212132" bIns="106066" numCol="1" spcCol="0" rtlCol="0" fromWordArt="0" anchor="ctr" anchorCtr="0" forceAA="0" compatLnSpc="1">
+            <a:prstTxWarp prst="textNoShape">
+              <a:avLst/>
+            </a:prstTxWarp>
+            <a:noAutofit/>
+          </a:bodyPr>
+          <a:lstStyle/>
+          <a:p>
+            <a:pPr algn="ctr"/>
+            <a:r>
+              <a:rPr lang="en-US" dirty="0">
+                <a:solidFill>
+                  <a:schemeClr val="tx1"/>
+                </a:solidFill>
+              </a:rPr>
+              <a:t>R-Square</a:t>
+            </a:r>
+          </a:p>
+        </p:txBody>
+      </p:sp>
+      <p:cxnSp>
+        <p:nvCxnSpPr>
+          <p:cNvPr id="48" name="Straight Arrow Connector 47"/>
+          <p:cNvCxnSpPr>
+            <a:stCxn id="38" idx="2"/>
+            <a:endCxn id="46" idx="0"/>
+          </p:cNvCxnSpPr>
+          <p:nvPr/>
+        </p:nvCxnSpPr>
+        <p:spPr>
+          <a:xfrm flipH="1">
+            <a:off x="3479141" y="12190929"/>
+            <a:ext cx="1201500" cy="425774"/>
+          </a:xfrm>
+          <a:prstGeom prst="straightConnector1">
+            <a:avLst/>
+          </a:prstGeom>
+          <a:ln>
+            <a:tailEnd type="triangle"/>
+          </a:ln>
+        </p:spPr>
+        <p:style>
+          <a:lnRef idx="1">
+            <a:schemeClr val="accent1"/>
+          </a:lnRef>
+          <a:fillRef idx="0">
+            <a:schemeClr val="accent1"/>
+          </a:fillRef>
+          <a:effectRef idx="0">
+            <a:schemeClr val="accent1"/>
+          </a:effectRef>
+          <a:fontRef idx="minor">
+            <a:schemeClr val="tx1"/>
+          </a:fontRef>
+        </p:style>
+      </p:cxnSp>
+      <p:cxnSp>
+        <p:nvCxnSpPr>
+          <p:cNvPr id="49" name="Straight Arrow Connector 48"/>
+          <p:cNvCxnSpPr>
+            <a:stCxn id="38" idx="2"/>
+            <a:endCxn id="47" idx="0"/>
+          </p:cNvCxnSpPr>
+          <p:nvPr/>
+        </p:nvCxnSpPr>
+        <p:spPr>
+          <a:xfrm>
+            <a:off x="4680641" y="12190929"/>
+            <a:ext cx="1042786" cy="406343"/>
+          </a:xfrm>
+          <a:prstGeom prst="straightConnector1">
+            <a:avLst/>
+          </a:prstGeom>
+          <a:ln>
+            <a:tailEnd type="triangle"/>
+          </a:ln>
+        </p:spPr>
+        <p:style>
+          <a:lnRef idx="1">
+            <a:schemeClr val="accent1"/>
+          </a:lnRef>
+          <a:fillRef idx="0">
+            <a:schemeClr val="accent1"/>
+          </a:fillRef>
+          <a:effectRef idx="0">
+            <a:schemeClr val="accent1"/>
+          </a:effectRef>
+          <a:fontRef idx="minor">
+            <a:schemeClr val="tx1"/>
+          </a:fontRef>
+        </p:style>
+      </p:cxnSp>
+      <p:sp>
+        <p:nvSpPr>
+          <p:cNvPr id="53" name="Rectangle 52"/>
+          <p:cNvSpPr/>
+          <p:nvPr/>
+        </p:nvSpPr>
+        <p:spPr>
+          <a:xfrm>
+            <a:off x="6664916" y="13085911"/>
+            <a:ext cx="1438845" cy="809362"/>
+          </a:xfrm>
+          <a:prstGeom prst="rect">
+            <a:avLst/>
+          </a:prstGeom>
+          <a:solidFill>
+            <a:schemeClr val="accent2">
+              <a:lumMod val="20000"/>
+              <a:lumOff val="80000"/>
+            </a:schemeClr>
+          </a:solidFill>
+          <a:ln>
+            <a:solidFill>
+              <a:schemeClr val="tx1"/>
+            </a:solidFill>
+          </a:ln>
+        </p:spPr>
+        <p:style>
+          <a:lnRef idx="2">
+            <a:schemeClr val="accent1">
+              <a:shade val="50000"/>
+            </a:schemeClr>
+          </a:lnRef>
+          <a:fillRef idx="1">
+            <a:schemeClr val="accent1"/>
+          </a:fillRef>
+          <a:effectRef idx="0">
+            <a:schemeClr val="accent1"/>
+          </a:effectRef>
+          <a:fontRef idx="minor">
+            <a:schemeClr val="lt1"/>
+          </a:fontRef>
+        </p:style>
+        <p:txBody>
+          <a:bodyPr rot="0" spcFirstLastPara="0" vertOverflow="overflow" horzOverflow="overflow" vert="horz" wrap="square" lIns="212132" tIns="106066" rIns="212132" bIns="106066" numCol="1" spcCol="0" rtlCol="0" fromWordArt="0" anchor="ctr" anchorCtr="0" forceAA="0" compatLnSpc="1">
+            <a:prstTxWarp prst="textNoShape">
+              <a:avLst/>
+            </a:prstTxWarp>
+            <a:noAutofit/>
+          </a:bodyPr>
+          <a:lstStyle/>
+          <a:p>
+            <a:pPr algn="ctr"/>
+            <a:r>
+              <a:rPr lang="en-US" altLang="zh-CN" sz="2000" dirty="0" smtClean="0">
+                <a:solidFill>
+                  <a:schemeClr val="tx1"/>
+                </a:solidFill>
+              </a:rPr>
+              <a:t>Predicted</a:t>
+            </a:r>
+            <a:endParaRPr lang="en-US" altLang="zh-CN" sz="2000" dirty="0">
+              <a:solidFill>
+                <a:schemeClr val="tx1"/>
+              </a:solidFill>
+            </a:endParaRPr>
+          </a:p>
+          <a:p>
+            <a:pPr algn="ctr"/>
+            <a:r>
+              <a:rPr lang="en-US" sz="2000" dirty="0">
+                <a:solidFill>
+                  <a:schemeClr val="tx1"/>
+                </a:solidFill>
+              </a:rPr>
+              <a:t>Dataset</a:t>
+            </a:r>
+            <a:endParaRPr lang="en-US" sz="2000" dirty="0">
+              <a:solidFill>
+                <a:schemeClr val="tx1"/>
+              </a:solidFill>
+            </a:endParaRPr>
+          </a:p>
+        </p:txBody>
+      </p:sp>
+      <p:sp>
+        <p:nvSpPr>
+          <p:cNvPr id="54" name="Rectangle 53"/>
+          <p:cNvSpPr/>
+          <p:nvPr/>
+        </p:nvSpPr>
+        <p:spPr>
+          <a:xfrm>
+            <a:off x="6491538" y="13851351"/>
+            <a:ext cx="1769780" cy="369332"/>
+          </a:xfrm>
+          <a:prstGeom prst="rect">
+            <a:avLst/>
+          </a:prstGeom>
+        </p:spPr>
+        <p:txBody>
+          <a:bodyPr wrap="none">
+            <a:spAutoFit/>
+          </a:bodyPr>
+          <a:lstStyle/>
+          <a:p>
+            <a:r>
+              <a:rPr lang="en-US" smtClean="0"/>
+              <a:t>practical_sample</a:t>
+            </a:r>
+            <a:endParaRPr lang="en-US" dirty="0"/>
+          </a:p>
+        </p:txBody>
+      </p:sp>
+      <p:cxnSp>
+        <p:nvCxnSpPr>
+          <p:cNvPr id="56" name="Elbow Connector 55"/>
+          <p:cNvCxnSpPr>
+            <a:stCxn id="32" idx="3"/>
+            <a:endCxn id="53" idx="0"/>
+          </p:cNvCxnSpPr>
+          <p:nvPr/>
+        </p:nvCxnSpPr>
+        <p:spPr>
+          <a:xfrm>
+            <a:off x="7073254" y="9915932"/>
+            <a:ext cx="311085" cy="3169979"/>
+          </a:xfrm>
+          <a:prstGeom prst="bentConnector2">
+            <a:avLst/>
+          </a:prstGeom>
+          <a:ln>
+            <a:tailEnd type="triangle"/>
+          </a:ln>
+        </p:spPr>
+        <p:style>
+          <a:lnRef idx="1">
+            <a:schemeClr val="accent1"/>
+          </a:lnRef>
+          <a:fillRef idx="0">
+            <a:schemeClr val="accent1"/>
+          </a:fillRef>
+          <a:effectRef idx="0">
+            <a:schemeClr val="accent1"/>
+          </a:effectRef>
+          <a:fontRef idx="minor">
+            <a:schemeClr val="tx1"/>
+          </a:fontRef>
+        </p:style>
+      </p:cxnSp>
+      <p:cxnSp>
+        <p:nvCxnSpPr>
+          <p:cNvPr id="58" name="Elbow Connector 57"/>
+          <p:cNvCxnSpPr>
+            <a:stCxn id="38" idx="3"/>
+            <a:endCxn id="53" idx="0"/>
+          </p:cNvCxnSpPr>
+          <p:nvPr/>
+        </p:nvCxnSpPr>
+        <p:spPr>
+          <a:xfrm>
+            <a:off x="6391384" y="11727621"/>
+            <a:ext cx="992955" cy="1358290"/>
+          </a:xfrm>
+          <a:prstGeom prst="bentConnector2">
+            <a:avLst/>
+          </a:prstGeom>
+          <a:ln>
+            <a:tailEnd type="triangle"/>
+          </a:ln>
+        </p:spPr>
+        <p:style>
+          <a:lnRef idx="1">
+            <a:schemeClr val="accent1"/>
+          </a:lnRef>
+          <a:fillRef idx="0">
+            <a:schemeClr val="accent1"/>
+          </a:fillRef>
+          <a:effectRef idx="0">
+            <a:schemeClr val="accent1"/>
+          </a:effectRef>
+          <a:fontRef idx="minor">
+            <a:schemeClr val="tx1"/>
+          </a:fontRef>
+        </p:style>
+      </p:cxnSp>
+      <p:sp>
+        <p:nvSpPr>
+          <p:cNvPr id="59" name="Rectangle 58"/>
+          <p:cNvSpPr/>
+          <p:nvPr/>
+        </p:nvSpPr>
+        <p:spPr>
+          <a:xfrm>
+            <a:off x="6664916" y="11402211"/>
+            <a:ext cx="998671" cy="369332"/>
+          </a:xfrm>
+          <a:prstGeom prst="rect">
+            <a:avLst/>
+          </a:prstGeom>
+        </p:spPr>
+        <p:txBody>
+          <a:bodyPr wrap="none">
+            <a:spAutoFit/>
+          </a:bodyPr>
+          <a:lstStyle/>
+          <a:p>
+            <a:r>
+              <a:rPr lang="en-US" dirty="0">
+                <a:solidFill>
+                  <a:srgbClr val="FF0000"/>
+                </a:solidFill>
+              </a:rPr>
+              <a:t>combine</a:t>
+            </a:r>
+          </a:p>
+        </p:txBody>
+      </p:sp>
+      <p:sp>
+        <p:nvSpPr>
+          <p:cNvPr id="66" name="Rectangle 65"/>
+          <p:cNvSpPr/>
+          <p:nvPr/>
+        </p:nvSpPr>
+        <p:spPr>
+          <a:xfrm>
+            <a:off x="6657005" y="14747107"/>
+            <a:ext cx="1438845" cy="809362"/>
+          </a:xfrm>
+          <a:prstGeom prst="rect">
+            <a:avLst/>
+          </a:prstGeom>
+          <a:solidFill>
+            <a:schemeClr val="accent2">
+              <a:lumMod val="20000"/>
+              <a:lumOff val="80000"/>
+            </a:schemeClr>
+          </a:solidFill>
+          <a:ln>
+            <a:solidFill>
+              <a:schemeClr val="tx1"/>
+            </a:solidFill>
+          </a:ln>
+        </p:spPr>
+        <p:style>
+          <a:lnRef idx="2">
+            <a:schemeClr val="accent1">
+              <a:shade val="50000"/>
+            </a:schemeClr>
+          </a:lnRef>
+          <a:fillRef idx="1">
+            <a:schemeClr val="accent1"/>
+          </a:fillRef>
+          <a:effectRef idx="0">
+            <a:schemeClr val="accent1"/>
+          </a:effectRef>
+          <a:fontRef idx="minor">
+            <a:schemeClr val="lt1"/>
+          </a:fontRef>
+        </p:style>
+        <p:txBody>
+          <a:bodyPr rot="0" spcFirstLastPara="0" vertOverflow="overflow" horzOverflow="overflow" vert="horz" wrap="square" lIns="212132" tIns="106066" rIns="212132" bIns="106066" numCol="1" spcCol="0" rtlCol="0" fromWordArt="0" anchor="ctr" anchorCtr="0" forceAA="0" compatLnSpc="1">
+            <a:prstTxWarp prst="textNoShape">
+              <a:avLst/>
+            </a:prstTxWarp>
+            <a:noAutofit/>
+          </a:bodyPr>
+          <a:lstStyle/>
+          <a:p>
+            <a:pPr algn="ctr"/>
+            <a:r>
+              <a:rPr lang="en-US" altLang="zh-CN" sz="2000" dirty="0" smtClean="0">
+                <a:solidFill>
+                  <a:schemeClr val="tx1"/>
+                </a:solidFill>
+              </a:rPr>
+              <a:t>Predicted</a:t>
+            </a:r>
+            <a:endParaRPr lang="en-US" altLang="zh-CN" sz="2000" dirty="0">
+              <a:solidFill>
+                <a:schemeClr val="tx1"/>
+              </a:solidFill>
+            </a:endParaRPr>
+          </a:p>
+          <a:p>
+            <a:pPr algn="ctr"/>
+            <a:r>
+              <a:rPr lang="en-US" sz="2000" dirty="0">
+                <a:solidFill>
+                  <a:schemeClr val="tx1"/>
+                </a:solidFill>
+              </a:rPr>
+              <a:t>Dataset</a:t>
+            </a:r>
+            <a:endParaRPr lang="en-US" sz="2000" dirty="0">
+              <a:solidFill>
+                <a:schemeClr val="tx1"/>
+              </a:solidFill>
+            </a:endParaRPr>
+          </a:p>
+        </p:txBody>
+      </p:sp>
+      <p:sp>
+        <p:nvSpPr>
+          <p:cNvPr id="67" name="Rectangle 66"/>
+          <p:cNvSpPr/>
+          <p:nvPr/>
+        </p:nvSpPr>
+        <p:spPr>
+          <a:xfrm>
+            <a:off x="6479825" y="15540594"/>
+            <a:ext cx="1769780" cy="369332"/>
+          </a:xfrm>
+          <a:prstGeom prst="rect">
+            <a:avLst/>
+          </a:prstGeom>
+        </p:spPr>
+        <p:txBody>
+          <a:bodyPr wrap="none">
+            <a:spAutoFit/>
+          </a:bodyPr>
+          <a:lstStyle/>
+          <a:p>
+            <a:r>
+              <a:rPr lang="en-US" dirty="0"/>
+              <a:t>practical_sample</a:t>
+            </a:r>
+          </a:p>
+        </p:txBody>
+      </p:sp>
+      <p:cxnSp>
+        <p:nvCxnSpPr>
+          <p:cNvPr id="69" name="Straight Arrow Connector 68"/>
+          <p:cNvCxnSpPr>
+            <a:stCxn id="54" idx="2"/>
+            <a:endCxn id="66" idx="0"/>
+          </p:cNvCxnSpPr>
+          <p:nvPr/>
+        </p:nvCxnSpPr>
+        <p:spPr>
+          <a:xfrm>
+            <a:off x="7376428" y="14220683"/>
+            <a:ext cx="0" cy="526424"/>
+          </a:xfrm>
+          <a:prstGeom prst="straightConnector1">
+            <a:avLst/>
+          </a:prstGeom>
+          <a:ln>
+            <a:tailEnd type="triangle"/>
+          </a:ln>
+        </p:spPr>
+        <p:style>
+          <a:lnRef idx="1">
+            <a:schemeClr val="accent1"/>
+          </a:lnRef>
+          <a:fillRef idx="0">
+            <a:schemeClr val="accent1"/>
+          </a:fillRef>
+          <a:effectRef idx="0">
+            <a:schemeClr val="accent1"/>
+          </a:effectRef>
+          <a:fontRef idx="minor">
+            <a:schemeClr val="tx1"/>
+          </a:fontRef>
+        </p:style>
+      </p:cxnSp>
+      <p:sp>
+        <p:nvSpPr>
+          <p:cNvPr id="71" name="Rectangle 70"/>
+          <p:cNvSpPr/>
+          <p:nvPr/>
+        </p:nvSpPr>
+        <p:spPr>
+          <a:xfrm>
+            <a:off x="7321465" y="14316869"/>
+            <a:ext cx="2113271" cy="369332"/>
+          </a:xfrm>
+          <a:prstGeom prst="rect">
+            <a:avLst/>
+          </a:prstGeom>
+        </p:spPr>
+        <p:txBody>
+          <a:bodyPr wrap="none">
+            <a:spAutoFit/>
+          </a:bodyPr>
+          <a:lstStyle/>
+          <a:p>
+            <a:r>
+              <a:rPr lang="en-US" dirty="0">
+                <a:solidFill>
+                  <a:srgbClr val="FF0000"/>
+                </a:solidFill>
+              </a:rPr>
+              <a:t>Keep 'predict</a:t>
+            </a:r>
+            <a:r>
+              <a:rPr lang="en-US" dirty="0" smtClean="0">
+                <a:solidFill>
+                  <a:srgbClr val="FF0000"/>
+                </a:solidFill>
+              </a:rPr>
+              <a:t>‘ Target</a:t>
+            </a:r>
+            <a:endParaRPr lang="en-US" dirty="0">
+              <a:solidFill>
+                <a:srgbClr val="FF0000"/>
+              </a:solidFill>
+            </a:endParaRPr>
+          </a:p>
+        </p:txBody>
+      </p:sp>
+      <p:sp>
+        <p:nvSpPr>
+          <p:cNvPr id="72" name="Rectangle 71"/>
+          <p:cNvSpPr/>
+          <p:nvPr/>
+        </p:nvSpPr>
+        <p:spPr>
+          <a:xfrm>
+            <a:off x="3866877" y="12166088"/>
+            <a:ext cx="1594154" cy="369332"/>
+          </a:xfrm>
+          <a:prstGeom prst="rect">
+            <a:avLst/>
+          </a:prstGeom>
+        </p:spPr>
+        <p:txBody>
+          <a:bodyPr wrap="none">
+            <a:spAutoFit/>
+          </a:bodyPr>
+          <a:lstStyle/>
+          <a:p>
+            <a:r>
+              <a:rPr lang="en-US" dirty="0" smtClean="0">
+                <a:solidFill>
+                  <a:srgbClr val="FF0000"/>
+                </a:solidFill>
+              </a:rPr>
+              <a:t>Predict dataset</a:t>
+            </a:r>
+            <a:endParaRPr lang="en-US" dirty="0">
+              <a:solidFill>
+                <a:srgbClr val="FF0000"/>
+              </a:solidFill>
+            </a:endParaRPr>
+          </a:p>
+        </p:txBody>
+      </p:sp>
+      <p:pic>
+        <p:nvPicPr>
+          <p:cNvPr id="73" name="Picture 72"/>
+          <p:cNvPicPr>
+            <a:picLocks noChangeAspect="1"/>
+          </p:cNvPicPr>
+          <p:nvPr/>
+        </p:nvPicPr>
+        <p:blipFill>
+          <a:blip r:embed="rId2"/>
+          <a:stretch>
+            <a:fillRect/>
+          </a:stretch>
+        </p:blipFill>
+        <p:spPr>
+          <a:xfrm>
+            <a:off x="8718031" y="11198363"/>
+            <a:ext cx="2942868" cy="2046942"/>
+          </a:xfrm>
+          <a:prstGeom prst="rect">
+            <a:avLst/>
+          </a:prstGeom>
+        </p:spPr>
+      </p:pic>
+      <p:cxnSp>
+        <p:nvCxnSpPr>
+          <p:cNvPr id="75" name="Elbow Connector 74"/>
+          <p:cNvCxnSpPr>
+            <a:stCxn id="66" idx="3"/>
+            <a:endCxn id="73" idx="2"/>
+          </p:cNvCxnSpPr>
+          <p:nvPr/>
+        </p:nvCxnSpPr>
+        <p:spPr>
+          <a:xfrm flipV="1">
+            <a:off x="8095850" y="13245305"/>
+            <a:ext cx="2093615" cy="1906483"/>
+          </a:xfrm>
+          <a:prstGeom prst="bentConnector2">
+            <a:avLst/>
+          </a:prstGeom>
+          <a:ln>
+            <a:tailEnd type="triangle"/>
+          </a:ln>
+        </p:spPr>
+        <p:style>
+          <a:lnRef idx="1">
+            <a:schemeClr val="accent1"/>
+          </a:lnRef>
+          <a:fillRef idx="0">
+            <a:schemeClr val="accent1"/>
+          </a:fillRef>
+          <a:effectRef idx="0">
+            <a:schemeClr val="accent1"/>
+          </a:effectRef>
+          <a:fontRef idx="minor">
+            <a:schemeClr val="tx1"/>
+          </a:fontRef>
+        </p:style>
+      </p:cxnSp>
+      <p:cxnSp>
+        <p:nvCxnSpPr>
+          <p:cNvPr id="76" name="Straight Arrow Connector 75"/>
+          <p:cNvCxnSpPr>
+            <a:stCxn id="7" idx="1"/>
+            <a:endCxn id="6" idx="3"/>
+          </p:cNvCxnSpPr>
+          <p:nvPr/>
+        </p:nvCxnSpPr>
+        <p:spPr>
+          <a:xfrm flipH="1">
+            <a:off x="2947511" y="3533340"/>
+            <a:ext cx="879656" cy="0"/>
+          </a:xfrm>
+          <a:prstGeom prst="straightConnector1">
+            <a:avLst/>
+          </a:prstGeom>
+          <a:ln>
+            <a:tailEnd type="triangle"/>
+          </a:ln>
+        </p:spPr>
+        <p:style>
+          <a:lnRef idx="1">
+            <a:schemeClr val="accent1"/>
+          </a:lnRef>
+          <a:fillRef idx="0">
+            <a:schemeClr val="accent1"/>
+          </a:fillRef>
+          <a:effectRef idx="0">
+            <a:schemeClr val="accent1"/>
+          </a:effectRef>
+          <a:fontRef idx="minor">
+            <a:schemeClr val="tx1"/>
+          </a:fontRef>
+        </p:style>
+      </p:cxnSp>
+      <p:sp>
+        <p:nvSpPr>
+          <p:cNvPr id="77" name="Rectangle 76"/>
+          <p:cNvSpPr/>
+          <p:nvPr/>
+        </p:nvSpPr>
+        <p:spPr>
+          <a:xfrm>
+            <a:off x="3101505" y="3218872"/>
+            <a:ext cx="643318" cy="369332"/>
+          </a:xfrm>
+          <a:prstGeom prst="rect">
+            <a:avLst/>
+          </a:prstGeom>
+        </p:spPr>
+        <p:txBody>
+          <a:bodyPr wrap="none">
+            <a:spAutoFit/>
+          </a:bodyPr>
+          <a:lstStyle/>
+          <a:p>
+            <a:r>
+              <a:rPr lang="en-US" dirty="0">
+                <a:solidFill>
+                  <a:srgbClr val="FF0000"/>
+                </a:solidFill>
+              </a:rPr>
+              <a:t>Train</a:t>
+            </a:r>
+          </a:p>
+        </p:txBody>
+      </p:sp>
+      <p:sp>
+        <p:nvSpPr>
+          <p:cNvPr id="90" name="Rectangle 89"/>
+          <p:cNvSpPr/>
+          <p:nvPr/>
+        </p:nvSpPr>
+        <p:spPr>
+          <a:xfrm>
+            <a:off x="4342295" y="10401170"/>
+            <a:ext cx="643318" cy="369332"/>
+          </a:xfrm>
+          <a:prstGeom prst="rect">
+            <a:avLst/>
+          </a:prstGeom>
+        </p:spPr>
+        <p:txBody>
+          <a:bodyPr wrap="none">
+            <a:spAutoFit/>
+          </a:bodyPr>
+          <a:lstStyle/>
+          <a:p>
+            <a:r>
+              <a:rPr lang="en-US" dirty="0">
+                <a:solidFill>
+                  <a:srgbClr val="FF0000"/>
+                </a:solidFill>
+              </a:rPr>
+              <a:t>Train</a:t>
+            </a:r>
+          </a:p>
+        </p:txBody>
+      </p:sp>
+      <p:sp>
+        <p:nvSpPr>
+          <p:cNvPr id="91" name="Rectangle 90"/>
+          <p:cNvSpPr/>
+          <p:nvPr/>
+        </p:nvSpPr>
+        <p:spPr>
+          <a:xfrm>
+            <a:off x="1986709" y="9191968"/>
+            <a:ext cx="1197444" cy="369332"/>
+          </a:xfrm>
+          <a:prstGeom prst="rect">
+            <a:avLst/>
+          </a:prstGeom>
+        </p:spPr>
+        <p:txBody>
+          <a:bodyPr wrap="none">
+            <a:spAutoFit/>
+          </a:bodyPr>
+          <a:lstStyle/>
+          <a:p>
+            <a:r>
+              <a:rPr lang="en-US" dirty="0"/>
+              <a:t>local_glm2</a:t>
+            </a:r>
+          </a:p>
+        </p:txBody>
+      </p:sp>
+      <p:sp>
+        <p:nvSpPr>
+          <p:cNvPr id="92" name="Rectangle 91"/>
+          <p:cNvSpPr/>
+          <p:nvPr/>
+        </p:nvSpPr>
+        <p:spPr>
+          <a:xfrm>
+            <a:off x="432944" y="4877539"/>
+            <a:ext cx="1438845" cy="619832"/>
+          </a:xfrm>
+          <a:prstGeom prst="rect">
+            <a:avLst/>
+          </a:prstGeom>
+          <a:solidFill>
+            <a:schemeClr val="accent2">
+              <a:lumMod val="20000"/>
+              <a:lumOff val="80000"/>
+            </a:schemeClr>
+          </a:solidFill>
+          <a:ln>
+            <a:solidFill>
+              <a:schemeClr val="tx1"/>
+            </a:solidFill>
+          </a:ln>
+        </p:spPr>
+        <p:style>
+          <a:lnRef idx="2">
+            <a:schemeClr val="accent1">
+              <a:shade val="50000"/>
+            </a:schemeClr>
+          </a:lnRef>
+          <a:fillRef idx="1">
+            <a:schemeClr val="accent1"/>
+          </a:fillRef>
+          <a:effectRef idx="0">
+            <a:schemeClr val="accent1"/>
+          </a:effectRef>
+          <a:fontRef idx="minor">
+            <a:schemeClr val="lt1"/>
+          </a:fontRef>
+        </p:style>
+        <p:txBody>
+          <a:bodyPr rot="0" spcFirstLastPara="0" vertOverflow="overflow" horzOverflow="overflow" vert="horz" wrap="square" lIns="212132" tIns="106066" rIns="212132" bIns="106066" numCol="1" spcCol="0" rtlCol="0" fromWordArt="0" anchor="ctr" anchorCtr="0" forceAA="0" compatLnSpc="1">
+            <a:prstTxWarp prst="textNoShape">
+              <a:avLst/>
+            </a:prstTxWarp>
+            <a:noAutofit/>
+          </a:bodyPr>
+          <a:lstStyle/>
+          <a:p>
+            <a:pPr algn="ctr"/>
+            <a:r>
+              <a:rPr lang="en-US" dirty="0">
+                <a:solidFill>
+                  <a:schemeClr val="tx1"/>
+                </a:solidFill>
+              </a:rPr>
+              <a:t>Riskiest User</a:t>
+            </a:r>
+          </a:p>
+        </p:txBody>
+      </p:sp>
+      <p:cxnSp>
+        <p:nvCxnSpPr>
+          <p:cNvPr id="93" name="Straight Connector 92"/>
+          <p:cNvCxnSpPr>
+            <a:stCxn id="92" idx="0"/>
+            <a:endCxn id="8" idx="2"/>
+          </p:cNvCxnSpPr>
+          <p:nvPr/>
+        </p:nvCxnSpPr>
+        <p:spPr>
+          <a:xfrm flipV="1">
+            <a:off x="1152367" y="3808219"/>
+            <a:ext cx="7313935" cy="1069320"/>
+          </a:xfrm>
+          <a:prstGeom prst="line">
+            <a:avLst/>
+          </a:prstGeom>
+        </p:spPr>
+        <p:style>
+          <a:lnRef idx="1">
+            <a:schemeClr val="accent1"/>
+          </a:lnRef>
+          <a:fillRef idx="0">
+            <a:schemeClr val="accent1"/>
+          </a:fillRef>
+          <a:effectRef idx="0">
+            <a:schemeClr val="accent1"/>
+          </a:effectRef>
+          <a:fontRef idx="minor">
+            <a:schemeClr val="tx1"/>
+          </a:fontRef>
+        </p:style>
+      </p:cxnSp>
+      <p:sp>
+        <p:nvSpPr>
+          <p:cNvPr id="94" name="Rectangle 93"/>
+          <p:cNvSpPr/>
+          <p:nvPr/>
+        </p:nvSpPr>
+        <p:spPr>
+          <a:xfrm>
+            <a:off x="373334" y="5514693"/>
+            <a:ext cx="1945597" cy="369332"/>
+          </a:xfrm>
+          <a:prstGeom prst="rect">
+            <a:avLst/>
+          </a:prstGeom>
+        </p:spPr>
+        <p:txBody>
+          <a:bodyPr wrap="none">
+            <a:spAutoFit/>
+          </a:bodyPr>
+          <a:lstStyle/>
+          <a:p>
+            <a:r>
+              <a:rPr lang="en-US" dirty="0">
+                <a:solidFill>
+                  <a:srgbClr val="FF0000"/>
+                </a:solidFill>
+              </a:rPr>
+              <a:t>encode categorical</a:t>
+            </a:r>
+          </a:p>
+        </p:txBody>
+      </p:sp>
+      <p:cxnSp>
+        <p:nvCxnSpPr>
+          <p:cNvPr id="95" name="Straight Arrow Connector 94"/>
+          <p:cNvCxnSpPr>
+            <a:stCxn id="92" idx="2"/>
+            <a:endCxn id="97" idx="0"/>
+          </p:cNvCxnSpPr>
+          <p:nvPr/>
+        </p:nvCxnSpPr>
+        <p:spPr>
+          <a:xfrm>
+            <a:off x="1152367" y="5497371"/>
+            <a:ext cx="0" cy="830163"/>
+          </a:xfrm>
+          <a:prstGeom prst="straightConnector1">
+            <a:avLst/>
+          </a:prstGeom>
+          <a:ln>
+            <a:tailEnd type="triangle"/>
+          </a:ln>
+        </p:spPr>
+        <p:style>
+          <a:lnRef idx="1">
+            <a:schemeClr val="accent1"/>
+          </a:lnRef>
+          <a:fillRef idx="0">
+            <a:schemeClr val="accent1"/>
+          </a:fillRef>
+          <a:effectRef idx="0">
+            <a:schemeClr val="accent1"/>
+          </a:effectRef>
+          <a:fontRef idx="minor">
+            <a:schemeClr val="tx1"/>
+          </a:fontRef>
+        </p:style>
+      </p:cxnSp>
+      <p:grpSp>
+        <p:nvGrpSpPr>
+          <p:cNvPr id="96" name="Group 95"/>
+          <p:cNvGrpSpPr/>
+          <p:nvPr/>
+        </p:nvGrpSpPr>
+        <p:grpSpPr>
+          <a:xfrm>
+            <a:off x="378204" y="6327534"/>
+            <a:ext cx="1548325" cy="1193893"/>
+            <a:chOff x="2896948" y="5973232"/>
+            <a:chExt cx="1548325" cy="1193892"/>
+          </a:xfrm>
+        </p:grpSpPr>
+        <p:sp>
+          <p:nvSpPr>
+            <p:cNvPr id="97" name="Rectangle 96"/>
+            <p:cNvSpPr/>
+            <p:nvPr/>
+          </p:nvSpPr>
+          <p:spPr>
+            <a:xfrm>
+              <a:off x="2896948" y="5973232"/>
+              <a:ext cx="1548325" cy="833220"/>
+            </a:xfrm>
+            <a:prstGeom prst="rect">
+              <a:avLst/>
+            </a:prstGeom>
+            <a:solidFill>
+              <a:schemeClr val="accent2">
+                <a:lumMod val="20000"/>
+                <a:lumOff val="80000"/>
+              </a:schemeClr>
+            </a:solidFill>
+            <a:ln>
+              <a:solidFill>
+                <a:schemeClr val="tx1"/>
+              </a:solidFill>
+            </a:ln>
+          </p:spPr>
+          <p:style>
+            <a:lnRef idx="2">
+              <a:schemeClr val="accent1">
+                <a:shade val="50000"/>
+              </a:schemeClr>
+            </a:lnRef>
+            <a:fillRef idx="1">
+              <a:schemeClr val="accent1"/>
+            </a:fillRef>
+            <a:effectRef idx="0">
+              <a:schemeClr val="accent1"/>
+            </a:effectRef>
+            <a:fontRef idx="minor">
+              <a:schemeClr val="lt1"/>
+            </a:fontRef>
+          </p:style>
+          <p:txBody>
+            <a:bodyPr rot="0" spcFirstLastPara="0" vertOverflow="overflow" horzOverflow="overflow" vert="horz" wrap="square" lIns="212132" tIns="106066" rIns="212132" bIns="106066" numCol="1" spcCol="0" rtlCol="0" fromWordArt="0" anchor="ctr" anchorCtr="0" forceAA="0" compatLnSpc="1">
+              <a:prstTxWarp prst="textNoShape">
+                <a:avLst/>
+              </a:prstTxWarp>
+              <a:noAutofit/>
+            </a:bodyPr>
+            <a:lstStyle/>
+            <a:p>
+              <a:pPr algn="ctr"/>
+              <a:r>
+                <a:rPr lang="en-US" dirty="0">
+                  <a:solidFill>
+                    <a:schemeClr val="tx1"/>
+                  </a:solidFill>
+                </a:rPr>
+                <a:t>Categorical</a:t>
+              </a:r>
+            </a:p>
+            <a:p>
+              <a:pPr algn="ctr"/>
+              <a:r>
+                <a:rPr lang="en-US" dirty="0">
+                  <a:solidFill>
+                    <a:schemeClr val="tx1"/>
+                  </a:solidFill>
+                </a:rPr>
+                <a:t>Riskiest User</a:t>
+              </a:r>
+            </a:p>
+          </p:txBody>
+        </p:sp>
+        <p:sp>
+          <p:nvSpPr>
+            <p:cNvPr id="98" name="Rectangle 97"/>
+            <p:cNvSpPr/>
+            <p:nvPr/>
+          </p:nvSpPr>
+          <p:spPr>
+            <a:xfrm>
+              <a:off x="3142510" y="6797792"/>
+              <a:ext cx="1189813" cy="369332"/>
+            </a:xfrm>
+            <a:prstGeom prst="rect">
+              <a:avLst/>
+            </a:prstGeom>
+          </p:spPr>
+          <p:txBody>
+            <a:bodyPr wrap="none">
+              <a:spAutoFit/>
+            </a:bodyPr>
+            <a:lstStyle/>
+            <a:p>
+              <a:r>
+                <a:rPr lang="en-US" dirty="0">
+                  <a:solidFill>
+                    <a:schemeClr val="accent5">
+                      <a:lumMod val="75000"/>
+                    </a:schemeClr>
+                  </a:solidFill>
+                </a:rPr>
+                <a:t>H2OFrame</a:t>
+              </a:r>
+            </a:p>
+          </p:txBody>
+        </p:sp>
+      </p:grpSp>
+      <p:sp>
+        <p:nvSpPr>
+          <p:cNvPr id="99" name="Rectangle 98"/>
+          <p:cNvSpPr/>
+          <p:nvPr/>
+        </p:nvSpPr>
+        <p:spPr>
+          <a:xfrm>
+            <a:off x="2249607" y="4529530"/>
+            <a:ext cx="558166" cy="369332"/>
+          </a:xfrm>
+          <a:prstGeom prst="rect">
+            <a:avLst/>
+          </a:prstGeom>
+        </p:spPr>
+        <p:txBody>
+          <a:bodyPr wrap="none">
+            <a:spAutoFit/>
+          </a:bodyPr>
+          <a:lstStyle/>
+          <a:p>
+            <a:r>
+              <a:rPr lang="en-US" dirty="0" smtClean="0">
+                <a:solidFill>
+                  <a:srgbClr val="FF0000"/>
+                </a:solidFill>
+              </a:rPr>
+              <a:t>Pick</a:t>
+            </a:r>
+            <a:endParaRPr lang="en-US" dirty="0">
+              <a:solidFill>
+                <a:srgbClr val="FF0000"/>
+              </a:solidFill>
+            </a:endParaRPr>
+          </a:p>
+        </p:txBody>
+      </p:sp>
+      <p:sp>
+        <p:nvSpPr>
+          <p:cNvPr id="100" name="Rectangle 99"/>
+          <p:cNvSpPr/>
+          <p:nvPr/>
+        </p:nvSpPr>
+        <p:spPr>
+          <a:xfrm>
+            <a:off x="462412" y="6050783"/>
+            <a:ext cx="1532984" cy="369332"/>
+          </a:xfrm>
+          <a:prstGeom prst="rect">
+            <a:avLst/>
+          </a:prstGeom>
+        </p:spPr>
+        <p:txBody>
+          <a:bodyPr wrap="none">
+            <a:spAutoFit/>
+          </a:bodyPr>
+          <a:lstStyle/>
+          <a:p>
+            <a:r>
+              <a:rPr lang="en-US" dirty="0"/>
+              <a:t>row_dummies</a:t>
+            </a:r>
+          </a:p>
+        </p:txBody>
+      </p:sp>
+      <p:cxnSp>
+        <p:nvCxnSpPr>
+          <p:cNvPr id="117" name="Elbow Connector 116"/>
+          <p:cNvCxnSpPr>
+            <a:stCxn id="98" idx="2"/>
+            <a:endCxn id="118" idx="0"/>
+          </p:cNvCxnSpPr>
+          <p:nvPr/>
+        </p:nvCxnSpPr>
+        <p:spPr>
+          <a:xfrm rot="16200000" flipH="1">
+            <a:off x="-2240208" y="10980307"/>
+            <a:ext cx="6927992" cy="10231"/>
+          </a:xfrm>
+          <a:prstGeom prst="bentConnector3">
+            <a:avLst/>
+          </a:prstGeom>
+          <a:ln>
+            <a:solidFill>
+              <a:schemeClr val="accent6">
+                <a:lumMod val="75000"/>
+              </a:schemeClr>
+            </a:solidFill>
+            <a:tailEnd type="triangle"/>
+          </a:ln>
+        </p:spPr>
+        <p:style>
+          <a:lnRef idx="1">
+            <a:schemeClr val="accent1"/>
+          </a:lnRef>
+          <a:fillRef idx="0">
+            <a:schemeClr val="accent1"/>
+          </a:fillRef>
+          <a:effectRef idx="0">
+            <a:schemeClr val="accent1"/>
+          </a:effectRef>
+          <a:fontRef idx="minor">
+            <a:schemeClr val="tx1"/>
+          </a:fontRef>
+        </p:style>
+      </p:cxnSp>
+      <p:sp>
+        <p:nvSpPr>
+          <p:cNvPr id="118" name="Rectangle 117"/>
+          <p:cNvSpPr/>
+          <p:nvPr/>
+        </p:nvSpPr>
+        <p:spPr>
+          <a:xfrm>
+            <a:off x="493346" y="14449419"/>
+            <a:ext cx="1471115" cy="595375"/>
+          </a:xfrm>
+          <a:prstGeom prst="rect">
+            <a:avLst/>
+          </a:prstGeom>
+          <a:solidFill>
+            <a:schemeClr val="accent2">
+              <a:lumMod val="75000"/>
+            </a:schemeClr>
+          </a:solidFill>
+          <a:ln>
+            <a:solidFill>
+              <a:schemeClr val="tx1"/>
+            </a:solidFill>
+          </a:ln>
+        </p:spPr>
+        <p:style>
+          <a:lnRef idx="2">
+            <a:schemeClr val="accent1">
+              <a:shade val="50000"/>
+            </a:schemeClr>
+          </a:lnRef>
+          <a:fillRef idx="1">
+            <a:schemeClr val="accent1"/>
+          </a:fillRef>
+          <a:effectRef idx="0">
+            <a:schemeClr val="accent1"/>
+          </a:effectRef>
+          <a:fontRef idx="minor">
+            <a:schemeClr val="lt1"/>
+          </a:fontRef>
+        </p:style>
+        <p:txBody>
+          <a:bodyPr rot="0" spcFirstLastPara="0" vertOverflow="overflow" horzOverflow="overflow" vert="horz" wrap="square" lIns="212132" tIns="106066" rIns="212132" bIns="106066" numCol="1" spcCol="0" rtlCol="0" fromWordArt="0" anchor="ctr" anchorCtr="0" forceAA="0" compatLnSpc="1">
+            <a:prstTxWarp prst="textNoShape">
+              <a:avLst/>
+            </a:prstTxWarp>
+            <a:noAutofit/>
+          </a:bodyPr>
+          <a:lstStyle/>
+          <a:p>
+            <a:pPr algn="ctr"/>
+            <a:r>
+              <a:rPr lang="en-US" dirty="0" smtClean="0">
+                <a:solidFill>
+                  <a:schemeClr val="tx1"/>
+                </a:solidFill>
+              </a:rPr>
+              <a:t>Reason</a:t>
+            </a:r>
+          </a:p>
+          <a:p>
+            <a:pPr algn="ctr"/>
+            <a:r>
+              <a:rPr lang="en-US" dirty="0" smtClean="0">
+                <a:solidFill>
+                  <a:schemeClr val="tx1"/>
+                </a:solidFill>
+              </a:rPr>
+              <a:t>Code</a:t>
+            </a:r>
+            <a:endParaRPr lang="en-US" dirty="0">
+              <a:solidFill>
+                <a:schemeClr val="tx1"/>
+              </a:solidFill>
+            </a:endParaRPr>
+          </a:p>
+        </p:txBody>
+      </p:sp>
+      <p:cxnSp>
+        <p:nvCxnSpPr>
+          <p:cNvPr id="121" name="Elbow Connector 120"/>
+          <p:cNvCxnSpPr>
+            <a:stCxn id="39" idx="1"/>
+            <a:endCxn id="118" idx="0"/>
+          </p:cNvCxnSpPr>
+          <p:nvPr/>
+        </p:nvCxnSpPr>
+        <p:spPr>
+          <a:xfrm rot="10800000" flipV="1">
+            <a:off x="1228904" y="11889849"/>
+            <a:ext cx="1827992" cy="2559569"/>
+          </a:xfrm>
+          <a:prstGeom prst="bentConnector2">
+            <a:avLst/>
+          </a:prstGeom>
+          <a:ln>
+            <a:solidFill>
+              <a:schemeClr val="accent6">
+                <a:lumMod val="75000"/>
+              </a:schemeClr>
+            </a:solidFill>
+            <a:tailEnd type="triangle"/>
+          </a:ln>
+        </p:spPr>
+        <p:style>
+          <a:lnRef idx="1">
+            <a:schemeClr val="accent1"/>
+          </a:lnRef>
+          <a:fillRef idx="0">
+            <a:schemeClr val="accent1"/>
+          </a:fillRef>
+          <a:effectRef idx="0">
+            <a:schemeClr val="accent1"/>
+          </a:effectRef>
+          <a:fontRef idx="minor">
+            <a:schemeClr val="tx1"/>
+          </a:fontRef>
+        </p:style>
+      </p:cxnSp>
+      <p:cxnSp>
+        <p:nvCxnSpPr>
+          <p:cNvPr id="123" name="Elbow Connector 122"/>
+          <p:cNvCxnSpPr>
+            <a:stCxn id="37" idx="2"/>
+            <a:endCxn id="118" idx="0"/>
+          </p:cNvCxnSpPr>
+          <p:nvPr/>
+        </p:nvCxnSpPr>
+        <p:spPr>
+          <a:xfrm rot="5400000">
+            <a:off x="-134362" y="11760332"/>
+            <a:ext cx="4052354" cy="1325821"/>
+          </a:xfrm>
+          <a:prstGeom prst="bentConnector3">
+            <a:avLst>
+              <a:gd name="adj1" fmla="val 24615"/>
+            </a:avLst>
+          </a:prstGeom>
+          <a:ln>
+            <a:solidFill>
+              <a:schemeClr val="accent6">
+                <a:lumMod val="75000"/>
+              </a:schemeClr>
+            </a:solidFill>
+            <a:tailEnd type="triangle"/>
+          </a:ln>
+        </p:spPr>
+        <p:style>
+          <a:lnRef idx="1">
+            <a:schemeClr val="accent1"/>
+          </a:lnRef>
+          <a:fillRef idx="0">
+            <a:schemeClr val="accent1"/>
+          </a:fillRef>
+          <a:effectRef idx="0">
+            <a:schemeClr val="accent1"/>
+          </a:effectRef>
+          <a:fontRef idx="minor">
+            <a:schemeClr val="tx1"/>
+          </a:fontRef>
+        </p:style>
+      </p:cxnSp>
+      <p:sp>
+        <p:nvSpPr>
+          <p:cNvPr id="129" name="Rectangle 128"/>
+          <p:cNvSpPr/>
+          <p:nvPr/>
+        </p:nvSpPr>
+        <p:spPr>
+          <a:xfrm>
+            <a:off x="749612" y="13184131"/>
+            <a:ext cx="1056956" cy="369332"/>
+          </a:xfrm>
+          <a:prstGeom prst="rect">
+            <a:avLst/>
+          </a:prstGeom>
+        </p:spPr>
+        <p:txBody>
+          <a:bodyPr wrap="none">
+            <a:spAutoFit/>
+          </a:bodyPr>
+          <a:lstStyle/>
+          <a:p>
+            <a:r>
+              <a:rPr lang="en-US" dirty="0" smtClean="0">
+                <a:solidFill>
+                  <a:srgbClr val="FF0000"/>
+                </a:solidFill>
+              </a:rPr>
+              <a:t>Generate</a:t>
+            </a:r>
+            <a:endParaRPr lang="en-US" dirty="0">
+              <a:solidFill>
+                <a:srgbClr val="FF0000"/>
+              </a:solidFill>
+            </a:endParaRPr>
+          </a:p>
+        </p:txBody>
+      </p:sp>
+    </p:spTree>
+    <p:extLst>
+      <p:ext uri="{BB962C8B-B14F-4D97-AF65-F5344CB8AC3E}">
+        <p14:creationId xmlns:p14="http://schemas.microsoft.com/office/powerpoint/2010/main" val="2973493025"/>
+      </p:ext>
+    </p:extLst>
+  </p:cSld>
+  <p:clrMapOvr>
+    <a:masterClrMapping/>
+  </p:clrMapOvr>
+  <p:timing>
+    <p:tnLst>
+      <p:par>
+        <p:cTn id="1" dur="indefinite" restart="never" nodeType="tmRoot"/>
+      </p:par>
+    </p:tnLst>
+  </p:timing>
 </p:sld>
 </file>
 
@@ -4400,8 +10882,8 @@
         </p:blipFill>
         <p:spPr>
           <a:xfrm>
-            <a:off x="5907055" y="311798"/>
-            <a:ext cx="5945633" cy="6546202"/>
+            <a:off x="5459228" y="723345"/>
+            <a:ext cx="13793318" cy="15186583"/>
           </a:xfrm>
           <a:prstGeom prst="rect">
             <a:avLst/>
@@ -4416,8 +10898,8 @@
         </p:nvSpPr>
         <p:spPr>
           <a:xfrm>
-            <a:off x="167944" y="311798"/>
-            <a:ext cx="5710335" cy="369332"/>
+            <a:off x="-7854978" y="723342"/>
+            <a:ext cx="13247448" cy="734945"/>
           </a:xfrm>
           <a:prstGeom prst="rect">
             <a:avLst/>
@@ -4430,20 +10912,18 @@
           <a:lstStyle/>
           <a:p>
             <a:r>
-              <a:rPr lang="en-US" b="1" i="0" dirty="0" smtClean="0">
+              <a:rPr lang="en-US" sz="4176" b="1" dirty="0">
                 <a:solidFill>
                   <a:srgbClr val="000000"/>
                 </a:solidFill>
-                <a:effectLst/>
                 <a:latin typeface="Helvetica Neue"/>
               </a:rPr>
               <a:t>Parse: Helper function for recoding values</a:t>
             </a:r>
-            <a:endParaRPr lang="en-US" b="1" i="0" dirty="0">
+            <a:endParaRPr lang="en-US" sz="4176" b="1" dirty="0">
               <a:solidFill>
                 <a:srgbClr val="000000"/>
               </a:solidFill>
-              <a:effectLst/>
               <a:latin typeface="Helvetica Neue"/>
             </a:endParaRPr>
           </a:p>
@@ -4457,8 +10937,8 @@
         </p:nvSpPr>
         <p:spPr>
           <a:xfrm>
-            <a:off x="313660" y="2061960"/>
-            <a:ext cx="5638916" cy="369332"/>
+            <a:off x="-7516930" y="4783557"/>
+            <a:ext cx="12817933" cy="734945"/>
           </a:xfrm>
           <a:prstGeom prst="rect">
             <a:avLst/>
@@ -4471,7 +10951,7 @@
           <a:lstStyle/>
           <a:p>
             <a:r>
-              <a:rPr lang="en-US" dirty="0"/>
+              <a:rPr lang="en-US" sz="4176" dirty="0"/>
               <a:t>character can be used directly in h2o decision tree models</a:t>
             </a:r>
           </a:p>
@@ -4485,8 +10965,8 @@
         </p:nvSpPr>
         <p:spPr>
           <a:xfrm>
-            <a:off x="313660" y="2649641"/>
-            <a:ext cx="2146742" cy="369332"/>
+            <a:off x="-7516931" y="6146923"/>
+            <a:ext cx="4735592" cy="734945"/>
           </a:xfrm>
           <a:prstGeom prst="rect">
             <a:avLst/>
@@ -4499,16 +10979,15 @@
           <a:lstStyle/>
           <a:p>
             <a:r>
-              <a:rPr lang="en-US" b="0" i="0" smtClean="0">
+              <a:rPr lang="en-US" sz="4176">
                 <a:solidFill>
                   <a:srgbClr val="000000"/>
                 </a:solidFill>
-                <a:effectLst/>
                 <a:latin typeface="Helvetica Neue"/>
               </a:rPr>
               <a:t>Pandas DataFrame </a:t>
             </a:r>
-            <a:endParaRPr lang="en-US" dirty="0"/>
+            <a:endParaRPr lang="en-US" sz="4176" dirty="0"/>
           </a:p>
         </p:txBody>
       </p:sp>
@@ -4520,8 +10999,8 @@
         </p:nvSpPr>
         <p:spPr>
           <a:xfrm>
-            <a:off x="2460402" y="2431292"/>
-            <a:ext cx="2370970" cy="369332"/>
+            <a:off x="-2536689" y="5640375"/>
+            <a:ext cx="5241884" cy="734945"/>
           </a:xfrm>
           <a:prstGeom prst="rect">
             <a:avLst/>
@@ -4534,14 +11013,14 @@
           <a:lstStyle/>
           <a:p>
             <a:r>
-              <a:rPr lang="en-US" dirty="0" err="1" smtClean="0"/>
+              <a:rPr lang="en-US" sz="4176" dirty="0" err="1"/>
               <a:t>recode_cc_data</a:t>
             </a:r>
             <a:r>
-              <a:rPr lang="en-US" dirty="0" smtClean="0"/>
+              <a:rPr lang="en-US" sz="4176" dirty="0"/>
               <a:t>(frame)</a:t>
             </a:r>
-            <a:endParaRPr lang="en-US" dirty="0"/>
+            <a:endParaRPr lang="en-US" sz="4176" dirty="0"/>
           </a:p>
         </p:txBody>
       </p:sp>
@@ -4553,8 +11032,8 @@
         </p:nvSpPr>
         <p:spPr>
           <a:xfrm>
-            <a:off x="4770283" y="2649641"/>
-            <a:ext cx="1107996" cy="369332"/>
+            <a:off x="2822022" y="6146927"/>
+            <a:ext cx="2326278" cy="734945"/>
           </a:xfrm>
           <a:prstGeom prst="rect">
             <a:avLst/>
@@ -4567,16 +11046,15 @@
           <a:lstStyle/>
           <a:p>
             <a:r>
-              <a:rPr lang="en-US" b="0" i="0" dirty="0" smtClean="0">
+              <a:rPr lang="en-US" sz="4176" dirty="0">
                 <a:solidFill>
                   <a:srgbClr val="000000"/>
                 </a:solidFill>
-                <a:effectLst/>
                 <a:latin typeface="Helvetica Neue"/>
               </a:rPr>
               <a:t>H2OFrame</a:t>
             </a:r>
-            <a:endParaRPr lang="en-US" dirty="0"/>
+            <a:endParaRPr lang="en-US" sz="4176" dirty="0"/>
           </a:p>
         </p:txBody>
       </p:sp>
@@ -4590,8 +11068,8 @@
         </p:nvCxnSpPr>
         <p:spPr>
           <a:xfrm>
-            <a:off x="2460402" y="2834307"/>
-            <a:ext cx="2339144" cy="0"/>
+            <a:off x="-2781338" y="6514396"/>
+            <a:ext cx="5671249" cy="60936"/>
           </a:xfrm>
           <a:prstGeom prst="straightConnector1">
             <a:avLst/>
@@ -4660,8 +11138,8 @@
         </p:nvSpPr>
         <p:spPr>
           <a:xfrm>
-            <a:off x="331727" y="244523"/>
-            <a:ext cx="2291012" cy="369332"/>
+            <a:off x="-7475016" y="567272"/>
+            <a:ext cx="5032147" cy="734945"/>
           </a:xfrm>
           <a:prstGeom prst="rect">
             <a:avLst/>
@@ -4674,20 +11152,18 @@
           <a:lstStyle/>
           <a:p>
             <a:r>
-              <a:rPr lang="en-US" b="1" i="0" dirty="0" smtClean="0">
+              <a:rPr lang="en-US" sz="4176" b="1" dirty="0">
                 <a:solidFill>
                   <a:srgbClr val="000000"/>
                 </a:solidFill>
-                <a:effectLst/>
                 <a:latin typeface="Helvetica Neue"/>
               </a:rPr>
               <a:t>Target Processing:</a:t>
             </a:r>
-            <a:endParaRPr lang="en-US" b="1" i="0" dirty="0">
+            <a:endParaRPr lang="en-US" sz="4176" b="1" dirty="0">
               <a:solidFill>
                 <a:srgbClr val="000000"/>
               </a:solidFill>
-              <a:effectLst/>
               <a:latin typeface="Helvetica Neue"/>
             </a:endParaRPr>
           </a:p>
@@ -4701,8 +11177,8 @@
         </p:nvSpPr>
         <p:spPr>
           <a:xfrm>
-            <a:off x="3121898" y="244523"/>
-            <a:ext cx="6035627" cy="369332"/>
+            <a:off x="-1002079" y="567274"/>
+            <a:ext cx="13757292" cy="734945"/>
           </a:xfrm>
           <a:prstGeom prst="rect">
             <a:avLst/>
@@ -4719,20 +11195,18 @@
               <a:buChar char="•"/>
             </a:pPr>
             <a:r>
-              <a:rPr lang="en-US" b="0" i="0" dirty="0" smtClean="0">
+              <a:rPr lang="en-US" sz="4176" dirty="0">
                 <a:solidFill>
                   <a:srgbClr val="000000"/>
                 </a:solidFill>
-                <a:effectLst/>
                 <a:latin typeface="Helvetica Neue"/>
               </a:rPr>
               <a:t>Ensure target is handled as a categorical variable</a:t>
             </a:r>
-            <a:endParaRPr lang="en-US" b="0" i="0" dirty="0">
+            <a:endParaRPr lang="en-US" sz="4176" dirty="0">
               <a:solidFill>
                 <a:srgbClr val="000000"/>
               </a:solidFill>
-              <a:effectLst/>
               <a:latin typeface="Helvetica Neue"/>
             </a:endParaRPr>
           </a:p>
@@ -4754,8 +11228,8 @@
         </p:blipFill>
         <p:spPr>
           <a:xfrm>
-            <a:off x="315030" y="764412"/>
-            <a:ext cx="5694221" cy="2159877"/>
+            <a:off x="-7513752" y="1773366"/>
+            <a:ext cx="13210065" cy="5010715"/>
           </a:xfrm>
           <a:prstGeom prst="rect">
             <a:avLst/>
@@ -4778,8 +11252,8 @@
         </p:blipFill>
         <p:spPr>
           <a:xfrm>
-            <a:off x="377851" y="3074846"/>
-            <a:ext cx="5631400" cy="2293199"/>
+            <a:off x="-7368014" y="7133359"/>
+            <a:ext cx="13064327" cy="5320009"/>
           </a:xfrm>
           <a:prstGeom prst="rect">
             <a:avLst/>
@@ -4802,8 +11276,8 @@
         </p:blipFill>
         <p:spPr>
           <a:xfrm>
-            <a:off x="6139711" y="932761"/>
-            <a:ext cx="5336453" cy="1991528"/>
+            <a:off x="5998972" y="2163920"/>
+            <a:ext cx="12380077" cy="4620161"/>
           </a:xfrm>
           <a:prstGeom prst="rect">
             <a:avLst/>
@@ -4848,8 +11322,8 @@
         </p:nvSpPr>
         <p:spPr>
           <a:xfrm>
-            <a:off x="294525" y="171950"/>
-            <a:ext cx="5799986" cy="523220"/>
+            <a:off x="-7561323" y="398908"/>
+            <a:ext cx="13204256" cy="1091966"/>
           </a:xfrm>
           <a:prstGeom prst="rect">
             <a:avLst/>
@@ -4862,20 +11336,18 @@
           <a:lstStyle/>
           <a:p>
             <a:r>
-              <a:rPr lang="en-US" sz="2800" b="1" i="0" dirty="0" smtClean="0">
+              <a:rPr lang="en-US" sz="6496" b="1" dirty="0">
                 <a:solidFill>
                   <a:srgbClr val="FF0000"/>
                 </a:solidFill>
-                <a:effectLst/>
                 <a:latin typeface="Helvetica Neue"/>
               </a:rPr>
               <a:t>2. Train an H2O GBM Classifier:</a:t>
             </a:r>
-            <a:endParaRPr lang="en-US" sz="2800" b="1" i="0" dirty="0">
+            <a:endParaRPr lang="en-US" sz="6496" b="1" dirty="0">
               <a:solidFill>
                 <a:srgbClr val="FF0000"/>
               </a:solidFill>
-              <a:effectLst/>
               <a:latin typeface="Helvetica Neue"/>
             </a:endParaRPr>
           </a:p>
@@ -4889,8 +11361,8 @@
         </p:nvSpPr>
         <p:spPr>
           <a:xfrm>
-            <a:off x="294525" y="695170"/>
-            <a:ext cx="4397358" cy="369332"/>
+            <a:off x="-7561323" y="1612731"/>
+            <a:ext cx="9879628" cy="734945"/>
           </a:xfrm>
           <a:prstGeom prst="rect">
             <a:avLst/>
@@ -4903,60 +11375,36 @@
           <a:lstStyle/>
           <a:p>
             <a:r>
-              <a:rPr lang="en-US" b="1" i="0" dirty="0" smtClean="0">
+              <a:rPr lang="en-US" sz="4176" b="1" dirty="0">
                 <a:solidFill>
                   <a:srgbClr val="000000"/>
                 </a:solidFill>
-                <a:effectLst/>
                 <a:latin typeface="Helvetica Neue"/>
               </a:rPr>
-              <a:t>Split into </a:t>
-            </a:r>
-            <a:r>
-              <a:rPr lang="en-US" b="1" i="0" dirty="0" smtClean="0">
+              <a:t>Split into trai</a:t>
+            </a:r>
+            <a:r>
+              <a:rPr lang="en-US" altLang="zh-CN" sz="4176" b="1" dirty="0">
                 <a:solidFill>
                   <a:srgbClr val="000000"/>
                 </a:solidFill>
-                <a:effectLst/>
                 <a:latin typeface="Helvetica Neue"/>
               </a:rPr>
-              <a:t>trai</a:t>
-            </a:r>
-            <a:r>
-              <a:rPr lang="en-US" altLang="zh-CN" b="1" i="0" dirty="0" smtClean="0">
+              <a:t>ni</a:t>
+            </a:r>
+            <a:r>
+              <a:rPr lang="en-US" sz="4176" b="1" dirty="0">
                 <a:solidFill>
                   <a:srgbClr val="000000"/>
                 </a:solidFill>
-                <a:effectLst/>
                 <a:latin typeface="Helvetica Neue"/>
               </a:rPr>
-              <a:t>ni</a:t>
-            </a:r>
-            <a:r>
-              <a:rPr lang="en-US" b="1" i="0" dirty="0" smtClean="0">
-                <a:solidFill>
-                  <a:srgbClr val="000000"/>
-                </a:solidFill>
-                <a:effectLst/>
-                <a:latin typeface="Helvetica Neue"/>
-              </a:rPr>
-              <a:t>ng </a:t>
-            </a:r>
-            <a:r>
-              <a:rPr lang="en-US" b="1" i="0" dirty="0" smtClean="0">
-                <a:solidFill>
-                  <a:srgbClr val="000000"/>
-                </a:solidFill>
-                <a:effectLst/>
-                <a:latin typeface="Helvetica Neue"/>
-              </a:rPr>
-              <a:t>data &amp; test data</a:t>
-            </a:r>
-            <a:endParaRPr lang="en-US" b="1" i="0" dirty="0">
+              <a:t>ng data &amp; test data</a:t>
+            </a:r>
+            <a:endParaRPr lang="en-US" sz="4176" b="1" dirty="0">
               <a:solidFill>
                 <a:srgbClr val="000000"/>
               </a:solidFill>
-              <a:effectLst/>
               <a:latin typeface="Helvetica Neue"/>
             </a:endParaRPr>
           </a:p>
@@ -4970,8 +11418,8 @@
         </p:nvSpPr>
         <p:spPr>
           <a:xfrm>
-            <a:off x="294525" y="2162448"/>
-            <a:ext cx="2993127" cy="369332"/>
+            <a:off x="-7561323" y="5016680"/>
+            <a:ext cx="6647974" cy="734945"/>
           </a:xfrm>
           <a:prstGeom prst="rect">
             <a:avLst/>
@@ -4984,20 +11432,18 @@
           <a:lstStyle/>
           <a:p>
             <a:r>
-              <a:rPr lang="en-US" b="1" i="0" dirty="0" smtClean="0">
+              <a:rPr lang="en-US" sz="4176" b="1" dirty="0">
                 <a:solidFill>
                   <a:srgbClr val="000000"/>
                 </a:solidFill>
-                <a:effectLst/>
                 <a:latin typeface="Helvetica Neue"/>
               </a:rPr>
               <a:t>Train h2o GBM classifier</a:t>
             </a:r>
-            <a:endParaRPr lang="en-US" b="1" i="0" dirty="0">
+            <a:endParaRPr lang="en-US" sz="4176" b="1" dirty="0">
               <a:solidFill>
                 <a:srgbClr val="000000"/>
               </a:solidFill>
-              <a:effectLst/>
               <a:latin typeface="Helvetica Neue"/>
             </a:endParaRPr>
           </a:p>
@@ -5011,8 +11457,8 @@
         </p:nvSpPr>
         <p:spPr>
           <a:xfrm>
-            <a:off x="4675632" y="2208614"/>
-            <a:ext cx="6096000" cy="646331"/>
+            <a:off x="2602440" y="5123783"/>
+            <a:ext cx="14142156" cy="1377557"/>
           </a:xfrm>
           <a:prstGeom prst="rect">
             <a:avLst/>
@@ -5025,46 +11471,42 @@
           <a:lstStyle/>
           <a:p>
             <a:r>
-              <a:rPr lang="en-US" b="1" i="0" dirty="0" smtClean="0">
+              <a:rPr lang="en-US" sz="4176" b="1" dirty="0">
                 <a:solidFill>
                   <a:srgbClr val="000000"/>
                 </a:solidFill>
-                <a:effectLst/>
                 <a:latin typeface="Helvetica Neue"/>
               </a:rPr>
               <a:t>identify the best parameters</a:t>
             </a:r>
             <a:r>
-              <a:rPr lang="en-US" b="0" i="0" dirty="0" smtClean="0">
+              <a:rPr lang="en-US" sz="4176" dirty="0">
                 <a:solidFill>
                   <a:srgbClr val="000000"/>
                 </a:solidFill>
-                <a:effectLst/>
                 <a:latin typeface="Helvetica Neue"/>
               </a:rPr>
               <a:t> for a given modeling task using the </a:t>
             </a:r>
             <a:r>
-              <a:rPr lang="en-US" b="1" i="0" dirty="0" smtClean="0">
+              <a:rPr lang="en-US" sz="4176" b="1" dirty="0">
                 <a:solidFill>
                   <a:srgbClr val="000000"/>
                 </a:solidFill>
-                <a:effectLst/>
                 <a:latin typeface="Helvetica Neue"/>
               </a:rPr>
               <a:t>H2OGridSearch class.</a:t>
             </a:r>
             <a:r>
-              <a:rPr lang="en-US" b="0" i="0" dirty="0" smtClean="0">
+              <a:rPr lang="en-US" sz="4176" dirty="0">
                 <a:solidFill>
                   <a:srgbClr val="000000"/>
                 </a:solidFill>
-                <a:effectLst/>
                 <a:latin typeface="Helvetica Neue"/>
               </a:rPr>
               <a:t> </a:t>
             </a:r>
-            <a:endParaRPr lang="en-US" dirty="0"/>
+            <a:endParaRPr lang="en-US" sz="4176" dirty="0"/>
           </a:p>
         </p:txBody>
       </p:sp>
@@ -5084,8 +11526,8 @@
         </p:blipFill>
         <p:spPr>
           <a:xfrm>
-            <a:off x="2561178" y="1263999"/>
-            <a:ext cx="3533333" cy="514286"/>
+            <a:off x="-2302895" y="2932360"/>
+            <a:ext cx="8197005" cy="1193096"/>
           </a:xfrm>
           <a:prstGeom prst="rect">
             <a:avLst/>
@@ -5108,8 +11550,8 @@
         </p:blipFill>
         <p:spPr>
           <a:xfrm>
-            <a:off x="4419251" y="3006484"/>
-            <a:ext cx="6352381" cy="2723809"/>
+            <a:off x="2007661" y="6974768"/>
+            <a:ext cx="14736936" cy="6318985"/>
           </a:xfrm>
           <a:prstGeom prst="rect">
             <a:avLst/>
@@ -5154,8 +11596,8 @@
         </p:nvSpPr>
         <p:spPr>
           <a:xfrm>
-            <a:off x="274320" y="143179"/>
-            <a:ext cx="11499592" cy="954107"/>
+            <a:off x="-7608197" y="332163"/>
+            <a:ext cx="26677989" cy="2091598"/>
           </a:xfrm>
           <a:prstGeom prst="rect">
             <a:avLst/>
@@ -5168,7 +11610,7 @@
           <a:lstStyle/>
           <a:p>
             <a:r>
-              <a:rPr lang="en-US" altLang="zh-CN" sz="2800" b="1" dirty="0">
+              <a:rPr lang="en-US" altLang="zh-CN" sz="6496" b="1" dirty="0">
                 <a:solidFill>
                   <a:srgbClr val="FF0000"/>
                 </a:solidFill>
@@ -5177,7 +11619,7 @@
               <a:t>3. </a:t>
             </a:r>
             <a:r>
-              <a:rPr lang="en-US" sz="2800" b="1" dirty="0">
+              <a:rPr lang="en-US" sz="6496" b="1" dirty="0">
                 <a:solidFill>
                   <a:srgbClr val="FF0000"/>
                 </a:solidFill>
@@ -5196,8 +11638,8 @@
         </p:nvSpPr>
         <p:spPr>
           <a:xfrm>
-            <a:off x="274320" y="1577899"/>
-            <a:ext cx="3812262" cy="369332"/>
+            <a:off x="-7608195" y="3660580"/>
+            <a:ext cx="8533105" cy="734945"/>
           </a:xfrm>
           <a:prstGeom prst="rect">
             <a:avLst/>
@@ -5210,20 +11652,18 @@
           <a:lstStyle/>
           <a:p>
             <a:r>
-              <a:rPr lang="en-US" b="1" i="0" dirty="0" smtClean="0">
+              <a:rPr lang="en-US" sz="4176" b="1" dirty="0">
                 <a:solidFill>
                   <a:srgbClr val="000000"/>
                 </a:solidFill>
-                <a:effectLst/>
                 <a:latin typeface="Helvetica Neue"/>
               </a:rPr>
               <a:t>Display the most risky customer</a:t>
             </a:r>
-            <a:endParaRPr lang="en-US" b="1" i="0" dirty="0">
+            <a:endParaRPr lang="en-US" sz="4176" b="1" dirty="0">
               <a:solidFill>
                 <a:srgbClr val="000000"/>
               </a:solidFill>
-              <a:effectLst/>
               <a:latin typeface="Helvetica Neue"/>
             </a:endParaRPr>
           </a:p>
@@ -5245,8 +11685,8 @@
         </p:blipFill>
         <p:spPr>
           <a:xfrm>
-            <a:off x="274320" y="2240065"/>
-            <a:ext cx="7038095" cy="904762"/>
+            <a:off x="-7608196" y="5196743"/>
+            <a:ext cx="16327729" cy="2098964"/>
           </a:xfrm>
           <a:prstGeom prst="rect">
             <a:avLst/>
@@ -5269,8 +11709,8 @@
         </p:blipFill>
         <p:spPr>
           <a:xfrm>
-            <a:off x="364795" y="3089515"/>
-            <a:ext cx="6857143" cy="876190"/>
+            <a:off x="-7398302" y="7167388"/>
+            <a:ext cx="15907937" cy="2032680"/>
           </a:xfrm>
           <a:prstGeom prst="rect">
             <a:avLst/>
@@ -5293,8 +11733,8 @@
         </p:blipFill>
         <p:spPr>
           <a:xfrm>
-            <a:off x="221937" y="4052134"/>
-            <a:ext cx="7142857" cy="819048"/>
+            <a:off x="-7729719" y="9400575"/>
+            <a:ext cx="16570767" cy="1900116"/>
           </a:xfrm>
           <a:prstGeom prst="rect">
             <a:avLst/>
@@ -5347,8 +11787,8 @@
         </p:blipFill>
         <p:spPr>
           <a:xfrm>
-            <a:off x="239006" y="869338"/>
-            <a:ext cx="7380952" cy="2333333"/>
+            <a:off x="-7690122" y="2016784"/>
+            <a:ext cx="17123125" cy="5413117"/>
           </a:xfrm>
           <a:prstGeom prst="rect">
             <a:avLst/>
@@ -5363,8 +11803,8 @@
         </p:nvSpPr>
         <p:spPr>
           <a:xfrm>
-            <a:off x="539402" y="223007"/>
-            <a:ext cx="6096000" cy="646331"/>
+            <a:off x="-6993231" y="517355"/>
+            <a:ext cx="14142156" cy="1377557"/>
           </a:xfrm>
           <a:prstGeom prst="rect">
             <a:avLst/>
@@ -5377,17 +11817,16 @@
           <a:lstStyle/>
           <a:p>
             <a:r>
-              <a:rPr lang="en-US" b="0" i="0" dirty="0" smtClean="0">
+              <a:rPr lang="en-US" sz="4176" dirty="0">
                 <a:solidFill>
                   <a:srgbClr val="000000"/>
                 </a:solidFill>
-                <a:effectLst/>
                 <a:latin typeface="Helvetica Neue"/>
               </a:rPr>
               <a:t> </a:t>
             </a:r>
             <a:r>
-              <a:rPr lang="en-US" b="1" dirty="0">
+              <a:rPr lang="en-US" sz="4176" b="1" dirty="0">
                 <a:solidFill>
                   <a:srgbClr val="000000"/>
                 </a:solidFill>
@@ -5414,8 +11853,8 @@
         </p:blipFill>
         <p:spPr>
           <a:xfrm>
-            <a:off x="315196" y="3202671"/>
-            <a:ext cx="7304762" cy="2200000"/>
+            <a:off x="-7513368" y="7429900"/>
+            <a:ext cx="16946371" cy="5103796"/>
           </a:xfrm>
           <a:prstGeom prst="rect">
             <a:avLst/>
@@ -5438,8 +11877,8 @@
         </p:blipFill>
         <p:spPr>
           <a:xfrm>
-            <a:off x="7696148" y="3202671"/>
-            <a:ext cx="4257143" cy="2076190"/>
+            <a:off x="9609758" y="7429901"/>
+            <a:ext cx="9876178" cy="4816569"/>
           </a:xfrm>
           <a:prstGeom prst="rect">
             <a:avLst/>
@@ -5484,8 +11923,8 @@
         </p:nvSpPr>
         <p:spPr>
           <a:xfrm>
-            <a:off x="5952932" y="59761"/>
-            <a:ext cx="6885064" cy="646331"/>
+            <a:off x="5565659" y="138642"/>
+            <a:ext cx="15972711" cy="1377557"/>
           </a:xfrm>
           <a:prstGeom prst="rect">
             <a:avLst/>
@@ -5498,7 +11937,7 @@
           <a:lstStyle/>
           <a:p>
             <a:r>
-              <a:rPr lang="en-US" b="1" dirty="0">
+              <a:rPr lang="en-US" sz="4176" b="1" dirty="0">
                 <a:solidFill>
                   <a:srgbClr val="000000"/>
                 </a:solidFill>
@@ -5509,7 +11948,7 @@
           </a:p>
           <a:p>
             <a:r>
-              <a:rPr lang="en-US" b="1" dirty="0">
+              <a:rPr lang="en-US" sz="4176" b="1" dirty="0">
                 <a:solidFill>
                   <a:srgbClr val="000000"/>
                 </a:solidFill>
@@ -5536,8 +11975,8 @@
         </p:blipFill>
         <p:spPr>
           <a:xfrm>
-            <a:off x="4730626" y="3125610"/>
-            <a:ext cx="7276190" cy="761905"/>
+            <a:off x="2730023" y="7251129"/>
+            <a:ext cx="16880087" cy="1767549"/>
           </a:xfrm>
           <a:prstGeom prst="rect">
             <a:avLst/>
@@ -5552,8 +11991,8 @@
         </p:nvSpPr>
         <p:spPr>
           <a:xfrm>
-            <a:off x="255037" y="17588"/>
-            <a:ext cx="6096000" cy="646331"/>
+            <a:off x="-7652932" y="40802"/>
+            <a:ext cx="14142156" cy="1377557"/>
           </a:xfrm>
           <a:prstGeom prst="rect">
             <a:avLst/>
@@ -5566,17 +12005,16 @@
           <a:lstStyle/>
           <a:p>
             <a:r>
-              <a:rPr lang="en-US" b="0" i="0" dirty="0" smtClean="0">
+              <a:rPr lang="en-US" sz="4176" dirty="0">
                 <a:solidFill>
                   <a:srgbClr val="000000"/>
                 </a:solidFill>
-                <a:effectLst/>
                 <a:latin typeface="Helvetica Neue"/>
               </a:rPr>
               <a:t> </a:t>
             </a:r>
             <a:r>
-              <a:rPr lang="en-US" b="1" dirty="0">
+              <a:rPr lang="en-US" sz="4176" b="1" dirty="0">
                 <a:solidFill>
                   <a:srgbClr val="000000"/>
                 </a:solidFill>
@@ -5603,8 +12041,8 @@
         </p:blipFill>
         <p:spPr>
           <a:xfrm>
-            <a:off x="4730626" y="3873794"/>
-            <a:ext cx="7323809" cy="819048"/>
+            <a:off x="2730025" y="8986844"/>
+            <a:ext cx="16990559" cy="1900116"/>
           </a:xfrm>
           <a:prstGeom prst="rect">
             <a:avLst/>
@@ -5627,8 +12065,8 @@
         </p:blipFill>
         <p:spPr>
           <a:xfrm>
-            <a:off x="4730626" y="4749335"/>
-            <a:ext cx="5923809" cy="942857"/>
+            <a:off x="2730023" y="11018020"/>
+            <a:ext cx="13742688" cy="2187341"/>
           </a:xfrm>
           <a:prstGeom prst="rect">
             <a:avLst/>
@@ -5643,8 +12081,8 @@
         </p:nvSpPr>
         <p:spPr>
           <a:xfrm>
-            <a:off x="4569235" y="2337295"/>
-            <a:ext cx="10109717" cy="369332"/>
+            <a:off x="2355613" y="5422311"/>
+            <a:ext cx="23453607" cy="734945"/>
           </a:xfrm>
           <a:prstGeom prst="rect">
             <a:avLst/>
@@ -5657,7 +12095,7 @@
           <a:lstStyle/>
           <a:p>
             <a:r>
-              <a:rPr lang="en-US" b="1" dirty="0">
+              <a:rPr lang="en-US" sz="4176" b="1" dirty="0">
                 <a:solidFill>
                   <a:srgbClr val="000000"/>
                 </a:solidFill>
@@ -5706,8 +12144,8 @@
         </p:nvSpPr>
         <p:spPr>
           <a:xfrm>
-            <a:off x="5710328" y="266581"/>
-            <a:ext cx="5918608" cy="369332"/>
+            <a:off x="5002838" y="618446"/>
+            <a:ext cx="13380586" cy="734945"/>
           </a:xfrm>
           <a:prstGeom prst="rect">
             <a:avLst/>
@@ -5720,7 +12158,7 @@
           <a:lstStyle/>
           <a:p>
             <a:r>
-              <a:rPr lang="en-US" b="1" dirty="0">
+              <a:rPr lang="en-US" sz="4176" b="1" dirty="0">
                 <a:solidFill>
                   <a:srgbClr val="000000"/>
                 </a:solidFill>
@@ -5747,8 +12185,8 @@
         </p:blipFill>
         <p:spPr>
           <a:xfrm>
-            <a:off x="4979156" y="604026"/>
-            <a:ext cx="6649780" cy="1192671"/>
+            <a:off x="3306587" y="1401285"/>
+            <a:ext cx="15426874" cy="2766886"/>
           </a:xfrm>
           <a:prstGeom prst="rect">
             <a:avLst/>
@@ -5771,8 +12209,8 @@
         </p:blipFill>
         <p:spPr>
           <a:xfrm>
-            <a:off x="4979156" y="1839287"/>
-            <a:ext cx="5150977" cy="1045687"/>
+            <a:off x="3306588" y="4266979"/>
+            <a:ext cx="11949790" cy="2425897"/>
           </a:xfrm>
           <a:prstGeom prst="rect">
             <a:avLst/>
@@ -5795,8 +12233,8 @@
         </p:blipFill>
         <p:spPr>
           <a:xfrm>
-            <a:off x="4946391" y="2884974"/>
-            <a:ext cx="6128830" cy="1298876"/>
+            <a:off x="3230576" y="6692872"/>
+            <a:ext cx="14218318" cy="3013272"/>
           </a:xfrm>
           <a:prstGeom prst="rect">
             <a:avLst/>
@@ -5841,8 +12279,8 @@
         </p:nvSpPr>
         <p:spPr>
           <a:xfrm>
-            <a:off x="5493499" y="1809061"/>
-            <a:ext cx="5216493" cy="369332"/>
+            <a:off x="4499819" y="4196858"/>
+            <a:ext cx="11764759" cy="734945"/>
           </a:xfrm>
           <a:prstGeom prst="rect">
             <a:avLst/>
@@ -5855,20 +12293,18 @@
           <a:lstStyle/>
           <a:p>
             <a:r>
-              <a:rPr lang="en-US" b="1" i="0" dirty="0" smtClean="0">
+              <a:rPr lang="en-US" sz="4176" b="1" dirty="0">
                 <a:solidFill>
                   <a:srgbClr val="000000"/>
                 </a:solidFill>
-                <a:effectLst/>
                 <a:latin typeface="Helvetica Neue"/>
               </a:rPr>
               <a:t>Bind distance weights onto perturbed sample</a:t>
             </a:r>
-            <a:endParaRPr lang="en-US" b="1" i="0" dirty="0">
+            <a:endParaRPr lang="en-US" sz="4176" b="1" dirty="0">
               <a:solidFill>
                 <a:srgbClr val="000000"/>
               </a:solidFill>
-              <a:effectLst/>
               <a:latin typeface="Helvetica Neue"/>
             </a:endParaRPr>
           </a:p>
@@ -5890,8 +12326,8 @@
         </p:blipFill>
         <p:spPr>
           <a:xfrm>
-            <a:off x="6482814" y="723347"/>
-            <a:ext cx="790476" cy="1085714"/>
+            <a:off x="6794937" y="1678098"/>
+            <a:ext cx="1833831" cy="2518756"/>
           </a:xfrm>
           <a:prstGeom prst="rect">
             <a:avLst/>
@@ -5906,8 +12342,8 @@
         </p:nvSpPr>
         <p:spPr>
           <a:xfrm>
-            <a:off x="5541625" y="36095"/>
-            <a:ext cx="6620723" cy="646331"/>
+            <a:off x="4611466" y="83740"/>
+            <a:ext cx="14996413" cy="1377557"/>
           </a:xfrm>
           <a:prstGeom prst="rect">
             <a:avLst/>
@@ -5920,21 +12356,19 @@
           <a:lstStyle/>
           <a:p>
             <a:r>
-              <a:rPr lang="en-US" b="1" i="0" dirty="0" smtClean="0">
+              <a:rPr lang="en-US" sz="4176" b="1" dirty="0">
                 <a:solidFill>
                   <a:srgbClr val="000000"/>
                 </a:solidFill>
-                <a:effectLst/>
                 <a:latin typeface="Helvetica Neue"/>
               </a:rPr>
               <a:t>Generalized term for the Euclidean n</a:t>
             </a:r>
             <a:r>
-              <a:rPr lang="en-US" altLang="zh-CN" b="1" i="0" dirty="0" smtClean="0">
+              <a:rPr lang="en-US" altLang="zh-CN" sz="4176" b="1" dirty="0">
                 <a:solidFill>
                   <a:srgbClr val="000000"/>
                 </a:solidFill>
-                <a:effectLst/>
                 <a:latin typeface="Helvetica Neue"/>
               </a:rPr>
               <a:t>orm is the L2 norm/</a:t>
@@ -5942,7 +12376,7 @@
           </a:p>
           <a:p>
             <a:r>
-              <a:rPr lang="en-US" b="1" dirty="0" smtClean="0">
+              <a:rPr lang="en-US" sz="4176" b="1" dirty="0">
                 <a:solidFill>
                   <a:srgbClr val="000000"/>
                 </a:solidFill>
@@ -5950,11 +12384,10 @@
               </a:rPr>
               <a:t>Distance.</a:t>
             </a:r>
-            <a:endParaRPr lang="en-US" b="1" i="0" dirty="0">
+            <a:endParaRPr lang="en-US" sz="4176" b="1" dirty="0">
               <a:solidFill>
                 <a:srgbClr val="000000"/>
               </a:solidFill>
-              <a:effectLst/>
               <a:latin typeface="Helvetica Neue"/>
             </a:endParaRPr>
           </a:p>
@@ -5976,8 +12409,8 @@
         </p:blipFill>
         <p:spPr>
           <a:xfrm>
-            <a:off x="5184312" y="2178393"/>
-            <a:ext cx="5033710" cy="1480503"/>
+            <a:off x="3782533" y="5053671"/>
+            <a:ext cx="11677741" cy="3434630"/>
           </a:xfrm>
           <a:prstGeom prst="rect">
             <a:avLst/>
@@ -6000,8 +12433,8 @@
         </p:blipFill>
         <p:spPr>
           <a:xfrm>
-            <a:off x="5126743" y="3653402"/>
-            <a:ext cx="5003848" cy="1566595"/>
+            <a:off x="3648976" y="8475557"/>
+            <a:ext cx="11608464" cy="3634355"/>
           </a:xfrm>
           <a:prstGeom prst="rect">
             <a:avLst/>
@@ -6024,8 +12457,8 @@
         </p:blipFill>
         <p:spPr>
           <a:xfrm>
-            <a:off x="5184312" y="5156058"/>
-            <a:ext cx="3893897" cy="1538948"/>
+            <a:off x="3782532" y="11961580"/>
+            <a:ext cx="9033480" cy="3570217"/>
           </a:xfrm>
           <a:prstGeom prst="rect">
             <a:avLst/>
@@ -6040,8 +12473,8 @@
         </p:nvSpPr>
         <p:spPr>
           <a:xfrm>
-            <a:off x="8496637" y="5057522"/>
-            <a:ext cx="712099" cy="1637484"/>
+            <a:off x="11466819" y="11732985"/>
+            <a:ext cx="1652004" cy="3798811"/>
           </a:xfrm>
           <a:prstGeom prst="rect">
             <a:avLst/>
@@ -6070,11 +12503,16 @@
           </a:fontRef>
         </p:style>
         <p:txBody>
-          <a:bodyPr rtlCol="0" anchor="ctr"/>
+          <a:bodyPr rot="0" spcFirstLastPara="0" vertOverflow="overflow" horzOverflow="overflow" vert="horz" wrap="square" lIns="212132" tIns="106066" rIns="212132" bIns="106066" numCol="1" spcCol="0" rtlCol="0" fromWordArt="0" anchor="ctr" anchorCtr="0" forceAA="0" compatLnSpc="1">
+            <a:prstTxWarp prst="textNoShape">
+              <a:avLst/>
+            </a:prstTxWarp>
+            <a:noAutofit/>
+          </a:bodyPr>
           <a:lstStyle/>
           <a:p>
             <a:pPr algn="ctr"/>
-            <a:endParaRPr lang="en-US"/>
+            <a:endParaRPr lang="en-US" sz="4176"/>
           </a:p>
         </p:txBody>
       </p:sp>
@@ -6094,7 +12532,7 @@
 <file path=ppt/theme/theme1.xml><?xml version="1.0" encoding="utf-8"?>
 <a:theme xmlns:a="http://schemas.openxmlformats.org/drawingml/2006/main" name="Office Theme">
   <a:themeElements>
-    <a:clrScheme name="Office">
+    <a:clrScheme name="Office Theme">
       <a:dk1>
         <a:sysClr val="windowText" lastClr="000000"/>
       </a:dk1>
@@ -6132,7 +12570,7 @@
         <a:srgbClr val="954F72"/>
       </a:folHlink>
     </a:clrScheme>
-    <a:fontScheme name="Office">
+    <a:fontScheme name="Office Theme">
       <a:majorFont>
         <a:latin typeface="Calibri Light" panose="020F0302020204030204"/>
         <a:ea typeface=""/>
@@ -6204,7 +12642,7 @@
         <a:font script="Geor" typeface="Sylfaen"/>
       </a:minorFont>
     </a:fontScheme>
-    <a:fmtScheme name="Office">
+    <a:fmtScheme name="Office Theme">
       <a:fillStyleLst>
         <a:solidFill>
           <a:schemeClr val="phClr"/>
